--- a/HamadaEx1.pptx
+++ b/HamadaEx1.pptx
@@ -5,7 +5,7 @@
     <p:sldMasterId id="2147483648" r:id="rId1"/>
   </p:sldMasterIdLst>
   <p:notesMasterIdLst>
-    <p:notesMasterId r:id="rId26"/>
+    <p:notesMasterId r:id="rId30"/>
   </p:notesMasterIdLst>
   <p:sldIdLst>
     <p:sldId id="256" r:id="rId2"/>
@@ -14,24 +14,28 @@
     <p:sldId id="260" r:id="rId5"/>
     <p:sldId id="261" r:id="rId6"/>
     <p:sldId id="262" r:id="rId7"/>
-    <p:sldId id="263" r:id="rId8"/>
-    <p:sldId id="264" r:id="rId9"/>
-    <p:sldId id="266" r:id="rId10"/>
-    <p:sldId id="265" r:id="rId11"/>
-    <p:sldId id="267" r:id="rId12"/>
-    <p:sldId id="268" r:id="rId13"/>
-    <p:sldId id="269" r:id="rId14"/>
-    <p:sldId id="270" r:id="rId15"/>
-    <p:sldId id="271" r:id="rId16"/>
-    <p:sldId id="272" r:id="rId17"/>
-    <p:sldId id="273" r:id="rId18"/>
-    <p:sldId id="274" r:id="rId19"/>
-    <p:sldId id="275" r:id="rId20"/>
-    <p:sldId id="276" r:id="rId21"/>
-    <p:sldId id="277" r:id="rId22"/>
+    <p:sldId id="266" r:id="rId8"/>
+    <p:sldId id="280" r:id="rId9"/>
+    <p:sldId id="281" r:id="rId10"/>
+    <p:sldId id="282" r:id="rId11"/>
+    <p:sldId id="265" r:id="rId12"/>
+    <p:sldId id="283" r:id="rId13"/>
+    <p:sldId id="267" r:id="rId14"/>
+    <p:sldId id="268" r:id="rId15"/>
+    <p:sldId id="284" r:id="rId16"/>
+    <p:sldId id="269" r:id="rId17"/>
+    <p:sldId id="270" r:id="rId18"/>
+    <p:sldId id="287" r:id="rId19"/>
+    <p:sldId id="286" r:id="rId20"/>
+    <p:sldId id="288" r:id="rId21"/>
+    <p:sldId id="276" r:id="rId22"/>
     <p:sldId id="278" r:id="rId23"/>
-    <p:sldId id="279" r:id="rId24"/>
-    <p:sldId id="258" r:id="rId25"/>
+    <p:sldId id="290" r:id="rId24"/>
+    <p:sldId id="289" r:id="rId25"/>
+    <p:sldId id="271" r:id="rId26"/>
+    <p:sldId id="272" r:id="rId27"/>
+    <p:sldId id="291" r:id="rId28"/>
+    <p:sldId id="258" r:id="rId29"/>
   </p:sldIdLst>
   <p:sldSz cx="12192000" cy="6858000"/>
   <p:notesSz cx="6858000" cy="9144000"/>
@@ -220,7 +224,7 @@
           <a:p>
             <a:fld id="{ADA4B69A-3117-4C50-8B93-EB2FBF224EDC}" type="datetimeFigureOut">
               <a:rPr lang="en-US" smtClean="0"/>
-              <a:t>10/6/2023</a:t>
+              <a:t>10/9/2023</a:t>
             </a:fld>
             <a:endParaRPr lang="en-US"/>
           </a:p>
@@ -634,7 +638,7 @@
           <a:p>
             <a:fld id="{8E7BCC55-837A-4F66-809E-A4B5352C019E}" type="datetime1">
               <a:rPr lang="en-US" smtClean="0"/>
-              <a:t>10/6/2023</a:t>
+              <a:t>10/9/2023</a:t>
             </a:fld>
             <a:endParaRPr lang="en-US"/>
           </a:p>
@@ -832,7 +836,7 @@
           <a:p>
             <a:fld id="{CBA9F315-0859-4769-8ABF-D13377949215}" type="datetime1">
               <a:rPr lang="en-US" smtClean="0"/>
-              <a:t>10/6/2023</a:t>
+              <a:t>10/9/2023</a:t>
             </a:fld>
             <a:endParaRPr lang="en-US"/>
           </a:p>
@@ -1040,7 +1044,7 @@
           <a:p>
             <a:fld id="{48672B69-3B15-4329-95AF-BF8C30AEB268}" type="datetime1">
               <a:rPr lang="en-US" smtClean="0"/>
-              <a:t>10/6/2023</a:t>
+              <a:t>10/9/2023</a:t>
             </a:fld>
             <a:endParaRPr lang="en-US"/>
           </a:p>
@@ -1238,7 +1242,7 @@
           <a:p>
             <a:fld id="{B3616445-8F31-4B8A-BD7F-7ECB4693829F}" type="datetime1">
               <a:rPr lang="en-US" smtClean="0"/>
-              <a:t>10/6/2023</a:t>
+              <a:t>10/9/2023</a:t>
             </a:fld>
             <a:endParaRPr lang="en-US"/>
           </a:p>
@@ -1513,7 +1517,7 @@
           <a:p>
             <a:fld id="{8F21CCFC-76C7-46D3-9306-CD809372D843}" type="datetime1">
               <a:rPr lang="en-US" smtClean="0"/>
-              <a:t>10/6/2023</a:t>
+              <a:t>10/9/2023</a:t>
             </a:fld>
             <a:endParaRPr lang="en-US"/>
           </a:p>
@@ -1778,7 +1782,7 @@
           <a:p>
             <a:fld id="{ABDA566B-7CCD-4627-89A6-BA3A42933652}" type="datetime1">
               <a:rPr lang="en-US" smtClean="0"/>
-              <a:t>10/6/2023</a:t>
+              <a:t>10/9/2023</a:t>
             </a:fld>
             <a:endParaRPr lang="en-US"/>
           </a:p>
@@ -2190,7 +2194,7 @@
           <a:p>
             <a:fld id="{3C8B2286-B425-492F-B5A9-3F20E75B2F1E}" type="datetime1">
               <a:rPr lang="en-US" smtClean="0"/>
-              <a:t>10/6/2023</a:t>
+              <a:t>10/9/2023</a:t>
             </a:fld>
             <a:endParaRPr lang="en-US"/>
           </a:p>
@@ -2331,7 +2335,7 @@
           <a:p>
             <a:fld id="{E6075C2F-D1B5-4046-850C-0F6D7E5182DA}" type="datetime1">
               <a:rPr lang="en-US" smtClean="0"/>
-              <a:t>10/6/2023</a:t>
+              <a:t>10/9/2023</a:t>
             </a:fld>
             <a:endParaRPr lang="en-US"/>
           </a:p>
@@ -2444,7 +2448,7 @@
           <a:p>
             <a:fld id="{3C3095BD-FB58-4355-A58B-8FD05223EBA2}" type="datetime1">
               <a:rPr lang="en-US" smtClean="0"/>
-              <a:t>10/6/2023</a:t>
+              <a:t>10/9/2023</a:t>
             </a:fld>
             <a:endParaRPr lang="en-US"/>
           </a:p>
@@ -2755,7 +2759,7 @@
           <a:p>
             <a:fld id="{1B721753-A3CE-44C2-A1E3-703BA6E3D52A}" type="datetime1">
               <a:rPr lang="en-US" smtClean="0"/>
-              <a:t>10/6/2023</a:t>
+              <a:t>10/9/2023</a:t>
             </a:fld>
             <a:endParaRPr lang="en-US"/>
           </a:p>
@@ -3043,7 +3047,7 @@
           <a:p>
             <a:fld id="{3D3C524D-7C44-4C64-9B89-7E52E78E55C1}" type="datetime1">
               <a:rPr lang="en-US" smtClean="0"/>
-              <a:t>10/6/2023</a:t>
+              <a:t>10/9/2023</a:t>
             </a:fld>
             <a:endParaRPr lang="en-US"/>
           </a:p>
@@ -3284,7 +3288,7 @@
           <a:p>
             <a:fld id="{39F0EBB0-B260-42C3-B63A-FD9F04344527}" type="datetime1">
               <a:rPr lang="en-US" smtClean="0"/>
-              <a:t>10/6/2023</a:t>
+              <a:t>10/9/2023</a:t>
             </a:fld>
             <a:endParaRPr lang="en-US"/>
           </a:p>
@@ -3842,7 +3846,7 @@
           <p:cNvPr id="2" name="Title 1">
             <a:extLst>
               <a:ext uri="{FF2B5EF4-FFF2-40B4-BE49-F238E27FC236}">
-                <a16:creationId xmlns:a16="http://schemas.microsoft.com/office/drawing/2014/main" id="{BB7F5FCE-7F02-85EE-6514-1EA145544C41}"/>
+                <a16:creationId xmlns:a16="http://schemas.microsoft.com/office/drawing/2014/main" id="{6AA25964-45B8-338E-D8D2-C9D132A9C3D6}"/>
               </a:ext>
             </a:extLst>
           </p:cNvPr>
@@ -3860,7 +3864,7 @@
           <a:p>
             <a:r>
               <a:rPr lang="en-US" dirty="0"/>
-              <a:t>R code… </a:t>
+              <a:t>Steps 2, 3</a:t>
             </a:r>
           </a:p>
         </p:txBody>
@@ -3870,7 +3874,7 @@
           <p:cNvPr id="3" name="Content Placeholder 2">
             <a:extLst>
               <a:ext uri="{FF2B5EF4-FFF2-40B4-BE49-F238E27FC236}">
-                <a16:creationId xmlns:a16="http://schemas.microsoft.com/office/drawing/2014/main" id="{BD439666-EA58-E898-9CCE-45A74202EA0F}"/>
+                <a16:creationId xmlns:a16="http://schemas.microsoft.com/office/drawing/2014/main" id="{B3D46C21-4C0F-7907-A391-9A437D508A30}"/>
               </a:ext>
             </a:extLst>
           </p:cNvPr>
@@ -3886,17 +3890,12 @@
           <a:bodyPr/>
           <a:lstStyle/>
           <a:p>
-            <a:r>
-              <a:rPr lang="en-US" dirty="0"/>
-              <a:t>Set up </a:t>
-            </a:r>
-            <a:r>
-              <a:rPr lang="en-US" dirty="0" err="1"/>
-              <a:t>rjags</a:t>
-            </a:r>
-            <a:r>
-              <a:rPr lang="en-US" dirty="0"/>
-              <a:t> stuff</a:t>
+            <a:pPr marL="514350" indent="-514350">
+              <a:buAutoNum type="arabicPeriod" startAt="2"/>
+            </a:pPr>
+            <a:r>
+              <a:rPr lang="en-US" dirty="0"/>
+              <a:t>Create a data list</a:t>
             </a:r>
           </a:p>
           <a:p>
@@ -3904,12 +3903,42 @@
               <a:buNone/>
             </a:pPr>
             <a:r>
-              <a:rPr lang="en-US" dirty="0"/>
-              <a:t>library(</a:t>
-            </a:r>
-            <a:r>
-              <a:rPr lang="en-US" dirty="0" err="1"/>
-              <a:t>rjags</a:t>
+              <a:rPr lang="en-US" dirty="0" err="1"/>
+              <a:t>data_list</a:t>
+            </a:r>
+            <a:r>
+              <a:rPr lang="en-US" dirty="0"/>
+              <a:t> &lt;- list(  </a:t>
+            </a:r>
+          </a:p>
+          <a:p>
+            <a:pPr marL="457200" lvl="1" indent="0">
+              <a:buNone/>
+            </a:pPr>
+            <a:r>
+              <a:rPr lang="en-US" dirty="0"/>
+              <a:t>   successes = </a:t>
+            </a:r>
+            <a:r>
+              <a:rPr lang="en-US" dirty="0" err="1"/>
+              <a:t>observed_successes</a:t>
+            </a:r>
+            <a:r>
+              <a:rPr lang="en-US" dirty="0"/>
+              <a:t>, </a:t>
+            </a:r>
+          </a:p>
+          <a:p>
+            <a:pPr marL="457200" lvl="1" indent="0">
+              <a:buNone/>
+            </a:pPr>
+            <a:r>
+              <a:rPr lang="en-US" dirty="0"/>
+              <a:t>   trials = </a:t>
+            </a:r>
+            <a:r>
+              <a:rPr lang="en-US" dirty="0" err="1"/>
+              <a:t>total_trials</a:t>
             </a:r>
             <a:r>
               <a:rPr lang="en-US" dirty="0"/>
@@ -3917,81 +3946,46 @@
             </a:r>
           </a:p>
           <a:p>
-            <a:pPr marL="457200" lvl="1" indent="0">
+            <a:pPr marL="0" indent="0">
               <a:buNone/>
             </a:pPr>
             <a:r>
               <a:rPr lang="en-US" dirty="0"/>
-              <a:t># Define failure data</a:t>
-            </a:r>
-          </a:p>
-          <a:p>
-            <a:pPr marL="457200" lvl="1" indent="0">
+              <a:t>3. Initialize the parameters – values or a function</a:t>
+            </a:r>
+          </a:p>
+          <a:p>
+            <a:pPr marL="0" indent="0">
               <a:buNone/>
             </a:pPr>
             <a:r>
-              <a:rPr lang="en-US" dirty="0" err="1"/>
-              <a:t>observed_successes</a:t>
-            </a:r>
-            <a:r>
-              <a:rPr lang="en-US" dirty="0"/>
-              <a:t> &lt;- 3  # Replace with the number of observed successes </a:t>
-            </a:r>
-            <a:r>
-              <a:rPr lang="en-US" dirty="0" err="1"/>
-              <a:t>total_trials</a:t>
-            </a:r>
-            <a:r>
-              <a:rPr lang="en-US" dirty="0"/>
-              <a:t> &lt;- 11       # Replace with the total number of trials</a:t>
-            </a:r>
-          </a:p>
-          <a:p>
-            <a:pPr marL="457200" lvl="1" indent="0">
+              <a:rPr lang="en-US" dirty="0"/>
+              <a:t>     #initialize p with a function </a:t>
+            </a:r>
+          </a:p>
+          <a:p>
+            <a:pPr marL="0" indent="0">
               <a:buNone/>
             </a:pPr>
             <a:r>
               <a:rPr lang="en-US" dirty="0"/>
-              <a:t># Specify the number of iterations, burn-in, and thinning</a:t>
-            </a:r>
-          </a:p>
-          <a:p>
-            <a:pPr marL="457200" lvl="1" indent="0">
-              <a:buNone/>
-            </a:pPr>
-            <a:r>
-              <a:rPr lang="en-US" dirty="0" err="1"/>
-              <a:t>n_iterations</a:t>
-            </a:r>
-            <a:r>
-              <a:rPr lang="en-US" dirty="0"/>
-              <a:t> &lt;- 10000</a:t>
-            </a:r>
-          </a:p>
-          <a:p>
-            <a:pPr marL="457200" lvl="1" indent="0">
-              <a:buNone/>
-            </a:pPr>
-            <a:r>
-              <a:rPr lang="en-US" dirty="0" err="1"/>
-              <a:t>n_burnin</a:t>
-            </a:r>
-            <a:r>
-              <a:rPr lang="en-US" dirty="0"/>
-              <a:t> &lt;- 1000</a:t>
-            </a:r>
-          </a:p>
-          <a:p>
-            <a:pPr marL="457200" lvl="1" indent="0">
-              <a:buNone/>
-            </a:pPr>
-            <a:r>
-              <a:rPr lang="en-US" dirty="0" err="1"/>
-              <a:t>n_thin</a:t>
-            </a:r>
-            <a:r>
-              <a:rPr lang="en-US" dirty="0"/>
-              <a:t> &lt;- 2</a:t>
+              <a:t>     </a:t>
+            </a:r>
+            <a:r>
+              <a:rPr lang="en-US" dirty="0" err="1"/>
+              <a:t>initialP</a:t>
+            </a:r>
+            <a:r>
+              <a:rPr lang="en-US" dirty="0"/>
+              <a:t> = function(){  list(p=</a:t>
+            </a:r>
+            <a:r>
+              <a:rPr lang="en-US" dirty="0" err="1"/>
+              <a:t>runif</a:t>
+            </a:r>
+            <a:r>
+              <a:rPr lang="en-US" dirty="0"/>
+              <a:t>(1))}</a:t>
             </a:r>
           </a:p>
         </p:txBody>
@@ -4001,7 +3995,7 @@
           <p:cNvPr id="4" name="Slide Number Placeholder 3">
             <a:extLst>
               <a:ext uri="{FF2B5EF4-FFF2-40B4-BE49-F238E27FC236}">
-                <a16:creationId xmlns:a16="http://schemas.microsoft.com/office/drawing/2014/main" id="{EAAACC5B-1679-0731-BC3A-DE4F1374145C}"/>
+                <a16:creationId xmlns:a16="http://schemas.microsoft.com/office/drawing/2014/main" id="{CDC51934-8B41-B2A3-2DF3-1071F22295FA}"/>
               </a:ext>
             </a:extLst>
           </p:cNvPr>
@@ -4028,7 +4022,7 @@
     </p:spTree>
     <p:extLst>
       <p:ext uri="{BB962C8B-B14F-4D97-AF65-F5344CB8AC3E}">
-        <p14:creationId xmlns:p14="http://schemas.microsoft.com/office/powerpoint/2010/main" val="1110866184"/>
+        <p14:creationId xmlns:p14="http://schemas.microsoft.com/office/powerpoint/2010/main" val="1031756619"/>
       </p:ext>
     </p:extLst>
   </p:cSld>
@@ -4060,7 +4054,7 @@
           <p:cNvPr id="2" name="Title 1">
             <a:extLst>
               <a:ext uri="{FF2B5EF4-FFF2-40B4-BE49-F238E27FC236}">
-                <a16:creationId xmlns:a16="http://schemas.microsoft.com/office/drawing/2014/main" id="{554014EF-DBA8-FC17-1F84-BFCA47652EA0}"/>
+                <a16:creationId xmlns:a16="http://schemas.microsoft.com/office/drawing/2014/main" id="{BB7F5FCE-7F02-85EE-6514-1EA145544C41}"/>
               </a:ext>
             </a:extLst>
           </p:cNvPr>
@@ -4078,7 +4072,7 @@
           <a:p>
             <a:r>
               <a:rPr lang="en-US" dirty="0"/>
-              <a:t>Set up the jags model</a:t>
+              <a:t>R code… </a:t>
             </a:r>
           </a:p>
         </p:txBody>
@@ -4088,7 +4082,7 @@
           <p:cNvPr id="3" name="Content Placeholder 2">
             <a:extLst>
               <a:ext uri="{FF2B5EF4-FFF2-40B4-BE49-F238E27FC236}">
-                <a16:creationId xmlns:a16="http://schemas.microsoft.com/office/drawing/2014/main" id="{17ADF788-3D29-5727-AE1B-E697020C0EBD}"/>
+                <a16:creationId xmlns:a16="http://schemas.microsoft.com/office/drawing/2014/main" id="{BD439666-EA58-E898-9CCE-45A74202EA0F}"/>
               </a:ext>
             </a:extLst>
           </p:cNvPr>
@@ -4101,146 +4095,128 @@
         </p:nvSpPr>
         <p:spPr/>
         <p:txBody>
-          <a:bodyPr>
-            <a:normAutofit fontScale="62500" lnSpcReduction="20000"/>
-          </a:bodyPr>
-          <a:lstStyle/>
-          <a:p>
-            <a:r>
-              <a:rPr lang="en-US" dirty="0"/>
-              <a:t># Define the model</a:t>
-            </a:r>
-          </a:p>
-          <a:p>
-            <a:r>
-              <a:rPr lang="en-US" dirty="0" err="1"/>
-              <a:t>model_code</a:t>
-            </a:r>
-            <a:r>
-              <a:rPr lang="en-US" dirty="0"/>
-              <a:t> &lt;- "model {  </a:t>
-            </a:r>
-          </a:p>
-          <a:p>
-            <a:r>
-              <a:rPr lang="en-US" dirty="0"/>
-              <a:t># Likelihood: Binomial distribution  </a:t>
-            </a:r>
-          </a:p>
-          <a:p>
-            <a:r>
-              <a:rPr lang="en-US" dirty="0"/>
-              <a:t>successes ~ </a:t>
-            </a:r>
-            <a:r>
-              <a:rPr lang="en-US" dirty="0" err="1"/>
-              <a:t>dbin</a:t>
-            </a:r>
-            <a:r>
-              <a:rPr lang="en-US" dirty="0"/>
-              <a:t>(p, trials)    </a:t>
-            </a:r>
-          </a:p>
-          <a:p>
-            <a:r>
-              <a:rPr lang="en-US" dirty="0"/>
-              <a:t># Prior: Uniform prior for binomial probability  </a:t>
-            </a:r>
-          </a:p>
-          <a:p>
-            <a:r>
-              <a:rPr lang="en-US" dirty="0"/>
-              <a:t>#p ~ </a:t>
-            </a:r>
-            <a:r>
-              <a:rPr lang="en-US" dirty="0" err="1"/>
-              <a:t>dunif</a:t>
-            </a:r>
-            <a:r>
-              <a:rPr lang="en-US" dirty="0"/>
-              <a:t>(0, 1) # vague prior  </a:t>
-            </a:r>
-          </a:p>
-          <a:p>
-            <a:r>
-              <a:rPr lang="en-US" dirty="0"/>
-              <a:t>#p ~ </a:t>
-            </a:r>
-            <a:r>
-              <a:rPr lang="en-US" dirty="0" err="1"/>
-              <a:t>dbeta</a:t>
-            </a:r>
-            <a:r>
-              <a:rPr lang="en-US" dirty="0"/>
-              <a:t>(0.5, 0.5) #Jeffreys prior  </a:t>
-            </a:r>
-          </a:p>
-          <a:p>
-            <a:r>
-              <a:rPr lang="en-US" dirty="0"/>
-              <a:t>p ~ </a:t>
-            </a:r>
-            <a:r>
-              <a:rPr lang="en-US" dirty="0" err="1"/>
-              <a:t>dbeta</a:t>
-            </a:r>
-            <a:r>
-              <a:rPr lang="en-US" dirty="0"/>
-              <a:t>(2.7, 5.8) # informative prior  </a:t>
-            </a:r>
-          </a:p>
-          <a:p>
-            <a:r>
-              <a:rPr lang="en-US" dirty="0"/>
-              <a:t>#x ~ </a:t>
-            </a:r>
-            <a:r>
-              <a:rPr lang="en-US" dirty="0" err="1"/>
-              <a:t>dexp</a:t>
-            </a:r>
-            <a:r>
-              <a:rPr lang="en-US" dirty="0"/>
-              <a:t>(0.1)    </a:t>
-            </a:r>
-          </a:p>
-          <a:p>
-            <a:r>
-              <a:rPr lang="en-US" dirty="0"/>
-              <a:t>#logit   p = x/(x+1)  same as p &lt;- </a:t>
-            </a:r>
-            <a:r>
-              <a:rPr lang="en-US" dirty="0" err="1"/>
-              <a:t>ilogit</a:t>
-            </a:r>
-            <a:r>
-              <a:rPr lang="en-US" dirty="0"/>
-              <a:t>(x)  </a:t>
-            </a:r>
-          </a:p>
-          <a:p>
-            <a:r>
-              <a:rPr lang="en-US" dirty="0"/>
-              <a:t>#logit(p) &lt;- x        </a:t>
-            </a:r>
-          </a:p>
-          <a:p>
-            <a:r>
-              <a:rPr lang="en-US" dirty="0"/>
-              <a:t>#probit  p = inverse normal CDF(x) </a:t>
-            </a:r>
-          </a:p>
-          <a:p>
-            <a:r>
-              <a:rPr lang="en-US" dirty="0"/>
-              <a:t> #probit(p) &lt;- x    #loglogistic  #p &lt;- </a:t>
-            </a:r>
-            <a:r>
-              <a:rPr lang="en-US" dirty="0" err="1"/>
-              <a:t>ilogit</a:t>
-            </a:r>
-            <a:r>
-              <a:rPr lang="en-US" dirty="0"/>
-              <a:t>(x)  }"</a:t>
+          <a:bodyPr/>
+          <a:lstStyle/>
+          <a:p>
+            <a:r>
+              <a:rPr lang="en-US" dirty="0"/>
+              <a:t>Set up </a:t>
+            </a:r>
+            <a:r>
+              <a:rPr lang="en-US" dirty="0" err="1"/>
+              <a:t>rjags</a:t>
+            </a:r>
+            <a:r>
+              <a:rPr lang="en-US" dirty="0"/>
+              <a:t> stuff</a:t>
+            </a:r>
+          </a:p>
+          <a:p>
+            <a:pPr marL="457200" lvl="1" indent="0">
+              <a:buNone/>
+            </a:pPr>
+            <a:r>
+              <a:rPr lang="en-US" dirty="0"/>
+              <a:t>library(</a:t>
+            </a:r>
+            <a:r>
+              <a:rPr lang="en-US" dirty="0" err="1"/>
+              <a:t>rjags</a:t>
+            </a:r>
+            <a:r>
+              <a:rPr lang="en-US" dirty="0"/>
+              <a:t>)</a:t>
+            </a:r>
+          </a:p>
+          <a:p>
+            <a:pPr marL="457200" lvl="1" indent="0">
+              <a:buNone/>
+            </a:pPr>
+            <a:r>
+              <a:rPr lang="en-US" dirty="0"/>
+              <a:t># Define failure data</a:t>
+            </a:r>
+          </a:p>
+          <a:p>
+            <a:pPr marL="457200" lvl="1" indent="0">
+              <a:buNone/>
+            </a:pPr>
+            <a:r>
+              <a:rPr lang="en-US" dirty="0" err="1"/>
+              <a:t>observed_successes</a:t>
+            </a:r>
+            <a:r>
+              <a:rPr lang="en-US" dirty="0"/>
+              <a:t> &lt;- 3  </a:t>
+            </a:r>
+          </a:p>
+          <a:p>
+            <a:pPr marL="457200" lvl="1" indent="0">
+              <a:buNone/>
+            </a:pPr>
+            <a:r>
+              <a:rPr lang="en-US" dirty="0" err="1"/>
+              <a:t>total_trials</a:t>
+            </a:r>
+            <a:r>
+              <a:rPr lang="en-US" dirty="0"/>
+              <a:t> &lt;- 11</a:t>
+            </a:r>
+          </a:p>
+          <a:p>
+            <a:pPr marL="457200" lvl="1" indent="0">
+              <a:buNone/>
+            </a:pPr>
+            <a:r>
+              <a:rPr lang="en-US" dirty="0"/>
+              <a:t># Specify the number of iterations, burn-in, and thinning (these were described in the </a:t>
+            </a:r>
+            <a:r>
+              <a:rPr lang="en-US" dirty="0" err="1"/>
+              <a:t>DataWorks</a:t>
+            </a:r>
+            <a:r>
+              <a:rPr lang="en-US" dirty="0"/>
+              <a:t> video</a:t>
+            </a:r>
+          </a:p>
+          <a:p>
+            <a:pPr marL="457200" lvl="1" indent="0">
+              <a:buNone/>
+            </a:pPr>
+            <a:r>
+              <a:rPr lang="en-US" dirty="0" err="1"/>
+              <a:t>n_iterations</a:t>
+            </a:r>
+            <a:r>
+              <a:rPr lang="en-US" dirty="0"/>
+              <a:t> &lt;- 10000</a:t>
+            </a:r>
+          </a:p>
+          <a:p>
+            <a:pPr marL="457200" lvl="1" indent="0">
+              <a:buNone/>
+            </a:pPr>
+            <a:r>
+              <a:rPr lang="en-US" dirty="0" err="1"/>
+              <a:t>n_burnin</a:t>
+            </a:r>
+            <a:r>
+              <a:rPr lang="en-US" dirty="0"/>
+              <a:t> &lt;- 1000</a:t>
+            </a:r>
+          </a:p>
+          <a:p>
+            <a:pPr marL="457200" lvl="1" indent="0">
+              <a:buNone/>
+            </a:pPr>
+            <a:r>
+              <a:rPr lang="en-US" dirty="0" err="1"/>
+              <a:t>n_thin</a:t>
+            </a:r>
+            <a:r>
+              <a:rPr lang="en-US" dirty="0"/>
+              <a:t> &lt;- 1</a:t>
             </a:r>
           </a:p>
         </p:txBody>
@@ -4250,7 +4226,7 @@
           <p:cNvPr id="4" name="Slide Number Placeholder 3">
             <a:extLst>
               <a:ext uri="{FF2B5EF4-FFF2-40B4-BE49-F238E27FC236}">
-                <a16:creationId xmlns:a16="http://schemas.microsoft.com/office/drawing/2014/main" id="{046F1077-A119-75BB-82D3-F6D0AD22A2AE}"/>
+                <a16:creationId xmlns:a16="http://schemas.microsoft.com/office/drawing/2014/main" id="{EAAACC5B-1679-0731-BC3A-DE4F1374145C}"/>
               </a:ext>
             </a:extLst>
           </p:cNvPr>
@@ -4274,61 +4250,10 @@
           </a:p>
         </p:txBody>
       </p:sp>
-      <p:sp>
-        <p:nvSpPr>
-          <p:cNvPr id="5" name="TextBox 4">
-            <a:extLst>
-              <a:ext uri="{FF2B5EF4-FFF2-40B4-BE49-F238E27FC236}">
-                <a16:creationId xmlns:a16="http://schemas.microsoft.com/office/drawing/2014/main" id="{3D3D7022-9DF3-FC2E-B33B-17095770DEA9}"/>
-              </a:ext>
-            </a:extLst>
-          </p:cNvPr>
-          <p:cNvSpPr txBox="1"/>
-          <p:nvPr/>
-        </p:nvSpPr>
-        <p:spPr>
-          <a:xfrm>
-            <a:off x="7861738" y="1825625"/>
-            <a:ext cx="3492062" cy="2246769"/>
-          </a:xfrm>
-          <a:prstGeom prst="rect">
-            <a:avLst/>
-          </a:prstGeom>
-          <a:noFill/>
-        </p:spPr>
-        <p:txBody>
-          <a:bodyPr wrap="square" rtlCol="0">
-            <a:spAutoFit/>
-          </a:bodyPr>
-          <a:lstStyle/>
-          <a:p>
-            <a:r>
-              <a:rPr lang="en-US" sz="2800" dirty="0"/>
-              <a:t>Note: </a:t>
-            </a:r>
-            <a:r>
-              <a:rPr lang="en-US" sz="2800" dirty="0" err="1"/>
-              <a:t>model_code</a:t>
-            </a:r>
-            <a:r>
-              <a:rPr lang="en-US" sz="2800" dirty="0"/>
-              <a:t> can be inline (with </a:t>
-            </a:r>
-            <a:r>
-              <a:rPr lang="en-US" sz="2800" dirty="0" err="1"/>
-              <a:t>textConnection</a:t>
-            </a:r>
-            <a:r>
-              <a:rPr lang="en-US" sz="2800" dirty="0"/>
-              <a:t> function) or may be a text file </a:t>
-            </a:r>
-          </a:p>
-        </p:txBody>
-      </p:sp>
     </p:spTree>
     <p:extLst>
       <p:ext uri="{BB962C8B-B14F-4D97-AF65-F5344CB8AC3E}">
-        <p14:creationId xmlns:p14="http://schemas.microsoft.com/office/powerpoint/2010/main" val="3070851151"/>
+        <p14:creationId xmlns:p14="http://schemas.microsoft.com/office/powerpoint/2010/main" val="1110866184"/>
       </p:ext>
     </p:extLst>
   </p:cSld>
@@ -4360,7 +4285,7 @@
           <p:cNvPr id="2" name="Title 1">
             <a:extLst>
               <a:ext uri="{FF2B5EF4-FFF2-40B4-BE49-F238E27FC236}">
-                <a16:creationId xmlns:a16="http://schemas.microsoft.com/office/drawing/2014/main" id="{47E9A732-2672-A68F-8D5C-DFE0A9A58A30}"/>
+                <a16:creationId xmlns:a16="http://schemas.microsoft.com/office/drawing/2014/main" id="{8AE60BAA-5A29-F909-BC35-9A0CA4ED60B2}"/>
               </a:ext>
             </a:extLst>
           </p:cNvPr>
@@ -4378,7 +4303,7 @@
           <a:p>
             <a:r>
               <a:rPr lang="en-US" dirty="0"/>
-              <a:t>Create data list, initialize, run the model</a:t>
+              <a:t>Steps 4  and 5 </a:t>
             </a:r>
           </a:p>
         </p:txBody>
@@ -4388,7 +4313,7 @@
           <p:cNvPr id="3" name="Content Placeholder 2">
             <a:extLst>
               <a:ext uri="{FF2B5EF4-FFF2-40B4-BE49-F238E27FC236}">
-                <a16:creationId xmlns:a16="http://schemas.microsoft.com/office/drawing/2014/main" id="{A3915A06-5E2B-79E1-86FC-F7076B28E9F6}"/>
+                <a16:creationId xmlns:a16="http://schemas.microsoft.com/office/drawing/2014/main" id="{E3AAD853-FAB9-5F88-F11C-1F77AB4F4214}"/>
               </a:ext>
             </a:extLst>
           </p:cNvPr>
@@ -4404,34 +4329,90 @@
           <a:bodyPr/>
           <a:lstStyle/>
           <a:p>
-            <a:r>
-              <a:rPr lang="en-US" dirty="0"/>
-              <a:t># Create data list, jags model </a:t>
-            </a:r>
-          </a:p>
-          <a:p>
-            <a:pPr marL="457200" lvl="1" indent="0">
-              <a:buNone/>
+            <a:pPr marL="514350" indent="-514350">
+              <a:buAutoNum type="arabicPeriod" startAt="4"/>
             </a:pPr>
             <a:r>
+              <a:rPr lang="en-US" dirty="0"/>
+              <a:t># Initialize JAGS model</a:t>
+            </a:r>
+          </a:p>
+          <a:p>
+            <a:pPr marL="0" indent="0">
+              <a:buNone/>
+            </a:pPr>
+            <a:r>
+              <a:rPr lang="en-US" dirty="0"/>
+              <a:t>	</a:t>
+            </a:r>
+            <a:r>
+              <a:rPr lang="en-US" dirty="0" err="1"/>
+              <a:t>jags_model</a:t>
+            </a:r>
+            <a:r>
+              <a:rPr lang="en-US" dirty="0"/>
+              <a:t> &lt;- </a:t>
+            </a:r>
+            <a:r>
+              <a:rPr lang="en-US" dirty="0" err="1"/>
+              <a:t>jags.model</a:t>
+            </a:r>
+            <a:r>
+              <a:rPr lang="en-US" dirty="0"/>
+              <a:t>(</a:t>
+            </a:r>
+            <a:r>
+              <a:rPr lang="en-US" dirty="0" err="1"/>
+              <a:t>textConnection</a:t>
+            </a:r>
+            <a:r>
+              <a:rPr lang="en-US" dirty="0"/>
+              <a:t>(</a:t>
+            </a:r>
+            <a:r>
+              <a:rPr lang="en-US" dirty="0" err="1"/>
+              <a:t>model_code</a:t>
+            </a:r>
+            <a:r>
+              <a:rPr lang="en-US" dirty="0"/>
+              <a:t>), </a:t>
+            </a:r>
+          </a:p>
+          <a:p>
+            <a:pPr marL="0" indent="0">
+              <a:buNone/>
+            </a:pPr>
+            <a:r>
+              <a:rPr lang="en-US" dirty="0"/>
+              <a:t>                                     data = </a:t>
+            </a:r>
+            <a:r>
               <a:rPr lang="en-US" dirty="0" err="1"/>
               <a:t>data_list</a:t>
             </a:r>
             <a:r>
               <a:rPr lang="en-US" dirty="0"/>
-              <a:t> &lt;- list(  successes = </a:t>
-            </a:r>
-            <a:r>
-              <a:rPr lang="en-US" dirty="0" err="1"/>
-              <a:t>observed_successes</a:t>
-            </a:r>
-            <a:r>
-              <a:rPr lang="en-US" dirty="0"/>
-              <a:t>,  trials =  </a:t>
-            </a:r>
-            <a:r>
-              <a:rPr lang="en-US" dirty="0" err="1"/>
-              <a:t>total_trials</a:t>
+              <a:t>,  </a:t>
+            </a:r>
+            <a:r>
+              <a:rPr lang="en-US" dirty="0" err="1"/>
+              <a:t>n.chains</a:t>
+            </a:r>
+            <a:r>
+              <a:rPr lang="en-US" dirty="0"/>
+              <a:t> = 4, </a:t>
+            </a:r>
+            <a:r>
+              <a:rPr lang="en-US" dirty="0" err="1"/>
+              <a:t>inits</a:t>
+            </a:r>
+            <a:r>
+              <a:rPr lang="en-US" dirty="0"/>
+              <a:t> = </a:t>
+            </a:r>
+            <a:r>
+              <a:rPr lang="en-US" dirty="0" err="1"/>
+              <a:t>initialP</a:t>
             </a:r>
             <a:r>
               <a:rPr lang="en-US" dirty="0"/>
@@ -4439,172 +4420,121 @@
             </a:r>
           </a:p>
           <a:p>
-            <a:r>
-              <a:rPr lang="en-US" dirty="0"/>
-              <a:t> Initialize JAGS model</a:t>
-            </a:r>
-          </a:p>
-          <a:p>
-            <a:pPr marL="457200" lvl="1" indent="0">
+            <a:pPr marL="0" indent="0">
               <a:buNone/>
             </a:pPr>
             <a:r>
+              <a:rPr lang="en-US" dirty="0"/>
+              <a:t>5. # Run the MCMC simulation</a:t>
+            </a:r>
+          </a:p>
+          <a:p>
+            <a:pPr marL="0" indent="0">
+              <a:buNone/>
+            </a:pPr>
+            <a:r>
+              <a:rPr lang="en-US" dirty="0"/>
+              <a:t>	</a:t>
+            </a:r>
+            <a:r>
+              <a:rPr lang="en-US" dirty="0" err="1"/>
+              <a:t>jags_samples</a:t>
+            </a:r>
+            <a:r>
+              <a:rPr lang="en-US" dirty="0"/>
+              <a:t> &lt;- </a:t>
+            </a:r>
+            <a:r>
+              <a:rPr lang="en-US" dirty="0" err="1"/>
+              <a:t>coda.samples</a:t>
+            </a:r>
+            <a:r>
+              <a:rPr lang="en-US" dirty="0"/>
+              <a:t>(</a:t>
+            </a:r>
+            <a:r>
               <a:rPr lang="en-US" dirty="0" err="1"/>
               <a:t>jags_model</a:t>
             </a:r>
             <a:r>
               <a:rPr lang="en-US" dirty="0"/>
-              <a:t> &lt;- </a:t>
-            </a:r>
-            <a:r>
-              <a:rPr lang="en-US" dirty="0" err="1"/>
-              <a:t>jags.model</a:t>
-            </a:r>
-            <a:r>
-              <a:rPr lang="en-US" dirty="0"/>
-              <a:t>(</a:t>
-            </a:r>
-            <a:r>
-              <a:rPr lang="en-US" dirty="0" err="1"/>
-              <a:t>textConnection</a:t>
-            </a:r>
-            <a:r>
-              <a:rPr lang="en-US" dirty="0"/>
-              <a:t>(</a:t>
-            </a:r>
-            <a:r>
-              <a:rPr lang="en-US" dirty="0" err="1"/>
-              <a:t>model_code</a:t>
-            </a:r>
-            <a:r>
-              <a:rPr lang="en-US" dirty="0"/>
-              <a:t>), </a:t>
-            </a:r>
-          </a:p>
-          <a:p>
-            <a:pPr marL="457200" lvl="1" indent="0">
+              <a:t>, </a:t>
+            </a:r>
+            <a:r>
+              <a:rPr lang="en-US" dirty="0" err="1"/>
+              <a:t>variable.names</a:t>
+            </a:r>
+            <a:r>
+              <a:rPr lang="en-US" dirty="0"/>
+              <a:t> = "p",                     		</a:t>
+            </a:r>
+            <a:r>
+              <a:rPr lang="en-US" dirty="0" err="1"/>
+              <a:t>n.iter</a:t>
+            </a:r>
+            <a:r>
+              <a:rPr lang="en-US" dirty="0"/>
+              <a:t> = </a:t>
+            </a:r>
+            <a:r>
+              <a:rPr lang="en-US" dirty="0" err="1"/>
+              <a:t>n_iterations</a:t>
+            </a:r>
+            <a:r>
+              <a:rPr lang="en-US" dirty="0"/>
+              <a:t>, </a:t>
+            </a:r>
+            <a:r>
+              <a:rPr lang="en-US" dirty="0" err="1"/>
+              <a:t>n.burnin</a:t>
+            </a:r>
+            <a:r>
+              <a:rPr lang="en-US" dirty="0"/>
+              <a:t> = </a:t>
+            </a:r>
+            <a:r>
+              <a:rPr lang="en-US" dirty="0" err="1"/>
+              <a:t>n_burnin</a:t>
+            </a:r>
+            <a:r>
+              <a:rPr lang="en-US" dirty="0"/>
+              <a:t>, thin = </a:t>
+            </a:r>
+            <a:r>
+              <a:rPr lang="en-US" dirty="0" err="1"/>
+              <a:t>n_thin</a:t>
+            </a:r>
+            <a:r>
+              <a:rPr lang="en-US" dirty="0"/>
+              <a:t>)</a:t>
+            </a:r>
+          </a:p>
+          <a:p>
+            <a:pPr marL="0" indent="0">
               <a:buNone/>
             </a:pPr>
             <a:r>
               <a:rPr lang="en-US" dirty="0"/>
-              <a:t>                          data = </a:t>
-            </a:r>
-            <a:r>
-              <a:rPr lang="en-US" dirty="0" err="1"/>
-              <a:t>data_list</a:t>
-            </a:r>
-            <a:r>
-              <a:rPr lang="en-US" dirty="0"/>
-              <a:t>, </a:t>
-            </a:r>
-            <a:r>
-              <a:rPr lang="en-US" dirty="0" err="1"/>
-              <a:t>n.chains</a:t>
-            </a:r>
-            <a:r>
-              <a:rPr lang="en-US" dirty="0"/>
-              <a:t> = 3)</a:t>
-            </a:r>
-            <a:endParaRPr lang="en-US" sz="2800" dirty="0"/>
-          </a:p>
-          <a:p>
-            <a:r>
-              <a:rPr lang="en-US" dirty="0"/>
-              <a:t># Run the MCMC simulation</a:t>
-            </a:r>
-          </a:p>
-          <a:p>
-            <a:pPr marL="457200" lvl="1" indent="0">
+              <a:t>And get the results</a:t>
+            </a:r>
+          </a:p>
+          <a:p>
+            <a:pPr marL="0" indent="0">
               <a:buNone/>
             </a:pPr>
             <a:r>
+              <a:rPr lang="en-US" dirty="0"/>
+              <a:t>           summary(</a:t>
+            </a:r>
+            <a:r>
               <a:rPr lang="en-US" dirty="0" err="1"/>
               <a:t>jags_samples</a:t>
             </a:r>
             <a:r>
               <a:rPr lang="en-US" dirty="0"/>
-              <a:t> &lt;- </a:t>
-            </a:r>
-            <a:r>
-              <a:rPr lang="en-US" dirty="0" err="1"/>
-              <a:t>coda.samples</a:t>
-            </a:r>
-            <a:r>
-              <a:rPr lang="en-US" dirty="0"/>
-              <a:t>(</a:t>
-            </a:r>
-            <a:r>
-              <a:rPr lang="en-US" dirty="0" err="1"/>
-              <a:t>jags_model</a:t>
-            </a:r>
-            <a:r>
-              <a:rPr lang="en-US" dirty="0"/>
-              <a:t>, </a:t>
-            </a:r>
-            <a:r>
-              <a:rPr lang="en-US" dirty="0" err="1"/>
-              <a:t>variable.names</a:t>
-            </a:r>
-            <a:r>
-              <a:rPr lang="en-US" dirty="0"/>
-              <a:t> = "p",                              </a:t>
-            </a:r>
-            <a:r>
-              <a:rPr lang="en-US" dirty="0" err="1"/>
-              <a:t>n.iter</a:t>
-            </a:r>
-            <a:r>
-              <a:rPr lang="en-US" dirty="0"/>
-              <a:t> = </a:t>
-            </a:r>
-            <a:r>
-              <a:rPr lang="en-US" dirty="0" err="1"/>
-              <a:t>n_iterations</a:t>
-            </a:r>
-            <a:r>
-              <a:rPr lang="en-US" dirty="0"/>
-              <a:t>, </a:t>
-            </a:r>
-            <a:r>
-              <a:rPr lang="en-US" dirty="0" err="1"/>
-              <a:t>n.burnin</a:t>
-            </a:r>
-            <a:r>
-              <a:rPr lang="en-US" dirty="0"/>
-              <a:t> = </a:t>
-            </a:r>
-            <a:r>
-              <a:rPr lang="en-US" dirty="0" err="1"/>
-              <a:t>n_burnin</a:t>
-            </a:r>
-            <a:r>
-              <a:rPr lang="en-US" dirty="0"/>
-              <a:t>, thin = </a:t>
-            </a:r>
-            <a:r>
-              <a:rPr lang="en-US" dirty="0" err="1"/>
-              <a:t>n_thin</a:t>
-            </a:r>
-            <a:r>
-              <a:rPr lang="en-US" dirty="0"/>
               <a:t>)</a:t>
             </a:r>
           </a:p>
-          <a:p>
-            <a:pPr marL="457200" lvl="1" indent="0">
-              <a:buNone/>
-            </a:pPr>
-            <a:endParaRPr lang="en-US" dirty="0"/>
-          </a:p>
-          <a:p>
-            <a:pPr marL="457200" lvl="1" indent="0">
-              <a:buNone/>
-            </a:pPr>
-            <a:r>
-              <a:rPr lang="en-US" dirty="0"/>
-              <a:t>Cut to the code</a:t>
-            </a:r>
-          </a:p>
         </p:txBody>
       </p:sp>
       <p:sp>
@@ -4612,7 +4542,7 @@
           <p:cNvPr id="4" name="Slide Number Placeholder 3">
             <a:extLst>
               <a:ext uri="{FF2B5EF4-FFF2-40B4-BE49-F238E27FC236}">
-                <a16:creationId xmlns:a16="http://schemas.microsoft.com/office/drawing/2014/main" id="{DB7411C0-221D-EFC0-2E2B-19B4D6E9999A}"/>
+                <a16:creationId xmlns:a16="http://schemas.microsoft.com/office/drawing/2014/main" id="{F29E0DAF-7775-BA8E-0AC2-7B94D1B5C5DF}"/>
               </a:ext>
             </a:extLst>
           </p:cNvPr>
@@ -4639,7 +4569,7 @@
     </p:spTree>
     <p:extLst>
       <p:ext uri="{BB962C8B-B14F-4D97-AF65-F5344CB8AC3E}">
-        <p14:creationId xmlns:p14="http://schemas.microsoft.com/office/powerpoint/2010/main" val="1317759292"/>
+        <p14:creationId xmlns:p14="http://schemas.microsoft.com/office/powerpoint/2010/main" val="197823956"/>
       </p:ext>
     </p:extLst>
   </p:cSld>
@@ -4671,7 +4601,7 @@
           <p:cNvPr id="2" name="Title 1">
             <a:extLst>
               <a:ext uri="{FF2B5EF4-FFF2-40B4-BE49-F238E27FC236}">
-                <a16:creationId xmlns:a16="http://schemas.microsoft.com/office/drawing/2014/main" id="{EE12D876-1FBF-A23D-F367-31CE55C5AF68}"/>
+                <a16:creationId xmlns:a16="http://schemas.microsoft.com/office/drawing/2014/main" id="{554014EF-DBA8-FC17-1F84-BFCA47652EA0}"/>
               </a:ext>
             </a:extLst>
           </p:cNvPr>
@@ -4689,7 +4619,7 @@
           <a:p>
             <a:r>
               <a:rPr lang="en-US" dirty="0"/>
-              <a:t>Posterior analysis</a:t>
+              <a:t> jags model for rocket example</a:t>
             </a:r>
           </a:p>
         </p:txBody>
@@ -4699,7 +4629,7 @@
           <p:cNvPr id="3" name="Content Placeholder 2">
             <a:extLst>
               <a:ext uri="{FF2B5EF4-FFF2-40B4-BE49-F238E27FC236}">
-                <a16:creationId xmlns:a16="http://schemas.microsoft.com/office/drawing/2014/main" id="{35ADF823-746D-4353-1BFD-A21A5D65C3D6}"/>
+                <a16:creationId xmlns:a16="http://schemas.microsoft.com/office/drawing/2014/main" id="{17ADF788-3D29-5727-AE1B-E697020C0EBD}"/>
               </a:ext>
             </a:extLst>
           </p:cNvPr>
@@ -4712,108 +4642,146 @@
         </p:nvSpPr>
         <p:spPr/>
         <p:txBody>
-          <a:bodyPr/>
-          <a:lstStyle/>
-          <a:p>
-            <a:r>
-              <a:rPr lang="en-US" dirty="0"/>
-              <a:t># Load the coda package for posterior analysis</a:t>
-            </a:r>
-          </a:p>
-          <a:p>
-            <a:pPr marL="457200" lvl="1" indent="0">
-              <a:buNone/>
-            </a:pPr>
-            <a:r>
-              <a:rPr lang="en-US" dirty="0"/>
-              <a:t>library(coda)</a:t>
-            </a:r>
-          </a:p>
-          <a:p>
-            <a:pPr marL="457200" lvl="1" indent="0">
-              <a:buNone/>
-            </a:pPr>
-            <a:r>
-              <a:rPr lang="en-US" dirty="0"/>
-              <a:t># Extract the posterior samples</a:t>
-            </a:r>
-          </a:p>
-          <a:p>
-            <a:pPr marL="457200" lvl="1" indent="0">
-              <a:buNone/>
-            </a:pPr>
-            <a:r>
-              <a:rPr lang="en-US" dirty="0" err="1"/>
-              <a:t>posterior_samples</a:t>
-            </a:r>
-            <a:r>
-              <a:rPr lang="en-US" dirty="0"/>
-              <a:t> &lt;- </a:t>
-            </a:r>
-            <a:r>
-              <a:rPr lang="en-US" dirty="0" err="1"/>
-              <a:t>as.mcmc</a:t>
-            </a:r>
-            <a:r>
-              <a:rPr lang="en-US" dirty="0"/>
-              <a:t>(</a:t>
-            </a:r>
-            <a:r>
-              <a:rPr lang="en-US" dirty="0" err="1"/>
-              <a:t>jags_samples</a:t>
-            </a:r>
-            <a:r>
-              <a:rPr lang="en-US" dirty="0"/>
-              <a:t>[[1]])</a:t>
-            </a:r>
-          </a:p>
-          <a:p>
-            <a:pPr marL="457200" lvl="1" indent="0">
-              <a:buNone/>
-            </a:pPr>
-            <a:r>
-              <a:rPr lang="en-US" dirty="0"/>
-              <a:t># Summary statistics of the posterior distribution</a:t>
-            </a:r>
-          </a:p>
-          <a:p>
-            <a:pPr marL="457200" lvl="1" indent="0">
-              <a:buNone/>
-            </a:pPr>
-            <a:r>
-              <a:rPr lang="en-US" dirty="0"/>
-              <a:t>summary(</a:t>
-            </a:r>
-            <a:r>
-              <a:rPr lang="en-US" dirty="0" err="1"/>
-              <a:t>posterior_samples</a:t>
-            </a:r>
-            <a:r>
-              <a:rPr lang="en-US" dirty="0"/>
-              <a:t>)</a:t>
-            </a:r>
-          </a:p>
-          <a:p>
-            <a:r>
-              <a:rPr lang="en-US" dirty="0"/>
-              <a:t># Plot the posterior distribution</a:t>
-            </a:r>
-          </a:p>
-          <a:p>
-            <a:pPr marL="457200" lvl="1" indent="0">
-              <a:buNone/>
-            </a:pPr>
-            <a:r>
-              <a:rPr lang="en-US" dirty="0"/>
-              <a:t>plot(</a:t>
-            </a:r>
-            <a:r>
-              <a:rPr lang="en-US" dirty="0" err="1"/>
-              <a:t>posterior_samples</a:t>
-            </a:r>
-            <a:r>
-              <a:rPr lang="en-US" dirty="0"/>
-              <a:t>, main = "Posterior Distribution of p")</a:t>
+          <a:bodyPr>
+            <a:normAutofit fontScale="62500" lnSpcReduction="20000"/>
+          </a:bodyPr>
+          <a:lstStyle/>
+          <a:p>
+            <a:r>
+              <a:rPr lang="en-US" dirty="0"/>
+              <a:t># Define the model</a:t>
+            </a:r>
+          </a:p>
+          <a:p>
+            <a:r>
+              <a:rPr lang="en-US" dirty="0" err="1"/>
+              <a:t>model_code</a:t>
+            </a:r>
+            <a:r>
+              <a:rPr lang="en-US" dirty="0"/>
+              <a:t> &lt;- "model {  </a:t>
+            </a:r>
+          </a:p>
+          <a:p>
+            <a:r>
+              <a:rPr lang="en-US" dirty="0"/>
+              <a:t># Likelihood: Binomial distribution  </a:t>
+            </a:r>
+          </a:p>
+          <a:p>
+            <a:r>
+              <a:rPr lang="en-US" dirty="0"/>
+              <a:t>successes ~ </a:t>
+            </a:r>
+            <a:r>
+              <a:rPr lang="en-US" dirty="0" err="1"/>
+              <a:t>dbin</a:t>
+            </a:r>
+            <a:r>
+              <a:rPr lang="en-US" dirty="0"/>
+              <a:t>(p, trials)    </a:t>
+            </a:r>
+          </a:p>
+          <a:p>
+            <a:r>
+              <a:rPr lang="en-US" dirty="0"/>
+              <a:t># Prior: Uniform prior for binomial probability  </a:t>
+            </a:r>
+          </a:p>
+          <a:p>
+            <a:r>
+              <a:rPr lang="en-US" dirty="0"/>
+              <a:t>#p ~ </a:t>
+            </a:r>
+            <a:r>
+              <a:rPr lang="en-US" dirty="0" err="1"/>
+              <a:t>dunif</a:t>
+            </a:r>
+            <a:r>
+              <a:rPr lang="en-US" dirty="0"/>
+              <a:t>(0, 1) # vague prior  </a:t>
+            </a:r>
+          </a:p>
+          <a:p>
+            <a:r>
+              <a:rPr lang="en-US" dirty="0"/>
+              <a:t>#p ~ </a:t>
+            </a:r>
+            <a:r>
+              <a:rPr lang="en-US" dirty="0" err="1"/>
+              <a:t>dbeta</a:t>
+            </a:r>
+            <a:r>
+              <a:rPr lang="en-US" dirty="0"/>
+              <a:t>(0.5, 0.5) #Jeffreys prior  </a:t>
+            </a:r>
+          </a:p>
+          <a:p>
+            <a:r>
+              <a:rPr lang="en-US" dirty="0"/>
+              <a:t>p ~ </a:t>
+            </a:r>
+            <a:r>
+              <a:rPr lang="en-US" dirty="0" err="1"/>
+              <a:t>dbeta</a:t>
+            </a:r>
+            <a:r>
+              <a:rPr lang="en-US" dirty="0"/>
+              <a:t>(2.7, 5.8) # informative prior  </a:t>
+            </a:r>
+          </a:p>
+          <a:p>
+            <a:r>
+              <a:rPr lang="en-US" dirty="0"/>
+              <a:t>#x ~ </a:t>
+            </a:r>
+            <a:r>
+              <a:rPr lang="en-US" dirty="0" err="1"/>
+              <a:t>dexp</a:t>
+            </a:r>
+            <a:r>
+              <a:rPr lang="en-US" dirty="0"/>
+              <a:t>(0.1)    </a:t>
+            </a:r>
+          </a:p>
+          <a:p>
+            <a:r>
+              <a:rPr lang="en-US" dirty="0"/>
+              <a:t>#logit   p = x/(x+1)  same as p &lt;- </a:t>
+            </a:r>
+            <a:r>
+              <a:rPr lang="en-US" dirty="0" err="1"/>
+              <a:t>ilogit</a:t>
+            </a:r>
+            <a:r>
+              <a:rPr lang="en-US" dirty="0"/>
+              <a:t>(x)  </a:t>
+            </a:r>
+          </a:p>
+          <a:p>
+            <a:r>
+              <a:rPr lang="en-US" dirty="0"/>
+              <a:t>#logit(p) &lt;- x        </a:t>
+            </a:r>
+          </a:p>
+          <a:p>
+            <a:r>
+              <a:rPr lang="en-US" dirty="0"/>
+              <a:t>#probit  p = inverse normal CDF(x) </a:t>
+            </a:r>
+          </a:p>
+          <a:p>
+            <a:r>
+              <a:rPr lang="en-US" dirty="0"/>
+              <a:t> #probit(p) &lt;- x    #loglogistic  #p &lt;- </a:t>
+            </a:r>
+            <a:r>
+              <a:rPr lang="en-US" dirty="0" err="1"/>
+              <a:t>ilogit</a:t>
+            </a:r>
+            <a:r>
+              <a:rPr lang="en-US" dirty="0"/>
+              <a:t>(x)  }"</a:t>
             </a:r>
           </a:p>
         </p:txBody>
@@ -4823,7 +4791,7 @@
           <p:cNvPr id="4" name="Slide Number Placeholder 3">
             <a:extLst>
               <a:ext uri="{FF2B5EF4-FFF2-40B4-BE49-F238E27FC236}">
-                <a16:creationId xmlns:a16="http://schemas.microsoft.com/office/drawing/2014/main" id="{0C4F2234-F521-0E95-6BCE-F1CF17519033}"/>
+                <a16:creationId xmlns:a16="http://schemas.microsoft.com/office/drawing/2014/main" id="{046F1077-A119-75BB-82D3-F6D0AD22A2AE}"/>
               </a:ext>
             </a:extLst>
           </p:cNvPr>
@@ -4847,10 +4815,61 @@
           </a:p>
         </p:txBody>
       </p:sp>
+      <p:sp>
+        <p:nvSpPr>
+          <p:cNvPr id="5" name="TextBox 4">
+            <a:extLst>
+              <a:ext uri="{FF2B5EF4-FFF2-40B4-BE49-F238E27FC236}">
+                <a16:creationId xmlns:a16="http://schemas.microsoft.com/office/drawing/2014/main" id="{3D3D7022-9DF3-FC2E-B33B-17095770DEA9}"/>
+              </a:ext>
+            </a:extLst>
+          </p:cNvPr>
+          <p:cNvSpPr txBox="1"/>
+          <p:nvPr/>
+        </p:nvSpPr>
+        <p:spPr>
+          <a:xfrm>
+            <a:off x="7861738" y="1825625"/>
+            <a:ext cx="3492062" cy="2246769"/>
+          </a:xfrm>
+          <a:prstGeom prst="rect">
+            <a:avLst/>
+          </a:prstGeom>
+          <a:noFill/>
+        </p:spPr>
+        <p:txBody>
+          <a:bodyPr wrap="square" rtlCol="0">
+            <a:spAutoFit/>
+          </a:bodyPr>
+          <a:lstStyle/>
+          <a:p>
+            <a:r>
+              <a:rPr lang="en-US" sz="2800" dirty="0"/>
+              <a:t>Note: </a:t>
+            </a:r>
+            <a:r>
+              <a:rPr lang="en-US" sz="2800" dirty="0" err="1"/>
+              <a:t>model_code</a:t>
+            </a:r>
+            <a:r>
+              <a:rPr lang="en-US" sz="2800" dirty="0"/>
+              <a:t> can be inline (with </a:t>
+            </a:r>
+            <a:r>
+              <a:rPr lang="en-US" sz="2800" dirty="0" err="1"/>
+              <a:t>textConnection</a:t>
+            </a:r>
+            <a:r>
+              <a:rPr lang="en-US" sz="2800" dirty="0"/>
+              <a:t> function) or may be a text file </a:t>
+            </a:r>
+          </a:p>
+        </p:txBody>
+      </p:sp>
     </p:spTree>
     <p:extLst>
       <p:ext uri="{BB962C8B-B14F-4D97-AF65-F5344CB8AC3E}">
-        <p14:creationId xmlns:p14="http://schemas.microsoft.com/office/powerpoint/2010/main" val="3941910505"/>
+        <p14:creationId xmlns:p14="http://schemas.microsoft.com/office/powerpoint/2010/main" val="3070851151"/>
       </p:ext>
     </p:extLst>
   </p:cSld>
@@ -4882,7 +4901,7 @@
           <p:cNvPr id="2" name="Title 1">
             <a:extLst>
               <a:ext uri="{FF2B5EF4-FFF2-40B4-BE49-F238E27FC236}">
-                <a16:creationId xmlns:a16="http://schemas.microsoft.com/office/drawing/2014/main" id="{909597E7-C276-1A20-951E-75769254E86B}"/>
+                <a16:creationId xmlns:a16="http://schemas.microsoft.com/office/drawing/2014/main" id="{47E9A732-2672-A68F-8D5C-DFE0A9A58A30}"/>
               </a:ext>
             </a:extLst>
           </p:cNvPr>
@@ -4900,7 +4919,7 @@
           <a:p>
             <a:r>
               <a:rPr lang="en-US" dirty="0"/>
-              <a:t>Credibility intervals</a:t>
+              <a:t>Create data list, initialize, run the model</a:t>
             </a:r>
           </a:p>
         </p:txBody>
@@ -4910,7 +4929,7 @@
           <p:cNvPr id="3" name="Content Placeholder 2">
             <a:extLst>
               <a:ext uri="{FF2B5EF4-FFF2-40B4-BE49-F238E27FC236}">
-                <a16:creationId xmlns:a16="http://schemas.microsoft.com/office/drawing/2014/main" id="{DDA520F6-8DC5-D34D-C21C-B981F9C0364D}"/>
+                <a16:creationId xmlns:a16="http://schemas.microsoft.com/office/drawing/2014/main" id="{A3915A06-5E2B-79E1-86FC-F7076B28E9F6}"/>
               </a:ext>
             </a:extLst>
           </p:cNvPr>
@@ -4928,15 +4947,7 @@
           <a:p>
             <a:r>
               <a:rPr lang="en-US" dirty="0"/>
-              <a:t>Use </a:t>
-            </a:r>
-            <a:r>
-              <a:rPr lang="en-US" dirty="0" err="1"/>
-              <a:t>kernal</a:t>
-            </a:r>
-            <a:r>
-              <a:rPr lang="en-US" dirty="0"/>
-              <a:t> density</a:t>
+              <a:t># Create data list, jags model </a:t>
             </a:r>
           </a:p>
           <a:p>
@@ -4945,15 +4956,23 @@
             </a:pPr>
             <a:r>
               <a:rPr lang="en-US" dirty="0" err="1"/>
-              <a:t>kd</a:t>
-            </a:r>
-            <a:r>
-              <a:rPr lang="en-US" dirty="0"/>
-              <a:t> = density(</a:t>
-            </a:r>
-            <a:r>
-              <a:rPr lang="en-US" dirty="0" err="1"/>
-              <a:t>posterior_samples</a:t>
+              <a:t>data_list</a:t>
+            </a:r>
+            <a:r>
+              <a:rPr lang="en-US" dirty="0"/>
+              <a:t> &lt;- list(  successes = </a:t>
+            </a:r>
+            <a:r>
+              <a:rPr lang="en-US" dirty="0" err="1"/>
+              <a:t>observed_successes</a:t>
+            </a:r>
+            <a:r>
+              <a:rPr lang="en-US" dirty="0"/>
+              <a:t>,  trials =  </a:t>
+            </a:r>
+            <a:r>
+              <a:rPr lang="en-US" dirty="0" err="1"/>
+              <a:t>total_trials</a:t>
             </a:r>
             <a:r>
               <a:rPr lang="en-US" dirty="0"/>
@@ -4961,16 +4980,59 @@
             </a:r>
           </a:p>
           <a:p>
+            <a:r>
+              <a:rPr lang="en-US" dirty="0"/>
+              <a:t> Initialize JAGS model</a:t>
+            </a:r>
+          </a:p>
+          <a:p>
             <a:pPr marL="457200" lvl="1" indent="0">
               <a:buNone/>
             </a:pPr>
             <a:r>
-              <a:rPr lang="en-US" dirty="0"/>
-              <a:t>plot(</a:t>
-            </a:r>
-            <a:r>
-              <a:rPr lang="en-US" dirty="0" err="1"/>
-              <a:t>kd</a:t>
+              <a:rPr lang="en-US" dirty="0" err="1"/>
+              <a:t>jags_model</a:t>
+            </a:r>
+            <a:r>
+              <a:rPr lang="en-US" dirty="0"/>
+              <a:t> &lt;- </a:t>
+            </a:r>
+            <a:r>
+              <a:rPr lang="en-US" dirty="0" err="1"/>
+              <a:t>jags.model</a:t>
+            </a:r>
+            <a:r>
+              <a:rPr lang="en-US" dirty="0"/>
+              <a:t>(</a:t>
+            </a:r>
+            <a:r>
+              <a:rPr lang="en-US" dirty="0" err="1"/>
+              <a:t>textConnection</a:t>
+            </a:r>
+            <a:r>
+              <a:rPr lang="en-US" dirty="0"/>
+              <a:t>(</a:t>
+            </a:r>
+            <a:r>
+              <a:rPr lang="en-US" dirty="0" err="1"/>
+              <a:t>model_code</a:t>
+            </a:r>
+            <a:r>
+              <a:rPr lang="en-US" dirty="0"/>
+              <a:t>), </a:t>
+            </a:r>
+          </a:p>
+          <a:p>
+            <a:pPr marL="457200" lvl="1" indent="0">
+              <a:buNone/>
+            </a:pPr>
+            <a:r>
+              <a:rPr lang="en-US" dirty="0"/>
+              <a:t>                          data = </a:t>
+            </a:r>
+            <a:r>
+              <a:rPr lang="en-US" dirty="0" err="1"/>
+              <a:t>data_list</a:t>
             </a:r>
             <a:r>
               <a:rPr lang="en-US" dirty="0"/>
@@ -4978,11 +5040,18 @@
             </a:r>
             <a:r>
               <a:rPr lang="en-US" dirty="0" err="1"/>
-              <a:t>lwd</a:t>
-            </a:r>
-            <a:r>
-              <a:rPr lang="en-US" dirty="0"/>
-              <a:t>=3)</a:t>
+              <a:t>n.chains</a:t>
+            </a:r>
+            <a:r>
+              <a:rPr lang="en-US" dirty="0"/>
+              <a:t> = 3)</a:t>
+            </a:r>
+            <a:endParaRPr lang="en-US" sz="2800" dirty="0"/>
+          </a:p>
+          <a:p>
+            <a:r>
+              <a:rPr lang="en-US" dirty="0"/>
+              <a:t># Run the MCMC simulation</a:t>
             </a:r>
           </a:p>
           <a:p>
@@ -4990,141 +5059,91 @@
               <a:buNone/>
             </a:pPr>
             <a:r>
-              <a:rPr lang="en-US" dirty="0"/>
-              <a:t># find credibility interval</a:t>
+              <a:rPr lang="en-US" dirty="0" err="1"/>
+              <a:t>jags_samples</a:t>
+            </a:r>
+            <a:r>
+              <a:rPr lang="en-US" dirty="0"/>
+              <a:t> &lt;- </a:t>
+            </a:r>
+            <a:r>
+              <a:rPr lang="en-US" dirty="0" err="1"/>
+              <a:t>coda.samples</a:t>
+            </a:r>
+            <a:r>
+              <a:rPr lang="en-US" dirty="0"/>
+              <a:t>(</a:t>
+            </a:r>
+            <a:r>
+              <a:rPr lang="en-US" dirty="0" err="1"/>
+              <a:t>jags_model</a:t>
+            </a:r>
+            <a:r>
+              <a:rPr lang="en-US" dirty="0"/>
+              <a:t>, </a:t>
+            </a:r>
+            <a:r>
+              <a:rPr lang="en-US" dirty="0" err="1"/>
+              <a:t>variable.names</a:t>
+            </a:r>
+            <a:r>
+              <a:rPr lang="en-US" dirty="0"/>
+              <a:t> = "p",                              </a:t>
+            </a:r>
+            <a:r>
+              <a:rPr lang="en-US" dirty="0" err="1"/>
+              <a:t>n.iter</a:t>
+            </a:r>
+            <a:r>
+              <a:rPr lang="en-US" dirty="0"/>
+              <a:t> = </a:t>
+            </a:r>
+            <a:r>
+              <a:rPr lang="en-US" dirty="0" err="1"/>
+              <a:t>n_iterations</a:t>
+            </a:r>
+            <a:r>
+              <a:rPr lang="en-US" dirty="0"/>
+              <a:t>, </a:t>
+            </a:r>
+            <a:r>
+              <a:rPr lang="en-US" dirty="0" err="1"/>
+              <a:t>n.burnin</a:t>
+            </a:r>
+            <a:r>
+              <a:rPr lang="en-US" dirty="0"/>
+              <a:t> = </a:t>
+            </a:r>
+            <a:r>
+              <a:rPr lang="en-US" dirty="0" err="1"/>
+              <a:t>n_burnin</a:t>
+            </a:r>
+            <a:r>
+              <a:rPr lang="en-US" dirty="0"/>
+              <a:t>, thin = </a:t>
+            </a:r>
+            <a:r>
+              <a:rPr lang="en-US" dirty="0" err="1"/>
+              <a:t>n_thin</a:t>
+            </a:r>
+            <a:r>
+              <a:rPr lang="en-US" dirty="0"/>
+              <a:t>)</a:t>
             </a:r>
           </a:p>
           <a:p>
             <a:pPr marL="457200" lvl="1" indent="0">
               <a:buNone/>
             </a:pPr>
-            <a:r>
-              <a:rPr lang="en-US" dirty="0" err="1"/>
-              <a:t>sortedSamples</a:t>
-            </a:r>
-            <a:r>
-              <a:rPr lang="en-US" dirty="0"/>
-              <a:t> = sort(</a:t>
-            </a:r>
-            <a:r>
-              <a:rPr lang="en-US" dirty="0" err="1"/>
-              <a:t>posterior_samples</a:t>
-            </a:r>
-            <a:r>
-              <a:rPr lang="en-US" dirty="0"/>
-              <a:t>)</a:t>
-            </a:r>
+            <a:endParaRPr lang="en-US" dirty="0"/>
           </a:p>
           <a:p>
             <a:pPr marL="457200" lvl="1" indent="0">
               <a:buNone/>
             </a:pPr>
             <a:r>
-              <a:rPr lang="en-US" dirty="0" err="1"/>
-              <a:t>nSorted</a:t>
-            </a:r>
-            <a:r>
-              <a:rPr lang="en-US" dirty="0"/>
-              <a:t> = length(</a:t>
-            </a:r>
-            <a:r>
-              <a:rPr lang="en-US" dirty="0" err="1"/>
-              <a:t>sortedSamples</a:t>
-            </a:r>
-            <a:r>
-              <a:rPr lang="en-US" dirty="0"/>
-              <a:t>)</a:t>
-            </a:r>
-          </a:p>
-          <a:p>
-            <a:pPr marL="457200" lvl="1" indent="0">
-              <a:buNone/>
-            </a:pPr>
-            <a:r>
-              <a:rPr lang="en-US" dirty="0" err="1"/>
-              <a:t>lCred</a:t>
-            </a:r>
-            <a:r>
-              <a:rPr lang="en-US" dirty="0"/>
-              <a:t> = </a:t>
-            </a:r>
-            <a:r>
-              <a:rPr lang="en-US" dirty="0" err="1"/>
-              <a:t>sortedSamples</a:t>
-            </a:r>
-            <a:r>
-              <a:rPr lang="en-US" dirty="0"/>
-              <a:t>[round(</a:t>
-            </a:r>
-            <a:r>
-              <a:rPr lang="en-US" dirty="0" err="1"/>
-              <a:t>nSorted</a:t>
-            </a:r>
-            <a:r>
-              <a:rPr lang="en-US" dirty="0"/>
-              <a:t>*0.05)]</a:t>
-            </a:r>
-          </a:p>
-          <a:p>
-            <a:pPr marL="457200" lvl="1" indent="0">
-              <a:buNone/>
-            </a:pPr>
-            <a:r>
-              <a:rPr lang="en-US" dirty="0" err="1"/>
-              <a:t>uCred</a:t>
-            </a:r>
-            <a:r>
-              <a:rPr lang="en-US" dirty="0"/>
-              <a:t> = </a:t>
-            </a:r>
-            <a:r>
-              <a:rPr lang="en-US" dirty="0" err="1"/>
-              <a:t>sortedSamples</a:t>
-            </a:r>
-            <a:r>
-              <a:rPr lang="en-US" dirty="0"/>
-              <a:t>[round(</a:t>
-            </a:r>
-            <a:r>
-              <a:rPr lang="en-US" dirty="0" err="1"/>
-              <a:t>nSorted</a:t>
-            </a:r>
-            <a:r>
-              <a:rPr lang="en-US" dirty="0"/>
-              <a:t>*0.95)]</a:t>
-            </a:r>
-          </a:p>
-          <a:p>
-            <a:pPr marL="457200" lvl="1" indent="0">
-              <a:buNone/>
-            </a:pPr>
-            <a:r>
-              <a:rPr lang="en-US" dirty="0"/>
-              <a:t>print(paste('90% credibility interval: (',round(lCred,2), ',’ , round(uCred,2),')’)) </a:t>
-            </a:r>
-            <a:r>
-              <a:rPr lang="en-US" dirty="0" err="1"/>
-              <a:t>abline</a:t>
-            </a:r>
-            <a:r>
-              <a:rPr lang="en-US" dirty="0"/>
-              <a:t>(v = c(</a:t>
-            </a:r>
-            <a:r>
-              <a:rPr lang="en-US" dirty="0" err="1"/>
-              <a:t>lCred</a:t>
-            </a:r>
-            <a:r>
-              <a:rPr lang="en-US" dirty="0"/>
-              <a:t>, </a:t>
-            </a:r>
-            <a:r>
-              <a:rPr lang="en-US" dirty="0" err="1"/>
-              <a:t>uCred</a:t>
-            </a:r>
-            <a:r>
-              <a:rPr lang="en-US" dirty="0"/>
-              <a:t>), col='orange')</a:t>
+              <a:rPr lang="en-US" dirty="0"/>
+              <a:t>Cut to the code</a:t>
             </a:r>
           </a:p>
         </p:txBody>
@@ -5134,7 +5153,7 @@
           <p:cNvPr id="4" name="Slide Number Placeholder 3">
             <a:extLst>
               <a:ext uri="{FF2B5EF4-FFF2-40B4-BE49-F238E27FC236}">
-                <a16:creationId xmlns:a16="http://schemas.microsoft.com/office/drawing/2014/main" id="{72694E22-704E-922D-CE31-BB34B0AC750F}"/>
+                <a16:creationId xmlns:a16="http://schemas.microsoft.com/office/drawing/2014/main" id="{DB7411C0-221D-EFC0-2E2B-19B4D6E9999A}"/>
               </a:ext>
             </a:extLst>
           </p:cNvPr>
@@ -5161,7 +5180,7 @@
     </p:spTree>
     <p:extLst>
       <p:ext uri="{BB962C8B-B14F-4D97-AF65-F5344CB8AC3E}">
-        <p14:creationId xmlns:p14="http://schemas.microsoft.com/office/powerpoint/2010/main" val="2996609013"/>
+        <p14:creationId xmlns:p14="http://schemas.microsoft.com/office/powerpoint/2010/main" val="1317759292"/>
       </p:ext>
     </p:extLst>
   </p:cSld>
@@ -5193,7 +5212,7 @@
           <p:cNvPr id="2" name="Title 1">
             <a:extLst>
               <a:ext uri="{FF2B5EF4-FFF2-40B4-BE49-F238E27FC236}">
-                <a16:creationId xmlns:a16="http://schemas.microsoft.com/office/drawing/2014/main" id="{DD1AE364-D7D6-B514-C173-A478D58AEC83}"/>
+                <a16:creationId xmlns:a16="http://schemas.microsoft.com/office/drawing/2014/main" id="{35C4B7CE-18EC-76BF-5768-23955E99E084}"/>
               </a:ext>
             </a:extLst>
           </p:cNvPr>
@@ -5211,73 +5230,49 @@
           <a:p>
             <a:r>
               <a:rPr lang="en-US" dirty="0"/>
-              <a:t>Posterior predictive distribution</a:t>
-            </a:r>
-          </a:p>
-        </p:txBody>
-      </p:sp>
-      <p:sp>
-        <p:nvSpPr>
-          <p:cNvPr id="3" name="Content Placeholder 2">
-            <a:extLst>
-              <a:ext uri="{FF2B5EF4-FFF2-40B4-BE49-F238E27FC236}">
-                <a16:creationId xmlns:a16="http://schemas.microsoft.com/office/drawing/2014/main" id="{D17C972E-93D9-BBDB-B8D5-0F53AE1A500F}"/>
-              </a:ext>
-            </a:extLst>
-          </p:cNvPr>
-          <p:cNvSpPr>
-            <a:spLocks noGrp="1"/>
-          </p:cNvSpPr>
+              <a:t>Results of the model</a:t>
+            </a:r>
+          </a:p>
+        </p:txBody>
+      </p:sp>
+      <p:pic>
+        <p:nvPicPr>
+          <p:cNvPr id="5" name="Content Placeholder 4">
+            <a:extLst>
+              <a:ext uri="{FF2B5EF4-FFF2-40B4-BE49-F238E27FC236}">
+                <a16:creationId xmlns:a16="http://schemas.microsoft.com/office/drawing/2014/main" id="{C4476D56-6B59-6DE3-A775-95B0E924D2FF}"/>
+              </a:ext>
+            </a:extLst>
+          </p:cNvPr>
+          <p:cNvPicPr>
+            <a:picLocks noGrp="1" noChangeAspect="1"/>
+          </p:cNvPicPr>
           <p:nvPr>
             <p:ph idx="1"/>
           </p:nvPr>
-        </p:nvSpPr>
-        <p:spPr/>
-        <p:txBody>
-          <a:bodyPr>
-            <a:normAutofit/>
-          </a:bodyPr>
-          <a:lstStyle/>
-          <a:p>
-            <a:r>
-              <a:rPr lang="en-US" dirty="0"/>
-              <a:t> Posterior predictive distribution accounts for uncertainty about p, taken from the posterior distribution of p. </a:t>
-            </a:r>
-          </a:p>
-          <a:p>
-            <a:r>
-              <a:rPr lang="en-US" dirty="0"/>
-              <a:t>Posterior predictive distribution is based on the posterior distribution of p.</a:t>
-            </a:r>
-          </a:p>
-          <a:p>
-            <a:r>
-              <a:rPr lang="en-US" dirty="0"/>
-              <a:t>But what value of p from the posterior distribution should be used to predict future performance?</a:t>
-            </a:r>
-          </a:p>
-          <a:p>
-            <a:pPr lvl="1"/>
-            <a:r>
-              <a:rPr lang="en-US" dirty="0"/>
-              <a:t>Using the mean or mode value of p from the posterior distribution ignores the uncertainty found in the posterior distribution</a:t>
-            </a:r>
-          </a:p>
-          <a:p>
-            <a:pPr lvl="1"/>
-            <a:r>
-              <a:rPr lang="en-US" dirty="0"/>
-              <a:t>Incorporate this uncertainty by using the posterior distribution as a ‘new’ prior distribution</a:t>
-            </a:r>
-          </a:p>
-        </p:txBody>
-      </p:sp>
+        </p:nvPicPr>
+        <p:blipFill>
+          <a:blip r:embed="rId2"/>
+          <a:stretch>
+            <a:fillRect/>
+          </a:stretch>
+        </p:blipFill>
+        <p:spPr>
+          <a:xfrm>
+            <a:off x="954226" y="1690688"/>
+            <a:ext cx="6413296" cy="4351338"/>
+          </a:xfrm>
+          <a:prstGeom prst="rect">
+            <a:avLst/>
+          </a:prstGeom>
+        </p:spPr>
+      </p:pic>
       <p:sp>
         <p:nvSpPr>
           <p:cNvPr id="4" name="Slide Number Placeholder 3">
             <a:extLst>
               <a:ext uri="{FF2B5EF4-FFF2-40B4-BE49-F238E27FC236}">
-                <a16:creationId xmlns:a16="http://schemas.microsoft.com/office/drawing/2014/main" id="{1A16FE94-8B0B-57FF-2F30-F79A68EDAEBF}"/>
+                <a16:creationId xmlns:a16="http://schemas.microsoft.com/office/drawing/2014/main" id="{FCA603DB-930C-F14A-9A29-C26943EB01EE}"/>
               </a:ext>
             </a:extLst>
           </p:cNvPr>
@@ -5301,10 +5296,45 @@
           </a:p>
         </p:txBody>
       </p:sp>
+      <p:sp>
+        <p:nvSpPr>
+          <p:cNvPr id="6" name="TextBox 5">
+            <a:extLst>
+              <a:ext uri="{FF2B5EF4-FFF2-40B4-BE49-F238E27FC236}">
+                <a16:creationId xmlns:a16="http://schemas.microsoft.com/office/drawing/2014/main" id="{A774A577-1B12-18C4-8FA8-3D8E1FA4ED96}"/>
+              </a:ext>
+            </a:extLst>
+          </p:cNvPr>
+          <p:cNvSpPr txBox="1"/>
+          <p:nvPr/>
+        </p:nvSpPr>
+        <p:spPr>
+          <a:xfrm>
+            <a:off x="7612912" y="2145642"/>
+            <a:ext cx="3859617" cy="2246769"/>
+          </a:xfrm>
+          <a:prstGeom prst="rect">
+            <a:avLst/>
+          </a:prstGeom>
+          <a:noFill/>
+        </p:spPr>
+        <p:txBody>
+          <a:bodyPr wrap="square" rtlCol="0">
+            <a:spAutoFit/>
+          </a:bodyPr>
+          <a:lstStyle/>
+          <a:p>
+            <a:r>
+              <a:rPr lang="en-US" sz="2800" dirty="0"/>
+              <a:t>The posterior is unimodal, approximately symmetric, approximate it with a normal or t-distribution</a:t>
+            </a:r>
+          </a:p>
+        </p:txBody>
+      </p:sp>
     </p:spTree>
     <p:extLst>
       <p:ext uri="{BB962C8B-B14F-4D97-AF65-F5344CB8AC3E}">
-        <p14:creationId xmlns:p14="http://schemas.microsoft.com/office/powerpoint/2010/main" val="2287642508"/>
+        <p14:creationId xmlns:p14="http://schemas.microsoft.com/office/powerpoint/2010/main" val="3165716018"/>
       </p:ext>
     </p:extLst>
   </p:cSld>
@@ -5336,7 +5366,7 @@
           <p:cNvPr id="2" name="Title 1">
             <a:extLst>
               <a:ext uri="{FF2B5EF4-FFF2-40B4-BE49-F238E27FC236}">
-                <a16:creationId xmlns:a16="http://schemas.microsoft.com/office/drawing/2014/main" id="{36FB04D9-AC07-A9B6-1A37-E87974F8B406}"/>
+                <a16:creationId xmlns:a16="http://schemas.microsoft.com/office/drawing/2014/main" id="{EE12D876-1FBF-A23D-F367-31CE55C5AF68}"/>
               </a:ext>
             </a:extLst>
           </p:cNvPr>
@@ -5354,13 +5384,2531 @@
           <a:p>
             <a:r>
               <a:rPr lang="en-US" dirty="0"/>
-              <a:t>Predictive posterior distribution</a:t>
-            </a:r>
-          </a:p>
-        </p:txBody>
-      </p:sp>
+              <a:t>Posterior analysis</a:t>
+            </a:r>
+          </a:p>
+        </p:txBody>
+      </p:sp>
+      <p:sp>
+        <p:nvSpPr>
+          <p:cNvPr id="3" name="Content Placeholder 2">
+            <a:extLst>
+              <a:ext uri="{FF2B5EF4-FFF2-40B4-BE49-F238E27FC236}">
+                <a16:creationId xmlns:a16="http://schemas.microsoft.com/office/drawing/2014/main" id="{35ADF823-746D-4353-1BFD-A21A5D65C3D6}"/>
+              </a:ext>
+            </a:extLst>
+          </p:cNvPr>
+          <p:cNvSpPr>
+            <a:spLocks noGrp="1"/>
+          </p:cNvSpPr>
+          <p:nvPr>
+            <p:ph idx="1"/>
+          </p:nvPr>
+        </p:nvSpPr>
+        <p:spPr/>
+        <p:txBody>
+          <a:bodyPr/>
+          <a:lstStyle/>
+          <a:p>
+            <a:r>
+              <a:rPr lang="en-US" dirty="0"/>
+              <a:t># Load the coda package for posterior analysis</a:t>
+            </a:r>
+          </a:p>
+          <a:p>
+            <a:pPr marL="457200" lvl="1" indent="0">
+              <a:buNone/>
+            </a:pPr>
+            <a:r>
+              <a:rPr lang="en-US" dirty="0"/>
+              <a:t>library(coda)</a:t>
+            </a:r>
+          </a:p>
+          <a:p>
+            <a:pPr marL="457200" lvl="1" indent="0">
+              <a:buNone/>
+            </a:pPr>
+            <a:r>
+              <a:rPr lang="en-US" dirty="0"/>
+              <a:t># Extract the posterior samples</a:t>
+            </a:r>
+          </a:p>
+          <a:p>
+            <a:pPr marL="457200" lvl="1" indent="0">
+              <a:buNone/>
+            </a:pPr>
+            <a:r>
+              <a:rPr lang="en-US" dirty="0" err="1"/>
+              <a:t>posterior_samples</a:t>
+            </a:r>
+            <a:r>
+              <a:rPr lang="en-US" dirty="0"/>
+              <a:t> &lt;- </a:t>
+            </a:r>
+            <a:r>
+              <a:rPr lang="en-US" dirty="0" err="1"/>
+              <a:t>as.mcmc</a:t>
+            </a:r>
+            <a:r>
+              <a:rPr lang="en-US" dirty="0"/>
+              <a:t>(</a:t>
+            </a:r>
+            <a:r>
+              <a:rPr lang="en-US" dirty="0" err="1"/>
+              <a:t>jags_samples</a:t>
+            </a:r>
+            <a:r>
+              <a:rPr lang="en-US" dirty="0"/>
+              <a:t>[[1]])</a:t>
+            </a:r>
+          </a:p>
+          <a:p>
+            <a:pPr marL="457200" lvl="1" indent="0">
+              <a:buNone/>
+            </a:pPr>
+            <a:r>
+              <a:rPr lang="en-US" dirty="0"/>
+              <a:t># Summary statistics of the posterior distribution</a:t>
+            </a:r>
+          </a:p>
+          <a:p>
+            <a:pPr marL="457200" lvl="1" indent="0">
+              <a:buNone/>
+            </a:pPr>
+            <a:r>
+              <a:rPr lang="en-US" dirty="0"/>
+              <a:t>summary(</a:t>
+            </a:r>
+            <a:r>
+              <a:rPr lang="en-US" dirty="0" err="1"/>
+              <a:t>posterior_samples</a:t>
+            </a:r>
+            <a:r>
+              <a:rPr lang="en-US" dirty="0"/>
+              <a:t>)</a:t>
+            </a:r>
+          </a:p>
+          <a:p>
+            <a:r>
+              <a:rPr lang="en-US" dirty="0"/>
+              <a:t># Plot the posterior distribution</a:t>
+            </a:r>
+          </a:p>
+          <a:p>
+            <a:pPr marL="457200" lvl="1" indent="0">
+              <a:buNone/>
+            </a:pPr>
+            <a:r>
+              <a:rPr lang="en-US" dirty="0"/>
+              <a:t>plot(</a:t>
+            </a:r>
+            <a:r>
+              <a:rPr lang="en-US" dirty="0" err="1"/>
+              <a:t>posterior_samples</a:t>
+            </a:r>
+            <a:r>
+              <a:rPr lang="en-US" dirty="0"/>
+              <a:t>, main = "Posterior Distribution of p")</a:t>
+            </a:r>
+          </a:p>
+        </p:txBody>
+      </p:sp>
+      <p:sp>
+        <p:nvSpPr>
+          <p:cNvPr id="4" name="Slide Number Placeholder 3">
+            <a:extLst>
+              <a:ext uri="{FF2B5EF4-FFF2-40B4-BE49-F238E27FC236}">
+                <a16:creationId xmlns:a16="http://schemas.microsoft.com/office/drawing/2014/main" id="{0C4F2234-F521-0E95-6BCE-F1CF17519033}"/>
+              </a:ext>
+            </a:extLst>
+          </p:cNvPr>
+          <p:cNvSpPr>
+            <a:spLocks noGrp="1"/>
+          </p:cNvSpPr>
+          <p:nvPr>
+            <p:ph type="sldNum" sz="quarter" idx="12"/>
+          </p:nvPr>
+        </p:nvSpPr>
+        <p:spPr/>
+        <p:txBody>
+          <a:bodyPr/>
+          <a:lstStyle/>
+          <a:p>
+            <a:fld id="{EFD40CC3-C2EA-4AEA-91B8-E5D94FBABE70}" type="slidenum">
+              <a:rPr lang="en-US" smtClean="0"/>
+              <a:t>16</a:t>
+            </a:fld>
+            <a:endParaRPr lang="en-US"/>
+          </a:p>
+        </p:txBody>
+      </p:sp>
+    </p:spTree>
+    <p:extLst>
+      <p:ext uri="{BB962C8B-B14F-4D97-AF65-F5344CB8AC3E}">
+        <p14:creationId xmlns:p14="http://schemas.microsoft.com/office/powerpoint/2010/main" val="3941910505"/>
+      </p:ext>
+    </p:extLst>
+  </p:cSld>
+  <p:clrMapOvr>
+    <a:masterClrMapping/>
+  </p:clrMapOvr>
+</p:sld>
+</file>
+
+<file path=ppt/slides/slide17.xml><?xml version="1.0" encoding="utf-8"?>
+<p:sld xmlns:a="http://schemas.openxmlformats.org/drawingml/2006/main" xmlns:r="http://schemas.openxmlformats.org/officeDocument/2006/relationships" xmlns:p="http://schemas.openxmlformats.org/presentationml/2006/main">
+  <p:cSld>
+    <p:spTree>
+      <p:nvGrpSpPr>
+        <p:cNvPr id="1" name=""/>
+        <p:cNvGrpSpPr/>
+        <p:nvPr/>
+      </p:nvGrpSpPr>
+      <p:grpSpPr>
+        <a:xfrm>
+          <a:off x="0" y="0"/>
+          <a:ext cx="0" cy="0"/>
+          <a:chOff x="0" y="0"/>
+          <a:chExt cx="0" cy="0"/>
+        </a:xfrm>
+      </p:grpSpPr>
+      <p:sp>
+        <p:nvSpPr>
+          <p:cNvPr id="2" name="Title 1">
+            <a:extLst>
+              <a:ext uri="{FF2B5EF4-FFF2-40B4-BE49-F238E27FC236}">
+                <a16:creationId xmlns:a16="http://schemas.microsoft.com/office/drawing/2014/main" id="{909597E7-C276-1A20-951E-75769254E86B}"/>
+              </a:ext>
+            </a:extLst>
+          </p:cNvPr>
+          <p:cNvSpPr>
+            <a:spLocks noGrp="1"/>
+          </p:cNvSpPr>
+          <p:nvPr>
+            <p:ph type="title"/>
+          </p:nvPr>
+        </p:nvSpPr>
+        <p:spPr/>
+        <p:txBody>
+          <a:bodyPr/>
+          <a:lstStyle/>
+          <a:p>
+            <a:r>
+              <a:rPr lang="en-US" dirty="0"/>
+              <a:t>Credibility intervals</a:t>
+            </a:r>
+          </a:p>
+        </p:txBody>
+      </p:sp>
+      <p:sp>
+        <p:nvSpPr>
+          <p:cNvPr id="3" name="Content Placeholder 2">
+            <a:extLst>
+              <a:ext uri="{FF2B5EF4-FFF2-40B4-BE49-F238E27FC236}">
+                <a16:creationId xmlns:a16="http://schemas.microsoft.com/office/drawing/2014/main" id="{DDA520F6-8DC5-D34D-C21C-B981F9C0364D}"/>
+              </a:ext>
+            </a:extLst>
+          </p:cNvPr>
+          <p:cNvSpPr>
+            <a:spLocks noGrp="1"/>
+          </p:cNvSpPr>
+          <p:nvPr>
+            <p:ph idx="1"/>
+          </p:nvPr>
+        </p:nvSpPr>
+        <p:spPr/>
+        <p:txBody>
+          <a:bodyPr/>
+          <a:lstStyle/>
+          <a:p>
+            <a:r>
+              <a:rPr lang="en-US" dirty="0"/>
+              <a:t>Use </a:t>
+            </a:r>
+            <a:r>
+              <a:rPr lang="en-US" dirty="0" err="1"/>
+              <a:t>kernal</a:t>
+            </a:r>
+            <a:r>
+              <a:rPr lang="en-US" dirty="0"/>
+              <a:t> density</a:t>
+            </a:r>
+          </a:p>
+          <a:p>
+            <a:pPr marL="457200" lvl="1" indent="0">
+              <a:buNone/>
+            </a:pPr>
+            <a:r>
+              <a:rPr lang="en-US" dirty="0" err="1"/>
+              <a:t>kd</a:t>
+            </a:r>
+            <a:r>
+              <a:rPr lang="en-US" dirty="0"/>
+              <a:t> = density(</a:t>
+            </a:r>
+            <a:r>
+              <a:rPr lang="en-US" dirty="0" err="1"/>
+              <a:t>posterior_samples</a:t>
+            </a:r>
+            <a:r>
+              <a:rPr lang="en-US" dirty="0"/>
+              <a:t>)</a:t>
+            </a:r>
+          </a:p>
+          <a:p>
+            <a:pPr marL="457200" lvl="1" indent="0">
+              <a:buNone/>
+            </a:pPr>
+            <a:r>
+              <a:rPr lang="en-US" dirty="0"/>
+              <a:t>plot(</a:t>
+            </a:r>
+            <a:r>
+              <a:rPr lang="en-US" dirty="0" err="1"/>
+              <a:t>kd</a:t>
+            </a:r>
+            <a:r>
+              <a:rPr lang="en-US" dirty="0"/>
+              <a:t>, </a:t>
+            </a:r>
+            <a:r>
+              <a:rPr lang="en-US" dirty="0" err="1"/>
+              <a:t>lwd</a:t>
+            </a:r>
+            <a:r>
+              <a:rPr lang="en-US" dirty="0"/>
+              <a:t>=3)</a:t>
+            </a:r>
+          </a:p>
+          <a:p>
+            <a:pPr marL="457200" lvl="1" indent="0">
+              <a:buNone/>
+            </a:pPr>
+            <a:r>
+              <a:rPr lang="en-US" dirty="0"/>
+              <a:t># find credibility interval</a:t>
+            </a:r>
+          </a:p>
+          <a:p>
+            <a:pPr marL="457200" lvl="1" indent="0">
+              <a:buNone/>
+            </a:pPr>
+            <a:r>
+              <a:rPr lang="en-US" dirty="0" err="1"/>
+              <a:t>sortedSamples</a:t>
+            </a:r>
+            <a:r>
+              <a:rPr lang="en-US" dirty="0"/>
+              <a:t> = sort(</a:t>
+            </a:r>
+            <a:r>
+              <a:rPr lang="en-US" dirty="0" err="1"/>
+              <a:t>posterior_samples</a:t>
+            </a:r>
+            <a:r>
+              <a:rPr lang="en-US" dirty="0"/>
+              <a:t>)</a:t>
+            </a:r>
+          </a:p>
+          <a:p>
+            <a:pPr marL="457200" lvl="1" indent="0">
+              <a:buNone/>
+            </a:pPr>
+            <a:r>
+              <a:rPr lang="en-US" dirty="0" err="1"/>
+              <a:t>nSorted</a:t>
+            </a:r>
+            <a:r>
+              <a:rPr lang="en-US" dirty="0"/>
+              <a:t> = length(</a:t>
+            </a:r>
+            <a:r>
+              <a:rPr lang="en-US" dirty="0" err="1"/>
+              <a:t>sortedSamples</a:t>
+            </a:r>
+            <a:r>
+              <a:rPr lang="en-US" dirty="0"/>
+              <a:t>)</a:t>
+            </a:r>
+          </a:p>
+          <a:p>
+            <a:pPr marL="457200" lvl="1" indent="0">
+              <a:buNone/>
+            </a:pPr>
+            <a:r>
+              <a:rPr lang="en-US" dirty="0" err="1"/>
+              <a:t>lCred</a:t>
+            </a:r>
+            <a:r>
+              <a:rPr lang="en-US" dirty="0"/>
+              <a:t> = </a:t>
+            </a:r>
+            <a:r>
+              <a:rPr lang="en-US" dirty="0" err="1"/>
+              <a:t>sortedSamples</a:t>
+            </a:r>
+            <a:r>
+              <a:rPr lang="en-US" dirty="0"/>
+              <a:t>[round(</a:t>
+            </a:r>
+            <a:r>
+              <a:rPr lang="en-US" dirty="0" err="1"/>
+              <a:t>nSorted</a:t>
+            </a:r>
+            <a:r>
+              <a:rPr lang="en-US" dirty="0"/>
+              <a:t>*0.05)]</a:t>
+            </a:r>
+          </a:p>
+          <a:p>
+            <a:pPr marL="457200" lvl="1" indent="0">
+              <a:buNone/>
+            </a:pPr>
+            <a:r>
+              <a:rPr lang="en-US" dirty="0" err="1"/>
+              <a:t>uCred</a:t>
+            </a:r>
+            <a:r>
+              <a:rPr lang="en-US" dirty="0"/>
+              <a:t> = </a:t>
+            </a:r>
+            <a:r>
+              <a:rPr lang="en-US" dirty="0" err="1"/>
+              <a:t>sortedSamples</a:t>
+            </a:r>
+            <a:r>
+              <a:rPr lang="en-US" dirty="0"/>
+              <a:t>[round(</a:t>
+            </a:r>
+            <a:r>
+              <a:rPr lang="en-US" dirty="0" err="1"/>
+              <a:t>nSorted</a:t>
+            </a:r>
+            <a:r>
+              <a:rPr lang="en-US" dirty="0"/>
+              <a:t>*0.95)]</a:t>
+            </a:r>
+          </a:p>
+          <a:p>
+            <a:pPr marL="457200" lvl="1" indent="0">
+              <a:buNone/>
+            </a:pPr>
+            <a:r>
+              <a:rPr lang="en-US" dirty="0"/>
+              <a:t>print(paste('90% credibility interval: (',round(lCred,2), ',’ , round(uCred,2),')’)) </a:t>
+            </a:r>
+            <a:r>
+              <a:rPr lang="en-US" dirty="0" err="1"/>
+              <a:t>abline</a:t>
+            </a:r>
+            <a:r>
+              <a:rPr lang="en-US" dirty="0"/>
+              <a:t>(v = c(</a:t>
+            </a:r>
+            <a:r>
+              <a:rPr lang="en-US" dirty="0" err="1"/>
+              <a:t>lCred</a:t>
+            </a:r>
+            <a:r>
+              <a:rPr lang="en-US" dirty="0"/>
+              <a:t>, </a:t>
+            </a:r>
+            <a:r>
+              <a:rPr lang="en-US" dirty="0" err="1"/>
+              <a:t>uCred</a:t>
+            </a:r>
+            <a:r>
+              <a:rPr lang="en-US" dirty="0"/>
+              <a:t>), col='orange')</a:t>
+            </a:r>
+          </a:p>
+        </p:txBody>
+      </p:sp>
+      <p:sp>
+        <p:nvSpPr>
+          <p:cNvPr id="4" name="Slide Number Placeholder 3">
+            <a:extLst>
+              <a:ext uri="{FF2B5EF4-FFF2-40B4-BE49-F238E27FC236}">
+                <a16:creationId xmlns:a16="http://schemas.microsoft.com/office/drawing/2014/main" id="{72694E22-704E-922D-CE31-BB34B0AC750F}"/>
+              </a:ext>
+            </a:extLst>
+          </p:cNvPr>
+          <p:cNvSpPr>
+            <a:spLocks noGrp="1"/>
+          </p:cNvSpPr>
+          <p:nvPr>
+            <p:ph type="sldNum" sz="quarter" idx="12"/>
+          </p:nvPr>
+        </p:nvSpPr>
+        <p:spPr/>
+        <p:txBody>
+          <a:bodyPr/>
+          <a:lstStyle/>
+          <a:p>
+            <a:fld id="{EFD40CC3-C2EA-4AEA-91B8-E5D94FBABE70}" type="slidenum">
+              <a:rPr lang="en-US" smtClean="0"/>
+              <a:t>17</a:t>
+            </a:fld>
+            <a:endParaRPr lang="en-US"/>
+          </a:p>
+        </p:txBody>
+      </p:sp>
+    </p:spTree>
+    <p:extLst>
+      <p:ext uri="{BB962C8B-B14F-4D97-AF65-F5344CB8AC3E}">
+        <p14:creationId xmlns:p14="http://schemas.microsoft.com/office/powerpoint/2010/main" val="2996609013"/>
+      </p:ext>
+    </p:extLst>
+  </p:cSld>
+  <p:clrMapOvr>
+    <a:masterClrMapping/>
+  </p:clrMapOvr>
+</p:sld>
+</file>
+
+<file path=ppt/slides/slide18.xml><?xml version="1.0" encoding="utf-8"?>
+<p:sld xmlns:a="http://schemas.openxmlformats.org/drawingml/2006/main" xmlns:r="http://schemas.openxmlformats.org/officeDocument/2006/relationships" xmlns:p="http://schemas.openxmlformats.org/presentationml/2006/main">
+  <p:cSld>
+    <p:spTree>
+      <p:nvGrpSpPr>
+        <p:cNvPr id="1" name=""/>
+        <p:cNvGrpSpPr/>
+        <p:nvPr/>
+      </p:nvGrpSpPr>
+      <p:grpSpPr>
+        <a:xfrm>
+          <a:off x="0" y="0"/>
+          <a:ext cx="0" cy="0"/>
+          <a:chOff x="0" y="0"/>
+          <a:chExt cx="0" cy="0"/>
+        </a:xfrm>
+      </p:grpSpPr>
+      <p:sp>
+        <p:nvSpPr>
+          <p:cNvPr id="2" name="Title 1">
+            <a:extLst>
+              <a:ext uri="{FF2B5EF4-FFF2-40B4-BE49-F238E27FC236}">
+                <a16:creationId xmlns:a16="http://schemas.microsoft.com/office/drawing/2014/main" id="{DE76539B-9CA9-5121-0B2D-8D37A43734A6}"/>
+              </a:ext>
+            </a:extLst>
+          </p:cNvPr>
+          <p:cNvSpPr>
+            <a:spLocks noGrp="1"/>
+          </p:cNvSpPr>
+          <p:nvPr>
+            <p:ph type="title"/>
+          </p:nvPr>
+        </p:nvSpPr>
+        <p:spPr/>
+        <p:txBody>
+          <a:bodyPr/>
+          <a:lstStyle/>
+          <a:p>
+            <a:r>
+              <a:rPr lang="en-US" dirty="0"/>
+              <a:t>Posterior distribution for p, probability of a successful launch</a:t>
+            </a:r>
+          </a:p>
+        </p:txBody>
+      </p:sp>
+      <p:pic>
+        <p:nvPicPr>
+          <p:cNvPr id="5" name="Content Placeholder 4">
+            <a:extLst>
+              <a:ext uri="{FF2B5EF4-FFF2-40B4-BE49-F238E27FC236}">
+                <a16:creationId xmlns:a16="http://schemas.microsoft.com/office/drawing/2014/main" id="{51C5022E-EB9F-4825-226B-174A554794FC}"/>
+              </a:ext>
+            </a:extLst>
+          </p:cNvPr>
+          <p:cNvPicPr>
+            <a:picLocks noGrp="1" noChangeAspect="1"/>
+          </p:cNvPicPr>
+          <p:nvPr>
+            <p:ph idx="1"/>
+          </p:nvPr>
+        </p:nvPicPr>
+        <p:blipFill>
+          <a:blip r:embed="rId2"/>
+          <a:stretch>
+            <a:fillRect/>
+          </a:stretch>
+        </p:blipFill>
+        <p:spPr>
+          <a:xfrm>
+            <a:off x="1531088" y="1798970"/>
+            <a:ext cx="8102009" cy="4557380"/>
+          </a:xfrm>
+          <a:prstGeom prst="rect">
+            <a:avLst/>
+          </a:prstGeom>
+        </p:spPr>
+      </p:pic>
+      <p:sp>
+        <p:nvSpPr>
+          <p:cNvPr id="4" name="Slide Number Placeholder 3">
+            <a:extLst>
+              <a:ext uri="{FF2B5EF4-FFF2-40B4-BE49-F238E27FC236}">
+                <a16:creationId xmlns:a16="http://schemas.microsoft.com/office/drawing/2014/main" id="{7EFF0BE2-BEE3-D598-34AB-8FEE8D201271}"/>
+              </a:ext>
+            </a:extLst>
+          </p:cNvPr>
+          <p:cNvSpPr>
+            <a:spLocks noGrp="1"/>
+          </p:cNvSpPr>
+          <p:nvPr>
+            <p:ph type="sldNum" sz="quarter" idx="12"/>
+          </p:nvPr>
+        </p:nvSpPr>
+        <p:spPr/>
+        <p:txBody>
+          <a:bodyPr/>
+          <a:lstStyle/>
+          <a:p>
+            <a:fld id="{EFD40CC3-C2EA-4AEA-91B8-E5D94FBABE70}" type="slidenum">
+              <a:rPr lang="en-US" smtClean="0"/>
+              <a:t>18</a:t>
+            </a:fld>
+            <a:endParaRPr lang="en-US"/>
+          </a:p>
+        </p:txBody>
+      </p:sp>
+    </p:spTree>
+    <p:extLst>
+      <p:ext uri="{BB962C8B-B14F-4D97-AF65-F5344CB8AC3E}">
+        <p14:creationId xmlns:p14="http://schemas.microsoft.com/office/powerpoint/2010/main" val="332101779"/>
+      </p:ext>
+    </p:extLst>
+  </p:cSld>
+  <p:clrMapOvr>
+    <a:masterClrMapping/>
+  </p:clrMapOvr>
+</p:sld>
+</file>
+
+<file path=ppt/slides/slide19.xml><?xml version="1.0" encoding="utf-8"?>
+<p:sld xmlns:a="http://schemas.openxmlformats.org/drawingml/2006/main" xmlns:r="http://schemas.openxmlformats.org/officeDocument/2006/relationships" xmlns:p="http://schemas.openxmlformats.org/presentationml/2006/main">
+  <p:cSld>
+    <p:spTree>
+      <p:nvGrpSpPr>
+        <p:cNvPr id="1" name=""/>
+        <p:cNvGrpSpPr/>
+        <p:nvPr/>
+      </p:nvGrpSpPr>
+      <p:grpSpPr>
+        <a:xfrm>
+          <a:off x="0" y="0"/>
+          <a:ext cx="0" cy="0"/>
+          <a:chOff x="0" y="0"/>
+          <a:chExt cx="0" cy="0"/>
+        </a:xfrm>
+      </p:grpSpPr>
       <mc:AlternateContent xmlns:mc="http://schemas.openxmlformats.org/markup-compatibility/2006">
         <mc:Choice xmlns:a14="http://schemas.microsoft.com/office/drawing/2010/main" Requires="a14">
+          <p:sp>
+            <p:nvSpPr>
+              <p:cNvPr id="2" name="Title 1">
+                <a:extLst>
+                  <a:ext uri="{FF2B5EF4-FFF2-40B4-BE49-F238E27FC236}">
+                    <a16:creationId xmlns:a16="http://schemas.microsoft.com/office/drawing/2014/main" id="{7596D4A2-F4B0-B689-9726-A3DF0B9A771B}"/>
+                  </a:ext>
+                </a:extLst>
+              </p:cNvPr>
+              <p:cNvSpPr>
+                <a:spLocks noGrp="1"/>
+              </p:cNvSpPr>
+              <p:nvPr>
+                <p:ph type="title"/>
+              </p:nvPr>
+            </p:nvSpPr>
+            <p:spPr/>
+            <p:txBody>
+              <a:bodyPr/>
+              <a:lstStyle/>
+              <a:p>
+                <a:r>
+                  <a:rPr lang="en-US" dirty="0"/>
+                  <a:t>Now get the predictive posterior for </a:t>
+                </a:r>
+                <a14:m>
+                  <m:oMath xmlns:m="http://schemas.openxmlformats.org/officeDocument/2006/math">
+                    <m:r>
+                      <a:rPr lang="en-US" i="1" dirty="0" smtClean="0">
+                        <a:latin typeface="Cambria Math" panose="02040503050406030204" pitchFamily="18" charset="0"/>
+                      </a:rPr>
+                      <m:t>𝜃</m:t>
+                    </m:r>
+                  </m:oMath>
+                </a14:m>
+                <a:r>
+                  <a:rPr lang="en-US" dirty="0"/>
+                  <a:t> and </a:t>
+                </a:r>
+                <a:r>
+                  <a:rPr lang="en-US" dirty="0" err="1"/>
+                  <a:t>n_success</a:t>
+                </a:r>
+                <a:endParaRPr lang="en-US" dirty="0"/>
+              </a:p>
+            </p:txBody>
+          </p:sp>
+        </mc:Choice>
+        <mc:Fallback>
+          <p:sp>
+            <p:nvSpPr>
+              <p:cNvPr id="2" name="Title 1">
+                <a:extLst>
+                  <a:ext uri="{FF2B5EF4-FFF2-40B4-BE49-F238E27FC236}">
+                    <a16:creationId xmlns:a16="http://schemas.microsoft.com/office/drawing/2014/main" id="{7596D4A2-F4B0-B689-9726-A3DF0B9A771B}"/>
+                  </a:ext>
+                </a:extLst>
+              </p:cNvPr>
+              <p:cNvSpPr>
+                <a:spLocks noGrp="1" noRot="1" noChangeAspect="1" noMove="1" noResize="1" noEditPoints="1" noAdjustHandles="1" noChangeArrowheads="1" noChangeShapeType="1" noTextEdit="1"/>
+              </p:cNvSpPr>
+              <p:nvPr>
+                <p:ph type="title"/>
+              </p:nvPr>
+            </p:nvSpPr>
+            <p:spPr>
+              <a:blipFill>
+                <a:blip r:embed="rId2"/>
+                <a:stretch>
+                  <a:fillRect l="-2377" t="-13364" b="-21198"/>
+                </a:stretch>
+              </a:blipFill>
+            </p:spPr>
+            <p:txBody>
+              <a:bodyPr/>
+              <a:lstStyle/>
+              <a:p>
+                <a:r>
+                  <a:rPr lang="en-US">
+                    <a:noFill/>
+                  </a:rPr>
+                  <a:t> </a:t>
+                </a:r>
+              </a:p>
+            </p:txBody>
+          </p:sp>
+        </mc:Fallback>
+      </mc:AlternateContent>
+      <p:sp>
+        <p:nvSpPr>
+          <p:cNvPr id="3" name="Content Placeholder 2">
+            <a:extLst>
+              <a:ext uri="{FF2B5EF4-FFF2-40B4-BE49-F238E27FC236}">
+                <a16:creationId xmlns:a16="http://schemas.microsoft.com/office/drawing/2014/main" id="{A76087B3-7D6D-4B52-C8D6-DDFA4FBC9E42}"/>
+              </a:ext>
+            </a:extLst>
+          </p:cNvPr>
+          <p:cNvSpPr>
+            <a:spLocks noGrp="1"/>
+          </p:cNvSpPr>
+          <p:nvPr>
+            <p:ph idx="1"/>
+          </p:nvPr>
+        </p:nvSpPr>
+        <p:spPr/>
+        <p:txBody>
+          <a:bodyPr/>
+          <a:lstStyle/>
+          <a:p>
+            <a:r>
+              <a:rPr lang="en-US" dirty="0"/>
+              <a:t>Recall that</a:t>
+            </a:r>
+          </a:p>
+          <a:p>
+            <a:r>
+              <a:rPr lang="en-US" dirty="0" err="1"/>
+              <a:t>postPredModel_code</a:t>
+            </a:r>
+            <a:r>
+              <a:rPr lang="en-US" dirty="0"/>
+              <a:t> &lt;- “</a:t>
+            </a:r>
+          </a:p>
+          <a:p>
+            <a:pPr marL="0" indent="0">
+              <a:buNone/>
+            </a:pPr>
+            <a:r>
+              <a:rPr lang="en-US" dirty="0"/>
+              <a:t>      model {  </a:t>
+            </a:r>
+          </a:p>
+          <a:p>
+            <a:pPr marL="0" indent="0">
+              <a:buNone/>
+            </a:pPr>
+            <a:r>
+              <a:rPr lang="en-US" dirty="0"/>
+              <a:t>            # Likelihood: Binomial distribution  </a:t>
+            </a:r>
+          </a:p>
+          <a:p>
+            <a:pPr marL="0" indent="0">
+              <a:buNone/>
+            </a:pPr>
+            <a:r>
+              <a:rPr lang="en-US" dirty="0"/>
+              <a:t>            successes ~ </a:t>
+            </a:r>
+            <a:r>
+              <a:rPr lang="en-US" dirty="0" err="1"/>
+              <a:t>dbin</a:t>
+            </a:r>
+            <a:r>
+              <a:rPr lang="en-US" dirty="0"/>
+              <a:t>(p, trials)    </a:t>
+            </a:r>
+          </a:p>
+          <a:p>
+            <a:pPr marL="0" indent="0">
+              <a:buNone/>
+            </a:pPr>
+            <a:r>
+              <a:rPr lang="en-US" dirty="0"/>
+              <a:t>            # Prior: normal approximation to posterior  </a:t>
+            </a:r>
+          </a:p>
+          <a:p>
+            <a:pPr marL="0" indent="0">
+              <a:buNone/>
+            </a:pPr>
+            <a:r>
+              <a:rPr lang="en-US" dirty="0"/>
+              <a:t>            p ~ </a:t>
+            </a:r>
+            <a:r>
+              <a:rPr lang="en-US" dirty="0" err="1"/>
+              <a:t>dnorm</a:t>
+            </a:r>
+            <a:r>
+              <a:rPr lang="en-US" dirty="0"/>
+              <a:t>(m, 1/s*s) # the new prior for predicted posterior for p</a:t>
+            </a:r>
+          </a:p>
+          <a:p>
+            <a:pPr marL="0" indent="0">
+              <a:buNone/>
+            </a:pPr>
+            <a:r>
+              <a:rPr lang="en-US" dirty="0"/>
+              <a:t>}"</a:t>
+            </a:r>
+          </a:p>
+        </p:txBody>
+      </p:sp>
+      <p:sp>
+        <p:nvSpPr>
+          <p:cNvPr id="4" name="Slide Number Placeholder 3">
+            <a:extLst>
+              <a:ext uri="{FF2B5EF4-FFF2-40B4-BE49-F238E27FC236}">
+                <a16:creationId xmlns:a16="http://schemas.microsoft.com/office/drawing/2014/main" id="{6A055F98-AF44-2298-8BD9-76C2F23622E7}"/>
+              </a:ext>
+            </a:extLst>
+          </p:cNvPr>
+          <p:cNvSpPr>
+            <a:spLocks noGrp="1"/>
+          </p:cNvSpPr>
+          <p:nvPr>
+            <p:ph type="sldNum" sz="quarter" idx="12"/>
+          </p:nvPr>
+        </p:nvSpPr>
+        <p:spPr/>
+        <p:txBody>
+          <a:bodyPr/>
+          <a:lstStyle/>
+          <a:p>
+            <a:fld id="{EFD40CC3-C2EA-4AEA-91B8-E5D94FBABE70}" type="slidenum">
+              <a:rPr lang="en-US" smtClean="0"/>
+              <a:t>19</a:t>
+            </a:fld>
+            <a:endParaRPr lang="en-US"/>
+          </a:p>
+        </p:txBody>
+      </p:sp>
+      <p:pic>
+        <p:nvPicPr>
+          <p:cNvPr id="6" name="Picture 5">
+            <a:extLst>
+              <a:ext uri="{FF2B5EF4-FFF2-40B4-BE49-F238E27FC236}">
+                <a16:creationId xmlns:a16="http://schemas.microsoft.com/office/drawing/2014/main" id="{086C5296-6EE4-918F-B6A7-87C2F92E81C5}"/>
+              </a:ext>
+            </a:extLst>
+          </p:cNvPr>
+          <p:cNvPicPr>
+            <a:picLocks noChangeAspect="1"/>
+          </p:cNvPicPr>
+          <p:nvPr/>
+        </p:nvPicPr>
+        <p:blipFill>
+          <a:blip r:embed="rId3"/>
+          <a:stretch>
+            <a:fillRect/>
+          </a:stretch>
+        </p:blipFill>
+        <p:spPr>
+          <a:xfrm>
+            <a:off x="3076121" y="1690688"/>
+            <a:ext cx="3700593" cy="640135"/>
+          </a:xfrm>
+          <a:prstGeom prst="rect">
+            <a:avLst/>
+          </a:prstGeom>
+        </p:spPr>
+      </p:pic>
+    </p:spTree>
+    <p:extLst>
+      <p:ext uri="{BB962C8B-B14F-4D97-AF65-F5344CB8AC3E}">
+        <p14:creationId xmlns:p14="http://schemas.microsoft.com/office/powerpoint/2010/main" val="1105891695"/>
+      </p:ext>
+    </p:extLst>
+  </p:cSld>
+  <p:clrMapOvr>
+    <a:masterClrMapping/>
+  </p:clrMapOvr>
+</p:sld>
+</file>
+
+<file path=ppt/slides/slide2.xml><?xml version="1.0" encoding="utf-8"?>
+<p:sld xmlns:a="http://schemas.openxmlformats.org/drawingml/2006/main" xmlns:r="http://schemas.openxmlformats.org/officeDocument/2006/relationships" xmlns:p="http://schemas.openxmlformats.org/presentationml/2006/main">
+  <p:cSld>
+    <p:spTree>
+      <p:nvGrpSpPr>
+        <p:cNvPr id="1" name=""/>
+        <p:cNvGrpSpPr/>
+        <p:nvPr/>
+      </p:nvGrpSpPr>
+      <p:grpSpPr>
+        <a:xfrm>
+          <a:off x="0" y="0"/>
+          <a:ext cx="0" cy="0"/>
+          <a:chOff x="0" y="0"/>
+          <a:chExt cx="0" cy="0"/>
+        </a:xfrm>
+      </p:grpSpPr>
+      <p:sp>
+        <p:nvSpPr>
+          <p:cNvPr id="2" name="Title 1">
+            <a:extLst>
+              <a:ext uri="{FF2B5EF4-FFF2-40B4-BE49-F238E27FC236}">
+                <a16:creationId xmlns:a16="http://schemas.microsoft.com/office/drawing/2014/main" id="{1F8FCB08-7EAD-42EF-A12E-EDD5D467AD34}"/>
+              </a:ext>
+            </a:extLst>
+          </p:cNvPr>
+          <p:cNvSpPr>
+            <a:spLocks noGrp="1"/>
+          </p:cNvSpPr>
+          <p:nvPr>
+            <p:ph type="title"/>
+          </p:nvPr>
+        </p:nvSpPr>
+        <p:spPr/>
+        <p:txBody>
+          <a:bodyPr/>
+          <a:lstStyle/>
+          <a:p>
+            <a:r>
+              <a:rPr lang="en-US" dirty="0"/>
+              <a:t>Set up</a:t>
+            </a:r>
+          </a:p>
+        </p:txBody>
+      </p:sp>
+      <p:sp>
+        <p:nvSpPr>
+          <p:cNvPr id="3" name="Content Placeholder 2">
+            <a:extLst>
+              <a:ext uri="{FF2B5EF4-FFF2-40B4-BE49-F238E27FC236}">
+                <a16:creationId xmlns:a16="http://schemas.microsoft.com/office/drawing/2014/main" id="{0E84C8D2-7D31-5B61-F65A-885C9986A6A1}"/>
+              </a:ext>
+            </a:extLst>
+          </p:cNvPr>
+          <p:cNvSpPr>
+            <a:spLocks noGrp="1"/>
+          </p:cNvSpPr>
+          <p:nvPr>
+            <p:ph idx="1"/>
+          </p:nvPr>
+        </p:nvSpPr>
+        <p:spPr/>
+        <p:txBody>
+          <a:bodyPr/>
+          <a:lstStyle/>
+          <a:p>
+            <a:r>
+              <a:rPr lang="en-US" dirty="0"/>
+              <a:t>Hamada, </a:t>
+            </a:r>
+            <a:r>
+              <a:rPr lang="en-US" i="1" dirty="0"/>
+              <a:t>Bayesian Reliability</a:t>
+            </a:r>
+            <a:r>
+              <a:rPr lang="en-US" dirty="0"/>
+              <a:t>, page 21, following</a:t>
+            </a:r>
+          </a:p>
+          <a:p>
+            <a:r>
+              <a:rPr lang="en-US" dirty="0"/>
+              <a:t>Johnson, </a:t>
+            </a:r>
+            <a:r>
+              <a:rPr lang="en-US" i="1" dirty="0"/>
+              <a:t>et al. </a:t>
+            </a:r>
+            <a:r>
+              <a:rPr lang="en-US" dirty="0"/>
+              <a:t> (2005) present data on estimating the probabilities of failures of launch for vehicles used to put satellites in orbit.</a:t>
+            </a:r>
+          </a:p>
+          <a:p>
+            <a:r>
+              <a:rPr lang="en-US" dirty="0"/>
+              <a:t>Estimates of failure probabilities play a prominent role in risk assessment, </a:t>
+            </a:r>
+            <a:r>
+              <a:rPr lang="en-US" i="1" dirty="0"/>
+              <a:t>viz.,</a:t>
+            </a:r>
+            <a:endParaRPr lang="en-US" dirty="0"/>
+          </a:p>
+          <a:p>
+            <a:pPr lvl="1"/>
+            <a:r>
+              <a:rPr lang="en-US" dirty="0"/>
+              <a:t>Public safety</a:t>
+            </a:r>
+          </a:p>
+          <a:p>
+            <a:pPr lvl="1"/>
+            <a:r>
+              <a:rPr lang="en-US" dirty="0"/>
+              <a:t>Ability of aerospace manufacturer to develop and field new systems.</a:t>
+            </a:r>
+          </a:p>
+          <a:p>
+            <a:pPr lvl="1"/>
+            <a:r>
+              <a:rPr lang="en-US" dirty="0"/>
+              <a:t>Cost/schedule planning</a:t>
+            </a:r>
+          </a:p>
+          <a:p>
+            <a:r>
+              <a:rPr lang="en-US" dirty="0"/>
+              <a:t>Purpose: estimate failure probability for new rockets fielded by companies with limited experience.  </a:t>
+            </a:r>
+          </a:p>
+          <a:p>
+            <a:endParaRPr lang="en-US" dirty="0"/>
+          </a:p>
+        </p:txBody>
+      </p:sp>
+      <p:sp>
+        <p:nvSpPr>
+          <p:cNvPr id="4" name="Slide Number Placeholder 3">
+            <a:extLst>
+              <a:ext uri="{FF2B5EF4-FFF2-40B4-BE49-F238E27FC236}">
+                <a16:creationId xmlns:a16="http://schemas.microsoft.com/office/drawing/2014/main" id="{FFB7E518-357B-D1CB-7A4A-90015CFEED23}"/>
+              </a:ext>
+            </a:extLst>
+          </p:cNvPr>
+          <p:cNvSpPr>
+            <a:spLocks noGrp="1"/>
+          </p:cNvSpPr>
+          <p:nvPr>
+            <p:ph type="sldNum" sz="quarter" idx="12"/>
+          </p:nvPr>
+        </p:nvSpPr>
+        <p:spPr/>
+        <p:txBody>
+          <a:bodyPr/>
+          <a:lstStyle/>
+          <a:p>
+            <a:fld id="{EFD40CC3-C2EA-4AEA-91B8-E5D94FBABE70}" type="slidenum">
+              <a:rPr lang="en-US" smtClean="0"/>
+              <a:t>2</a:t>
+            </a:fld>
+            <a:endParaRPr lang="en-US"/>
+          </a:p>
+        </p:txBody>
+      </p:sp>
+    </p:spTree>
+    <p:extLst>
+      <p:ext uri="{BB962C8B-B14F-4D97-AF65-F5344CB8AC3E}">
+        <p14:creationId xmlns:p14="http://schemas.microsoft.com/office/powerpoint/2010/main" val="2321401761"/>
+      </p:ext>
+    </p:extLst>
+  </p:cSld>
+  <p:clrMapOvr>
+    <a:masterClrMapping/>
+  </p:clrMapOvr>
+</p:sld>
+</file>
+
+<file path=ppt/slides/slide20.xml><?xml version="1.0" encoding="utf-8"?>
+<p:sld xmlns:a="http://schemas.openxmlformats.org/drawingml/2006/main" xmlns:r="http://schemas.openxmlformats.org/officeDocument/2006/relationships" xmlns:p="http://schemas.openxmlformats.org/presentationml/2006/main">
+  <p:cSld>
+    <p:spTree>
+      <p:nvGrpSpPr>
+        <p:cNvPr id="1" name=""/>
+        <p:cNvGrpSpPr/>
+        <p:nvPr/>
+      </p:nvGrpSpPr>
+      <p:grpSpPr>
+        <a:xfrm>
+          <a:off x="0" y="0"/>
+          <a:ext cx="0" cy="0"/>
+          <a:chOff x="0" y="0"/>
+          <a:chExt cx="0" cy="0"/>
+        </a:xfrm>
+      </p:grpSpPr>
+      <mc:AlternateContent xmlns:mc="http://schemas.openxmlformats.org/markup-compatibility/2006">
+        <mc:Choice xmlns:a14="http://schemas.microsoft.com/office/drawing/2010/main" Requires="a14">
+          <p:sp>
+            <p:nvSpPr>
+              <p:cNvPr id="2" name="Title 1">
+                <a:extLst>
+                  <a:ext uri="{FF2B5EF4-FFF2-40B4-BE49-F238E27FC236}">
+                    <a16:creationId xmlns:a16="http://schemas.microsoft.com/office/drawing/2014/main" id="{0E2CEA6C-41B8-CDCF-8F05-DF29021C4BF4}"/>
+                  </a:ext>
+                </a:extLst>
+              </p:cNvPr>
+              <p:cNvSpPr>
+                <a:spLocks noGrp="1"/>
+              </p:cNvSpPr>
+              <p:nvPr>
+                <p:ph type="title"/>
+              </p:nvPr>
+            </p:nvSpPr>
+            <p:spPr/>
+            <p:txBody>
+              <a:bodyPr/>
+              <a:lstStyle/>
+              <a:p>
+                <a:r>
+                  <a:rPr lang="en-US" dirty="0"/>
+                  <a:t>Integrate to get the posterior predictive for </a:t>
+                </a:r>
+                <a14:m>
+                  <m:oMath xmlns:m="http://schemas.openxmlformats.org/officeDocument/2006/math">
+                    <m:r>
+                      <a:rPr lang="en-US" i="1" dirty="0" smtClean="0">
+                        <a:latin typeface="Cambria Math" panose="02040503050406030204" pitchFamily="18" charset="0"/>
+                      </a:rPr>
+                      <m:t>𝜃</m:t>
+                    </m:r>
+                  </m:oMath>
+                </a14:m>
+                <a:endParaRPr lang="en-US" dirty="0"/>
+              </a:p>
+            </p:txBody>
+          </p:sp>
+        </mc:Choice>
+        <mc:Fallback>
+          <p:sp>
+            <p:nvSpPr>
+              <p:cNvPr id="2" name="Title 1">
+                <a:extLst>
+                  <a:ext uri="{FF2B5EF4-FFF2-40B4-BE49-F238E27FC236}">
+                    <a16:creationId xmlns:a16="http://schemas.microsoft.com/office/drawing/2014/main" id="{0E2CEA6C-41B8-CDCF-8F05-DF29021C4BF4}"/>
+                  </a:ext>
+                </a:extLst>
+              </p:cNvPr>
+              <p:cNvSpPr>
+                <a:spLocks noGrp="1" noRot="1" noChangeAspect="1" noMove="1" noResize="1" noEditPoints="1" noAdjustHandles="1" noChangeArrowheads="1" noChangeShapeType="1" noTextEdit="1"/>
+              </p:cNvSpPr>
+              <p:nvPr>
+                <p:ph type="title"/>
+              </p:nvPr>
+            </p:nvSpPr>
+            <p:spPr>
+              <a:blipFill>
+                <a:blip r:embed="rId2"/>
+                <a:stretch>
+                  <a:fillRect l="-2377"/>
+                </a:stretch>
+              </a:blipFill>
+            </p:spPr>
+            <p:txBody>
+              <a:bodyPr/>
+              <a:lstStyle/>
+              <a:p>
+                <a:r>
+                  <a:rPr lang="en-US">
+                    <a:noFill/>
+                  </a:rPr>
+                  <a:t> </a:t>
+                </a:r>
+              </a:p>
+            </p:txBody>
+          </p:sp>
+        </mc:Fallback>
+      </mc:AlternateContent>
+      <p:pic>
+        <p:nvPicPr>
+          <p:cNvPr id="5" name="Content Placeholder 4">
+            <a:extLst>
+              <a:ext uri="{FF2B5EF4-FFF2-40B4-BE49-F238E27FC236}">
+                <a16:creationId xmlns:a16="http://schemas.microsoft.com/office/drawing/2014/main" id="{EEC0D282-B7A0-5FCC-DD23-DA1A9C76A095}"/>
+              </a:ext>
+            </a:extLst>
+          </p:cNvPr>
+          <p:cNvPicPr>
+            <a:picLocks noGrp="1" noChangeAspect="1"/>
+          </p:cNvPicPr>
+          <p:nvPr>
+            <p:ph idx="1"/>
+          </p:nvPr>
+        </p:nvPicPr>
+        <p:blipFill>
+          <a:blip r:embed="rId3"/>
+          <a:stretch>
+            <a:fillRect/>
+          </a:stretch>
+        </p:blipFill>
+        <p:spPr>
+          <a:xfrm>
+            <a:off x="1624078" y="2005012"/>
+            <a:ext cx="6413296" cy="4351338"/>
+          </a:xfrm>
+          <a:prstGeom prst="rect">
+            <a:avLst/>
+          </a:prstGeom>
+        </p:spPr>
+      </p:pic>
+      <p:sp>
+        <p:nvSpPr>
+          <p:cNvPr id="4" name="Slide Number Placeholder 3">
+            <a:extLst>
+              <a:ext uri="{FF2B5EF4-FFF2-40B4-BE49-F238E27FC236}">
+                <a16:creationId xmlns:a16="http://schemas.microsoft.com/office/drawing/2014/main" id="{39BEF701-CFC8-070A-F688-0B91605640BC}"/>
+              </a:ext>
+            </a:extLst>
+          </p:cNvPr>
+          <p:cNvSpPr>
+            <a:spLocks noGrp="1"/>
+          </p:cNvSpPr>
+          <p:nvPr>
+            <p:ph type="sldNum" sz="quarter" idx="12"/>
+          </p:nvPr>
+        </p:nvSpPr>
+        <p:spPr/>
+        <p:txBody>
+          <a:bodyPr/>
+          <a:lstStyle/>
+          <a:p>
+            <a:fld id="{EFD40CC3-C2EA-4AEA-91B8-E5D94FBABE70}" type="slidenum">
+              <a:rPr lang="en-US" smtClean="0"/>
+              <a:t>20</a:t>
+            </a:fld>
+            <a:endParaRPr lang="en-US"/>
+          </a:p>
+        </p:txBody>
+      </p:sp>
+      <p:sp>
+        <p:nvSpPr>
+          <p:cNvPr id="6" name="TextBox 5">
+            <a:extLst>
+              <a:ext uri="{FF2B5EF4-FFF2-40B4-BE49-F238E27FC236}">
+                <a16:creationId xmlns:a16="http://schemas.microsoft.com/office/drawing/2014/main" id="{72C5E36A-856A-5C29-E412-2BE343627909}"/>
+              </a:ext>
+            </a:extLst>
+          </p:cNvPr>
+          <p:cNvSpPr txBox="1"/>
+          <p:nvPr/>
+        </p:nvSpPr>
+        <p:spPr>
+          <a:xfrm>
+            <a:off x="8761228" y="2360428"/>
+            <a:ext cx="2743200" cy="3416320"/>
+          </a:xfrm>
+          <a:prstGeom prst="rect">
+            <a:avLst/>
+          </a:prstGeom>
+          <a:noFill/>
+        </p:spPr>
+        <p:txBody>
+          <a:bodyPr wrap="square" rtlCol="0">
+            <a:spAutoFit/>
+          </a:bodyPr>
+          <a:lstStyle/>
+          <a:p>
+            <a:r>
+              <a:rPr lang="en-US" sz="2400" dirty="0"/>
+              <a:t>Right is the posterior predictive for p</a:t>
+            </a:r>
+          </a:p>
+          <a:p>
+            <a:endParaRPr lang="en-US" sz="2400" dirty="0"/>
+          </a:p>
+          <a:p>
+            <a:r>
+              <a:rPr lang="en-US" sz="2400" dirty="0"/>
+              <a:t>Now we need posterior predictive distribution for number of successes in 13 trials</a:t>
+            </a:r>
+          </a:p>
+        </p:txBody>
+      </p:sp>
+    </p:spTree>
+    <p:extLst>
+      <p:ext uri="{BB962C8B-B14F-4D97-AF65-F5344CB8AC3E}">
+        <p14:creationId xmlns:p14="http://schemas.microsoft.com/office/powerpoint/2010/main" val="1181492834"/>
+      </p:ext>
+    </p:extLst>
+  </p:cSld>
+  <p:clrMapOvr>
+    <a:masterClrMapping/>
+  </p:clrMapOvr>
+</p:sld>
+</file>
+
+<file path=ppt/slides/slide21.xml><?xml version="1.0" encoding="utf-8"?>
+<p:sld xmlns:a="http://schemas.openxmlformats.org/drawingml/2006/main" xmlns:r="http://schemas.openxmlformats.org/officeDocument/2006/relationships" xmlns:p="http://schemas.openxmlformats.org/presentationml/2006/main">
+  <p:cSld>
+    <p:spTree>
+      <p:nvGrpSpPr>
+        <p:cNvPr id="1" name=""/>
+        <p:cNvGrpSpPr/>
+        <p:nvPr/>
+      </p:nvGrpSpPr>
+      <p:grpSpPr>
+        <a:xfrm>
+          <a:off x="0" y="0"/>
+          <a:ext cx="0" cy="0"/>
+          <a:chOff x="0" y="0"/>
+          <a:chExt cx="0" cy="0"/>
+        </a:xfrm>
+      </p:grpSpPr>
+      <p:sp>
+        <p:nvSpPr>
+          <p:cNvPr id="2" name="Title 1">
+            <a:extLst>
+              <a:ext uri="{FF2B5EF4-FFF2-40B4-BE49-F238E27FC236}">
+                <a16:creationId xmlns:a16="http://schemas.microsoft.com/office/drawing/2014/main" id="{02D25BC7-31BC-7FED-8BF2-FB3011C05D3F}"/>
+              </a:ext>
+            </a:extLst>
+          </p:cNvPr>
+          <p:cNvSpPr>
+            <a:spLocks noGrp="1"/>
+          </p:cNvSpPr>
+          <p:nvPr>
+            <p:ph type="title"/>
+          </p:nvPr>
+        </p:nvSpPr>
+        <p:spPr/>
+        <p:txBody>
+          <a:bodyPr/>
+          <a:lstStyle/>
+          <a:p>
+            <a:r>
+              <a:rPr lang="en-US" dirty="0"/>
+              <a:t>Set up </a:t>
+            </a:r>
+            <a:r>
+              <a:rPr lang="en-US" dirty="0" err="1"/>
+              <a:t>rjags</a:t>
+            </a:r>
+            <a:r>
+              <a:rPr lang="en-US" dirty="0"/>
+              <a:t> for the posterior predictive</a:t>
+            </a:r>
+          </a:p>
+        </p:txBody>
+      </p:sp>
+      <p:sp>
+        <p:nvSpPr>
+          <p:cNvPr id="3" name="Content Placeholder 2">
+            <a:extLst>
+              <a:ext uri="{FF2B5EF4-FFF2-40B4-BE49-F238E27FC236}">
+                <a16:creationId xmlns:a16="http://schemas.microsoft.com/office/drawing/2014/main" id="{7EA52ABE-6B81-A8A1-8F5F-1C7D696DDC02}"/>
+              </a:ext>
+            </a:extLst>
+          </p:cNvPr>
+          <p:cNvSpPr>
+            <a:spLocks noGrp="1"/>
+          </p:cNvSpPr>
+          <p:nvPr>
+            <p:ph idx="1"/>
+          </p:nvPr>
+        </p:nvSpPr>
+        <p:spPr/>
+        <p:txBody>
+          <a:bodyPr/>
+          <a:lstStyle/>
+          <a:p>
+            <a:pPr marL="0" indent="0">
+              <a:buNone/>
+            </a:pPr>
+            <a:r>
+              <a:rPr lang="en-US" dirty="0"/>
+              <a:t># data list</a:t>
+            </a:r>
+          </a:p>
+          <a:p>
+            <a:pPr marL="0" indent="0">
+              <a:buNone/>
+            </a:pPr>
+            <a:r>
+              <a:rPr lang="en-US" dirty="0" err="1"/>
+              <a:t>postData_list</a:t>
+            </a:r>
+            <a:r>
+              <a:rPr lang="en-US" dirty="0"/>
+              <a:t> = list(successes = </a:t>
+            </a:r>
+            <a:r>
+              <a:rPr lang="en-US" dirty="0" err="1"/>
+              <a:t>observed_successes</a:t>
+            </a:r>
+            <a:r>
+              <a:rPr lang="en-US" dirty="0"/>
+              <a:t>, trials = </a:t>
+            </a:r>
+            <a:r>
+              <a:rPr lang="en-US" dirty="0" err="1"/>
+              <a:t>total_trials</a:t>
+            </a:r>
+            <a:r>
+              <a:rPr lang="en-US" dirty="0"/>
+              <a:t>,                   m = </a:t>
+            </a:r>
+            <a:r>
+              <a:rPr lang="en-US" dirty="0" err="1"/>
+              <a:t>meanPost</a:t>
+            </a:r>
+            <a:r>
+              <a:rPr lang="en-US" dirty="0"/>
+              <a:t>, s = </a:t>
+            </a:r>
+            <a:r>
+              <a:rPr lang="en-US" dirty="0" err="1"/>
+              <a:t>stdPost</a:t>
+            </a:r>
+            <a:r>
+              <a:rPr lang="en-US" dirty="0"/>
+              <a:t>)</a:t>
+            </a:r>
+          </a:p>
+          <a:p>
+            <a:pPr marL="0" indent="0">
+              <a:buNone/>
+            </a:pPr>
+            <a:r>
+              <a:rPr lang="en-US" dirty="0"/>
+              <a:t># initialize  the </a:t>
+            </a:r>
+            <a:r>
+              <a:rPr lang="en-US" dirty="0" err="1"/>
+              <a:t>modeljags_model_Post</a:t>
+            </a:r>
+            <a:r>
+              <a:rPr lang="en-US" dirty="0"/>
+              <a:t> &lt;- </a:t>
+            </a:r>
+            <a:r>
+              <a:rPr lang="en-US" dirty="0" err="1"/>
+              <a:t>jags.model</a:t>
+            </a:r>
+            <a:r>
+              <a:rPr lang="en-US" dirty="0"/>
+              <a:t>(</a:t>
+            </a:r>
+            <a:r>
+              <a:rPr lang="en-US" dirty="0" err="1"/>
+              <a:t>textConnection</a:t>
+            </a:r>
+            <a:r>
+              <a:rPr lang="en-US" dirty="0"/>
+              <a:t>(</a:t>
+            </a:r>
+            <a:r>
+              <a:rPr lang="en-US" dirty="0" err="1"/>
+              <a:t>postPredModel_code</a:t>
+            </a:r>
+            <a:r>
+              <a:rPr lang="en-US" dirty="0"/>
+              <a:t>), data = </a:t>
+            </a:r>
+            <a:r>
+              <a:rPr lang="en-US" dirty="0" err="1"/>
+              <a:t>postData_list</a:t>
+            </a:r>
+            <a:r>
+              <a:rPr lang="en-US" dirty="0"/>
+              <a:t>, </a:t>
+            </a:r>
+            <a:r>
+              <a:rPr lang="en-US" dirty="0" err="1"/>
+              <a:t>n.chains</a:t>
+            </a:r>
+            <a:r>
+              <a:rPr lang="en-US" dirty="0"/>
+              <a:t> = 3)</a:t>
+            </a:r>
+          </a:p>
+          <a:p>
+            <a:pPr marL="0" indent="0">
+              <a:buNone/>
+            </a:pPr>
+            <a:r>
+              <a:rPr lang="en-US" dirty="0"/>
+              <a:t># Run the MCMC simulation</a:t>
+            </a:r>
+          </a:p>
+          <a:p>
+            <a:pPr marL="0" indent="0">
+              <a:buNone/>
+            </a:pPr>
+            <a:r>
+              <a:rPr lang="en-US" dirty="0" err="1"/>
+              <a:t>jags_samples_Post</a:t>
+            </a:r>
+            <a:r>
+              <a:rPr lang="en-US" dirty="0"/>
+              <a:t> &lt;- </a:t>
+            </a:r>
+            <a:r>
+              <a:rPr lang="en-US" dirty="0" err="1"/>
+              <a:t>coda.samples</a:t>
+            </a:r>
+            <a:r>
+              <a:rPr lang="en-US" dirty="0"/>
+              <a:t>(</a:t>
+            </a:r>
+            <a:r>
+              <a:rPr lang="en-US" dirty="0" err="1"/>
+              <a:t>jags_model_Post</a:t>
+            </a:r>
+            <a:r>
+              <a:rPr lang="en-US" dirty="0"/>
+              <a:t>, </a:t>
+            </a:r>
+            <a:r>
+              <a:rPr lang="en-US" dirty="0" err="1"/>
+              <a:t>variable.names</a:t>
+            </a:r>
+            <a:r>
+              <a:rPr lang="en-US" dirty="0"/>
+              <a:t> = "p",  </a:t>
+            </a:r>
+            <a:r>
+              <a:rPr lang="en-US" dirty="0" err="1"/>
+              <a:t>n.iter</a:t>
+            </a:r>
+            <a:r>
+              <a:rPr lang="en-US" dirty="0"/>
+              <a:t> = </a:t>
+            </a:r>
+            <a:r>
+              <a:rPr lang="en-US" dirty="0" err="1"/>
+              <a:t>n_iterations</a:t>
+            </a:r>
+            <a:r>
+              <a:rPr lang="en-US" dirty="0"/>
+              <a:t>, </a:t>
+            </a:r>
+            <a:r>
+              <a:rPr lang="en-US" dirty="0" err="1"/>
+              <a:t>n.burnin</a:t>
+            </a:r>
+            <a:r>
+              <a:rPr lang="en-US" dirty="0"/>
+              <a:t> = </a:t>
+            </a:r>
+            <a:r>
+              <a:rPr lang="en-US" dirty="0" err="1"/>
+              <a:t>n_burnin</a:t>
+            </a:r>
+            <a:r>
+              <a:rPr lang="en-US" dirty="0"/>
+              <a:t>, thin = </a:t>
+            </a:r>
+            <a:r>
+              <a:rPr lang="en-US" dirty="0" err="1"/>
+              <a:t>n_thin</a:t>
+            </a:r>
+            <a:r>
+              <a:rPr lang="en-US" dirty="0"/>
+              <a:t>)</a:t>
+            </a:r>
+          </a:p>
+        </p:txBody>
+      </p:sp>
+      <p:sp>
+        <p:nvSpPr>
+          <p:cNvPr id="4" name="Slide Number Placeholder 3">
+            <a:extLst>
+              <a:ext uri="{FF2B5EF4-FFF2-40B4-BE49-F238E27FC236}">
+                <a16:creationId xmlns:a16="http://schemas.microsoft.com/office/drawing/2014/main" id="{099A3BAE-FFFC-BB9A-42CE-C07E4D318323}"/>
+              </a:ext>
+            </a:extLst>
+          </p:cNvPr>
+          <p:cNvSpPr>
+            <a:spLocks noGrp="1"/>
+          </p:cNvSpPr>
+          <p:nvPr>
+            <p:ph type="sldNum" sz="quarter" idx="12"/>
+          </p:nvPr>
+        </p:nvSpPr>
+        <p:spPr/>
+        <p:txBody>
+          <a:bodyPr/>
+          <a:lstStyle/>
+          <a:p>
+            <a:fld id="{EFD40CC3-C2EA-4AEA-91B8-E5D94FBABE70}" type="slidenum">
+              <a:rPr lang="en-US" smtClean="0"/>
+              <a:t>21</a:t>
+            </a:fld>
+            <a:endParaRPr lang="en-US"/>
+          </a:p>
+        </p:txBody>
+      </p:sp>
+    </p:spTree>
+    <p:extLst>
+      <p:ext uri="{BB962C8B-B14F-4D97-AF65-F5344CB8AC3E}">
+        <p14:creationId xmlns:p14="http://schemas.microsoft.com/office/powerpoint/2010/main" val="581008072"/>
+      </p:ext>
+    </p:extLst>
+  </p:cSld>
+  <p:clrMapOvr>
+    <a:masterClrMapping/>
+  </p:clrMapOvr>
+</p:sld>
+</file>
+
+<file path=ppt/slides/slide22.xml><?xml version="1.0" encoding="utf-8"?>
+<p:sld xmlns:a="http://schemas.openxmlformats.org/drawingml/2006/main" xmlns:r="http://schemas.openxmlformats.org/officeDocument/2006/relationships" xmlns:p="http://schemas.openxmlformats.org/presentationml/2006/main">
+  <p:cSld>
+    <p:spTree>
+      <p:nvGrpSpPr>
+        <p:cNvPr id="1" name=""/>
+        <p:cNvGrpSpPr/>
+        <p:nvPr/>
+      </p:nvGrpSpPr>
+      <p:grpSpPr>
+        <a:xfrm>
+          <a:off x="0" y="0"/>
+          <a:ext cx="0" cy="0"/>
+          <a:chOff x="0" y="0"/>
+          <a:chExt cx="0" cy="0"/>
+        </a:xfrm>
+      </p:grpSpPr>
+      <p:sp>
+        <p:nvSpPr>
+          <p:cNvPr id="2" name="Title 1">
+            <a:extLst>
+              <a:ext uri="{FF2B5EF4-FFF2-40B4-BE49-F238E27FC236}">
+                <a16:creationId xmlns:a16="http://schemas.microsoft.com/office/drawing/2014/main" id="{C1B0EBF4-E81A-9C1A-68F7-5BE65D86AF2C}"/>
+              </a:ext>
+            </a:extLst>
+          </p:cNvPr>
+          <p:cNvSpPr>
+            <a:spLocks noGrp="1"/>
+          </p:cNvSpPr>
+          <p:nvPr>
+            <p:ph type="title"/>
+          </p:nvPr>
+        </p:nvSpPr>
+        <p:spPr/>
+        <p:txBody>
+          <a:bodyPr/>
+          <a:lstStyle/>
+          <a:p>
+            <a:r>
+              <a:rPr lang="en-US" dirty="0"/>
+              <a:t>plot the posterior predictive distribution</a:t>
+            </a:r>
+          </a:p>
+        </p:txBody>
+      </p:sp>
+      <p:sp>
+        <p:nvSpPr>
+          <p:cNvPr id="3" name="Content Placeholder 2">
+            <a:extLst>
+              <a:ext uri="{FF2B5EF4-FFF2-40B4-BE49-F238E27FC236}">
+                <a16:creationId xmlns:a16="http://schemas.microsoft.com/office/drawing/2014/main" id="{FB4D7D28-BE2E-B157-AA84-84D36CD12F73}"/>
+              </a:ext>
+            </a:extLst>
+          </p:cNvPr>
+          <p:cNvSpPr>
+            <a:spLocks noGrp="1"/>
+          </p:cNvSpPr>
+          <p:nvPr>
+            <p:ph idx="1"/>
+          </p:nvPr>
+        </p:nvSpPr>
+        <p:spPr/>
+        <p:txBody>
+          <a:bodyPr/>
+          <a:lstStyle/>
+          <a:p>
+            <a:r>
+              <a:rPr lang="en-US" dirty="0"/>
+              <a:t>Add Credibility interval</a:t>
+            </a:r>
+          </a:p>
+          <a:p>
+            <a:r>
+              <a:rPr lang="en-US" dirty="0" err="1"/>
+              <a:t>kd_PostP</a:t>
+            </a:r>
+            <a:r>
+              <a:rPr lang="en-US" dirty="0"/>
+              <a:t> = density(</a:t>
+            </a:r>
+            <a:r>
+              <a:rPr lang="en-US" dirty="0" err="1"/>
+              <a:t>post_Pred_samples</a:t>
+            </a:r>
+            <a:r>
+              <a:rPr lang="en-US" dirty="0"/>
+              <a:t>)</a:t>
+            </a:r>
+          </a:p>
+          <a:p>
+            <a:pPr marL="0" indent="0">
+              <a:buNone/>
+            </a:pPr>
+            <a:r>
+              <a:rPr lang="en-US" dirty="0"/>
+              <a:t>   plot(</a:t>
+            </a:r>
+            <a:r>
+              <a:rPr lang="en-US" dirty="0" err="1"/>
+              <a:t>kd</a:t>
+            </a:r>
+            <a:r>
+              <a:rPr lang="en-US" dirty="0"/>
+              <a:t>, </a:t>
+            </a:r>
+            <a:r>
+              <a:rPr lang="en-US" dirty="0" err="1"/>
+              <a:t>lwd</a:t>
+            </a:r>
+            <a:r>
+              <a:rPr lang="en-US" dirty="0"/>
+              <a:t>=3, col='red', </a:t>
+            </a:r>
+            <a:r>
+              <a:rPr lang="en-US" dirty="0" err="1"/>
+              <a:t>lty</a:t>
+            </a:r>
+            <a:r>
+              <a:rPr lang="en-US" dirty="0"/>
+              <a:t>=2)</a:t>
+            </a:r>
+          </a:p>
+          <a:p>
+            <a:pPr marL="0" indent="0">
+              <a:buNone/>
+            </a:pPr>
+            <a:r>
+              <a:rPr lang="en-US" dirty="0"/>
+              <a:t>   lines(</a:t>
+            </a:r>
+            <a:r>
+              <a:rPr lang="en-US" dirty="0" err="1"/>
+              <a:t>kd_PostP</a:t>
+            </a:r>
+            <a:r>
+              <a:rPr lang="en-US" dirty="0"/>
+              <a:t>, </a:t>
+            </a:r>
+            <a:r>
+              <a:rPr lang="en-US" dirty="0" err="1"/>
+              <a:t>lwd</a:t>
+            </a:r>
+            <a:r>
+              <a:rPr lang="en-US" dirty="0"/>
+              <a:t>=3, </a:t>
+            </a:r>
+            <a:r>
+              <a:rPr lang="en-US" dirty="0" err="1"/>
+              <a:t>xlab</a:t>
+            </a:r>
+            <a:r>
+              <a:rPr lang="en-US" dirty="0"/>
+              <a:t>='probability of success’, col='black’)</a:t>
+            </a:r>
+          </a:p>
+          <a:p>
+            <a:pPr marL="0" indent="0">
+              <a:buNone/>
+            </a:pPr>
+            <a:r>
+              <a:rPr lang="en-US" dirty="0"/>
+              <a:t>   legend('</a:t>
+            </a:r>
+            <a:r>
+              <a:rPr lang="en-US" dirty="0" err="1"/>
+              <a:t>topright</a:t>
+            </a:r>
+            <a:r>
+              <a:rPr lang="en-US" dirty="0"/>
+              <a:t>',c('predictive </a:t>
+            </a:r>
+            <a:r>
+              <a:rPr lang="en-US" dirty="0" err="1"/>
+              <a:t>posterior','posterior</a:t>
+            </a:r>
+            <a:r>
+              <a:rPr lang="en-US" dirty="0"/>
+              <a:t>'), col=c('black', 'red'), </a:t>
+            </a:r>
+            <a:r>
+              <a:rPr lang="en-US" dirty="0" err="1"/>
+              <a:t>lty</a:t>
+            </a:r>
+            <a:r>
+              <a:rPr lang="en-US" dirty="0"/>
+              <a:t>=c(1,2), </a:t>
+            </a:r>
+            <a:r>
+              <a:rPr lang="en-US" dirty="0" err="1"/>
+              <a:t>lwd</a:t>
+            </a:r>
+            <a:r>
+              <a:rPr lang="en-US" dirty="0"/>
+              <a:t> = c(3,3))grid()</a:t>
+            </a:r>
+          </a:p>
+        </p:txBody>
+      </p:sp>
+      <p:sp>
+        <p:nvSpPr>
+          <p:cNvPr id="4" name="Slide Number Placeholder 3">
+            <a:extLst>
+              <a:ext uri="{FF2B5EF4-FFF2-40B4-BE49-F238E27FC236}">
+                <a16:creationId xmlns:a16="http://schemas.microsoft.com/office/drawing/2014/main" id="{B50BC1F5-5DBF-D1BB-DDA0-49CAD4605D9B}"/>
+              </a:ext>
+            </a:extLst>
+          </p:cNvPr>
+          <p:cNvSpPr>
+            <a:spLocks noGrp="1"/>
+          </p:cNvSpPr>
+          <p:nvPr>
+            <p:ph type="sldNum" sz="quarter" idx="12"/>
+          </p:nvPr>
+        </p:nvSpPr>
+        <p:spPr/>
+        <p:txBody>
+          <a:bodyPr/>
+          <a:lstStyle/>
+          <a:p>
+            <a:fld id="{EFD40CC3-C2EA-4AEA-91B8-E5D94FBABE70}" type="slidenum">
+              <a:rPr lang="en-US" smtClean="0"/>
+              <a:t>22</a:t>
+            </a:fld>
+            <a:endParaRPr lang="en-US"/>
+          </a:p>
+        </p:txBody>
+      </p:sp>
+    </p:spTree>
+    <p:extLst>
+      <p:ext uri="{BB962C8B-B14F-4D97-AF65-F5344CB8AC3E}">
+        <p14:creationId xmlns:p14="http://schemas.microsoft.com/office/powerpoint/2010/main" val="3609189855"/>
+      </p:ext>
+    </p:extLst>
+  </p:cSld>
+  <p:clrMapOvr>
+    <a:masterClrMapping/>
+  </p:clrMapOvr>
+</p:sld>
+</file>
+
+<file path=ppt/slides/slide23.xml><?xml version="1.0" encoding="utf-8"?>
+<p:sld xmlns:a="http://schemas.openxmlformats.org/drawingml/2006/main" xmlns:r="http://schemas.openxmlformats.org/officeDocument/2006/relationships" xmlns:p="http://schemas.openxmlformats.org/presentationml/2006/main">
+  <p:cSld>
+    <p:spTree>
+      <p:nvGrpSpPr>
+        <p:cNvPr id="1" name=""/>
+        <p:cNvGrpSpPr/>
+        <p:nvPr/>
+      </p:nvGrpSpPr>
+      <p:grpSpPr>
+        <a:xfrm>
+          <a:off x="0" y="0"/>
+          <a:ext cx="0" cy="0"/>
+          <a:chOff x="0" y="0"/>
+          <a:chExt cx="0" cy="0"/>
+        </a:xfrm>
+      </p:grpSpPr>
+      <p:sp>
+        <p:nvSpPr>
+          <p:cNvPr id="2" name="Title 1">
+            <a:extLst>
+              <a:ext uri="{FF2B5EF4-FFF2-40B4-BE49-F238E27FC236}">
+                <a16:creationId xmlns:a16="http://schemas.microsoft.com/office/drawing/2014/main" id="{4B08D668-956B-C22A-B84D-994C9A706975}"/>
+              </a:ext>
+            </a:extLst>
+          </p:cNvPr>
+          <p:cNvSpPr>
+            <a:spLocks noGrp="1"/>
+          </p:cNvSpPr>
+          <p:nvPr>
+            <p:ph type="title"/>
+          </p:nvPr>
+        </p:nvSpPr>
+        <p:spPr/>
+        <p:txBody>
+          <a:bodyPr/>
+          <a:lstStyle/>
+          <a:p>
+            <a:r>
+              <a:rPr lang="en-US" dirty="0"/>
+              <a:t>Predictive posterior for p, probability of a launch success</a:t>
+            </a:r>
+          </a:p>
+        </p:txBody>
+      </p:sp>
+      <p:pic>
+        <p:nvPicPr>
+          <p:cNvPr id="5" name="Content Placeholder 4">
+            <a:extLst>
+              <a:ext uri="{FF2B5EF4-FFF2-40B4-BE49-F238E27FC236}">
+                <a16:creationId xmlns:a16="http://schemas.microsoft.com/office/drawing/2014/main" id="{94A911CD-C9FA-F06A-F301-26CE6E65AE37}"/>
+              </a:ext>
+            </a:extLst>
+          </p:cNvPr>
+          <p:cNvPicPr>
+            <a:picLocks noGrp="1" noChangeAspect="1"/>
+          </p:cNvPicPr>
+          <p:nvPr>
+            <p:ph idx="1"/>
+          </p:nvPr>
+        </p:nvPicPr>
+        <p:blipFill>
+          <a:blip r:embed="rId2"/>
+          <a:stretch>
+            <a:fillRect/>
+          </a:stretch>
+        </p:blipFill>
+        <p:spPr>
+          <a:xfrm>
+            <a:off x="1272587" y="2056434"/>
+            <a:ext cx="6413296" cy="4351338"/>
+          </a:xfrm>
+          <a:prstGeom prst="rect">
+            <a:avLst/>
+          </a:prstGeom>
+        </p:spPr>
+      </p:pic>
+      <p:sp>
+        <p:nvSpPr>
+          <p:cNvPr id="4" name="Slide Number Placeholder 3">
+            <a:extLst>
+              <a:ext uri="{FF2B5EF4-FFF2-40B4-BE49-F238E27FC236}">
+                <a16:creationId xmlns:a16="http://schemas.microsoft.com/office/drawing/2014/main" id="{E1322CEE-BF35-5876-CC62-2DD6D9A183D9}"/>
+              </a:ext>
+            </a:extLst>
+          </p:cNvPr>
+          <p:cNvSpPr>
+            <a:spLocks noGrp="1"/>
+          </p:cNvSpPr>
+          <p:nvPr>
+            <p:ph type="sldNum" sz="quarter" idx="12"/>
+          </p:nvPr>
+        </p:nvSpPr>
+        <p:spPr/>
+        <p:txBody>
+          <a:bodyPr/>
+          <a:lstStyle/>
+          <a:p>
+            <a:fld id="{EFD40CC3-C2EA-4AEA-91B8-E5D94FBABE70}" type="slidenum">
+              <a:rPr lang="en-US" smtClean="0"/>
+              <a:t>23</a:t>
+            </a:fld>
+            <a:endParaRPr lang="en-US"/>
+          </a:p>
+        </p:txBody>
+      </p:sp>
+      <p:sp>
+        <p:nvSpPr>
+          <p:cNvPr id="6" name="TextBox 5">
+            <a:extLst>
+              <a:ext uri="{FF2B5EF4-FFF2-40B4-BE49-F238E27FC236}">
+                <a16:creationId xmlns:a16="http://schemas.microsoft.com/office/drawing/2014/main" id="{BA80B74A-BF64-1FFF-3080-4D9FE231EEB9}"/>
+              </a:ext>
+            </a:extLst>
+          </p:cNvPr>
+          <p:cNvSpPr txBox="1"/>
+          <p:nvPr/>
+        </p:nvSpPr>
+        <p:spPr>
+          <a:xfrm>
+            <a:off x="8270358" y="2154611"/>
+            <a:ext cx="2743200" cy="4154984"/>
+          </a:xfrm>
+          <a:prstGeom prst="rect">
+            <a:avLst/>
+          </a:prstGeom>
+          <a:noFill/>
+        </p:spPr>
+        <p:txBody>
+          <a:bodyPr wrap="square" rtlCol="0">
+            <a:spAutoFit/>
+          </a:bodyPr>
+          <a:lstStyle/>
+          <a:p>
+            <a:r>
+              <a:rPr lang="en-US" sz="2200" dirty="0"/>
+              <a:t>Note that the posterior predictive for p is slightly wider than the posterior distribution for p</a:t>
+            </a:r>
+          </a:p>
+          <a:p>
+            <a:endParaRPr lang="en-US" sz="2200" dirty="0"/>
+          </a:p>
+          <a:p>
+            <a:r>
+              <a:rPr lang="en-US" sz="2200" dirty="0"/>
+              <a:t>This show that the posterior predictive distribution for p has incorporated uncertainty from posterior of p</a:t>
+            </a:r>
+          </a:p>
+        </p:txBody>
+      </p:sp>
+    </p:spTree>
+    <p:extLst>
+      <p:ext uri="{BB962C8B-B14F-4D97-AF65-F5344CB8AC3E}">
+        <p14:creationId xmlns:p14="http://schemas.microsoft.com/office/powerpoint/2010/main" val="1869659269"/>
+      </p:ext>
+    </p:extLst>
+  </p:cSld>
+  <p:clrMapOvr>
+    <a:masterClrMapping/>
+  </p:clrMapOvr>
+</p:sld>
+</file>
+
+<file path=ppt/slides/slide24.xml><?xml version="1.0" encoding="utf-8"?>
+<p:sld xmlns:a="http://schemas.openxmlformats.org/drawingml/2006/main" xmlns:r="http://schemas.openxmlformats.org/officeDocument/2006/relationships" xmlns:p="http://schemas.openxmlformats.org/presentationml/2006/main">
+  <p:cSld>
+    <p:spTree>
+      <p:nvGrpSpPr>
+        <p:cNvPr id="1" name=""/>
+        <p:cNvGrpSpPr/>
+        <p:nvPr/>
+      </p:nvGrpSpPr>
+      <p:grpSpPr>
+        <a:xfrm>
+          <a:off x="0" y="0"/>
+          <a:ext cx="0" cy="0"/>
+          <a:chOff x="0" y="0"/>
+          <a:chExt cx="0" cy="0"/>
+        </a:xfrm>
+      </p:grpSpPr>
+      <mc:AlternateContent xmlns:mc="http://schemas.openxmlformats.org/markup-compatibility/2006">
+        <mc:Choice xmlns:a14="http://schemas.microsoft.com/office/drawing/2010/main" Requires="a14">
+          <p:sp>
+            <p:nvSpPr>
+              <p:cNvPr id="2" name="Title 1">
+                <a:extLst>
+                  <a:ext uri="{FF2B5EF4-FFF2-40B4-BE49-F238E27FC236}">
+                    <a16:creationId xmlns:a16="http://schemas.microsoft.com/office/drawing/2014/main" id="{6F53E9C3-0948-53E0-F4FE-A26A02CABF44}"/>
+                  </a:ext>
+                </a:extLst>
+              </p:cNvPr>
+              <p:cNvSpPr>
+                <a:spLocks noGrp="1"/>
+              </p:cNvSpPr>
+              <p:nvPr>
+                <p:ph type="title"/>
+              </p:nvPr>
+            </p:nvSpPr>
+            <p:spPr/>
+            <p:txBody>
+              <a:bodyPr/>
+              <a:lstStyle/>
+              <a:p>
+                <a:r>
+                  <a:rPr lang="en-US" dirty="0"/>
+                  <a:t>Model </a:t>
+                </a:r>
+                <a:r>
+                  <a:rPr lang="en-US" dirty="0" err="1"/>
+                  <a:t>n_success</a:t>
+                </a:r>
+                <a:r>
+                  <a:rPr lang="en-US" dirty="0"/>
+                  <a:t> using posterior prediction for </a:t>
+                </a:r>
+                <a14:m>
+                  <m:oMath xmlns:m="http://schemas.openxmlformats.org/officeDocument/2006/math">
+                    <m:r>
+                      <a:rPr lang="en-US" i="1" dirty="0" smtClean="0">
+                        <a:latin typeface="Cambria Math" panose="02040503050406030204" pitchFamily="18" charset="0"/>
+                      </a:rPr>
+                      <m:t>𝜃</m:t>
+                    </m:r>
+                  </m:oMath>
+                </a14:m>
+                <a:endParaRPr lang="en-US" dirty="0"/>
+              </a:p>
+            </p:txBody>
+          </p:sp>
+        </mc:Choice>
+        <mc:Fallback>
+          <p:sp>
+            <p:nvSpPr>
+              <p:cNvPr id="2" name="Title 1">
+                <a:extLst>
+                  <a:ext uri="{FF2B5EF4-FFF2-40B4-BE49-F238E27FC236}">
+                    <a16:creationId xmlns:a16="http://schemas.microsoft.com/office/drawing/2014/main" id="{6F53E9C3-0948-53E0-F4FE-A26A02CABF44}"/>
+                  </a:ext>
+                </a:extLst>
+              </p:cNvPr>
+              <p:cNvSpPr>
+                <a:spLocks noGrp="1" noRot="1" noChangeAspect="1" noMove="1" noResize="1" noEditPoints="1" noAdjustHandles="1" noChangeArrowheads="1" noChangeShapeType="1" noTextEdit="1"/>
+              </p:cNvSpPr>
+              <p:nvPr>
+                <p:ph type="title"/>
+              </p:nvPr>
+            </p:nvSpPr>
+            <p:spPr>
+              <a:blipFill>
+                <a:blip r:embed="rId2"/>
+                <a:stretch>
+                  <a:fillRect l="-2377" t="-13364" b="-21198"/>
+                </a:stretch>
+              </a:blipFill>
+            </p:spPr>
+            <p:txBody>
+              <a:bodyPr/>
+              <a:lstStyle/>
+              <a:p>
+                <a:r>
+                  <a:rPr lang="en-US">
+                    <a:noFill/>
+                  </a:rPr>
+                  <a:t> </a:t>
+                </a:r>
+              </a:p>
+            </p:txBody>
+          </p:sp>
+        </mc:Fallback>
+      </mc:AlternateContent>
+      <p:sp>
+        <p:nvSpPr>
+          <p:cNvPr id="3" name="Content Placeholder 2">
+            <a:extLst>
+              <a:ext uri="{FF2B5EF4-FFF2-40B4-BE49-F238E27FC236}">
+                <a16:creationId xmlns:a16="http://schemas.microsoft.com/office/drawing/2014/main" id="{967B6847-08BF-92EA-FFAC-DF0F4B896124}"/>
+              </a:ext>
+            </a:extLst>
+          </p:cNvPr>
+          <p:cNvSpPr>
+            <a:spLocks noGrp="1"/>
+          </p:cNvSpPr>
+          <p:nvPr>
+            <p:ph idx="1"/>
+          </p:nvPr>
+        </p:nvSpPr>
+        <p:spPr/>
+        <p:txBody>
+          <a:bodyPr/>
+          <a:lstStyle/>
+          <a:p>
+            <a:pPr marL="0" indent="0">
+              <a:buNone/>
+            </a:pPr>
+            <a:r>
+              <a:rPr lang="en-US" dirty="0"/>
+              <a:t>   </a:t>
+            </a:r>
+            <a:r>
+              <a:rPr lang="en-US" dirty="0" err="1"/>
+              <a:t>newTrials</a:t>
+            </a:r>
+            <a:r>
+              <a:rPr lang="en-US" dirty="0"/>
+              <a:t> = 13</a:t>
+            </a:r>
+          </a:p>
+          <a:p>
+            <a:pPr marL="0" indent="0">
+              <a:buNone/>
+            </a:pPr>
+            <a:r>
+              <a:rPr lang="en-US" dirty="0"/>
+              <a:t>   </a:t>
+            </a:r>
+            <a:r>
+              <a:rPr lang="en-US" dirty="0" err="1"/>
+              <a:t>postPredModelSuccess_code</a:t>
+            </a:r>
+            <a:r>
+              <a:rPr lang="en-US" dirty="0"/>
+              <a:t> &lt;- “</a:t>
+            </a:r>
+          </a:p>
+          <a:p>
+            <a:pPr marL="0" indent="0">
+              <a:buNone/>
+            </a:pPr>
+            <a:r>
+              <a:rPr lang="en-US" dirty="0"/>
+              <a:t>         model {   # likelihood   </a:t>
+            </a:r>
+          </a:p>
+          <a:p>
+            <a:pPr marL="0" indent="0">
+              <a:buNone/>
+            </a:pPr>
+            <a:r>
+              <a:rPr lang="en-US" dirty="0"/>
+              <a:t>                         successes ~ </a:t>
+            </a:r>
+            <a:r>
+              <a:rPr lang="en-US" dirty="0" err="1"/>
+              <a:t>dbin</a:t>
+            </a:r>
+            <a:r>
+              <a:rPr lang="en-US" dirty="0"/>
+              <a:t>(p, trials)   #</a:t>
+            </a:r>
+          </a:p>
+          <a:p>
+            <a:pPr marL="0" indent="0">
+              <a:buNone/>
+            </a:pPr>
+            <a:r>
+              <a:rPr lang="en-US" dirty="0"/>
+              <a:t>                         # prior   </a:t>
+            </a:r>
+          </a:p>
+          <a:p>
+            <a:pPr marL="0" indent="0">
+              <a:buNone/>
+            </a:pPr>
+            <a:r>
+              <a:rPr lang="en-US" dirty="0"/>
+              <a:t>         p ~ </a:t>
+            </a:r>
+            <a:r>
+              <a:rPr lang="en-US" dirty="0" err="1"/>
+              <a:t>dbeta</a:t>
+            </a:r>
+            <a:r>
+              <a:rPr lang="en-US" dirty="0"/>
+              <a:t>(s1, s2)  }"</a:t>
+            </a:r>
+          </a:p>
+        </p:txBody>
+      </p:sp>
+      <p:sp>
+        <p:nvSpPr>
+          <p:cNvPr id="4" name="Slide Number Placeholder 3">
+            <a:extLst>
+              <a:ext uri="{FF2B5EF4-FFF2-40B4-BE49-F238E27FC236}">
+                <a16:creationId xmlns:a16="http://schemas.microsoft.com/office/drawing/2014/main" id="{2F13CA7A-55D5-FB42-8D2C-AD0E2DFA6B8E}"/>
+              </a:ext>
+            </a:extLst>
+          </p:cNvPr>
+          <p:cNvSpPr>
+            <a:spLocks noGrp="1"/>
+          </p:cNvSpPr>
+          <p:nvPr>
+            <p:ph type="sldNum" sz="quarter" idx="12"/>
+          </p:nvPr>
+        </p:nvSpPr>
+        <p:spPr/>
+        <p:txBody>
+          <a:bodyPr/>
+          <a:lstStyle/>
+          <a:p>
+            <a:fld id="{EFD40CC3-C2EA-4AEA-91B8-E5D94FBABE70}" type="slidenum">
+              <a:rPr lang="en-US" smtClean="0"/>
+              <a:t>24</a:t>
+            </a:fld>
+            <a:endParaRPr lang="en-US"/>
+          </a:p>
+        </p:txBody>
+      </p:sp>
+      <p:sp>
+        <p:nvSpPr>
+          <p:cNvPr id="7" name="TextBox 6">
+            <a:extLst>
+              <a:ext uri="{FF2B5EF4-FFF2-40B4-BE49-F238E27FC236}">
+                <a16:creationId xmlns:a16="http://schemas.microsoft.com/office/drawing/2014/main" id="{D3DE82CE-9568-BE46-3E4B-3B58B852618B}"/>
+              </a:ext>
+            </a:extLst>
+          </p:cNvPr>
+          <p:cNvSpPr txBox="1"/>
+          <p:nvPr/>
+        </p:nvSpPr>
+        <p:spPr>
+          <a:xfrm>
+            <a:off x="7591647" y="2246968"/>
+            <a:ext cx="3934046" cy="1754326"/>
+          </a:xfrm>
+          <a:prstGeom prst="rect">
+            <a:avLst/>
+          </a:prstGeom>
+          <a:noFill/>
+        </p:spPr>
+        <p:txBody>
+          <a:bodyPr wrap="square" rtlCol="0">
+            <a:spAutoFit/>
+          </a:bodyPr>
+          <a:lstStyle/>
+          <a:p>
+            <a:r>
+              <a:rPr lang="en-US" dirty="0"/>
+              <a:t>S1 and s2 are parameters found by fitting the  posterior predictive distribution to a beta</a:t>
+            </a:r>
+          </a:p>
+          <a:p>
+            <a:endParaRPr lang="en-US" dirty="0"/>
+          </a:p>
+          <a:p>
+            <a:r>
+              <a:rPr lang="en-US" dirty="0"/>
+              <a:t>bd = </a:t>
+            </a:r>
+            <a:r>
+              <a:rPr lang="en-US" dirty="0" err="1"/>
+              <a:t>as.numeric</a:t>
+            </a:r>
+            <a:r>
+              <a:rPr lang="en-US" dirty="0"/>
+              <a:t> (</a:t>
+            </a:r>
+            <a:r>
+              <a:rPr lang="en-US" dirty="0" err="1"/>
+              <a:t>post_Pred_samples</a:t>
+            </a:r>
+            <a:r>
+              <a:rPr lang="en-US" dirty="0"/>
+              <a:t>)</a:t>
+            </a:r>
+          </a:p>
+          <a:p>
+            <a:r>
+              <a:rPr lang="en-US" dirty="0" err="1"/>
+              <a:t>fit_beta</a:t>
+            </a:r>
+            <a:r>
+              <a:rPr lang="en-US" dirty="0"/>
+              <a:t> = </a:t>
+            </a:r>
+            <a:r>
+              <a:rPr lang="en-US" dirty="0" err="1"/>
+              <a:t>fitdist</a:t>
+            </a:r>
+            <a:r>
+              <a:rPr lang="en-US" dirty="0"/>
+              <a:t>(bd, 'beta')</a:t>
+            </a:r>
+          </a:p>
+        </p:txBody>
+      </p:sp>
+    </p:spTree>
+    <p:extLst>
+      <p:ext uri="{BB962C8B-B14F-4D97-AF65-F5344CB8AC3E}">
+        <p14:creationId xmlns:p14="http://schemas.microsoft.com/office/powerpoint/2010/main" val="325058462"/>
+      </p:ext>
+    </p:extLst>
+  </p:cSld>
+  <p:clrMapOvr>
+    <a:masterClrMapping/>
+  </p:clrMapOvr>
+</p:sld>
+</file>
+
+<file path=ppt/slides/slide25.xml><?xml version="1.0" encoding="utf-8"?>
+<p:sld xmlns:a="http://schemas.openxmlformats.org/drawingml/2006/main" xmlns:r="http://schemas.openxmlformats.org/officeDocument/2006/relationships" xmlns:p="http://schemas.openxmlformats.org/presentationml/2006/main">
+  <p:cSld>
+    <p:spTree>
+      <p:nvGrpSpPr>
+        <p:cNvPr id="1" name=""/>
+        <p:cNvGrpSpPr/>
+        <p:nvPr/>
+      </p:nvGrpSpPr>
+      <p:grpSpPr>
+        <a:xfrm>
+          <a:off x="0" y="0"/>
+          <a:ext cx="0" cy="0"/>
+          <a:chOff x="0" y="0"/>
+          <a:chExt cx="0" cy="0"/>
+        </a:xfrm>
+      </p:grpSpPr>
+      <p:sp>
+        <p:nvSpPr>
+          <p:cNvPr id="2" name="Title 1">
+            <a:extLst>
+              <a:ext uri="{FF2B5EF4-FFF2-40B4-BE49-F238E27FC236}">
+                <a16:creationId xmlns:a16="http://schemas.microsoft.com/office/drawing/2014/main" id="{DD1AE364-D7D6-B514-C173-A478D58AEC83}"/>
+              </a:ext>
+            </a:extLst>
+          </p:cNvPr>
+          <p:cNvSpPr>
+            <a:spLocks noGrp="1"/>
+          </p:cNvSpPr>
+          <p:nvPr>
+            <p:ph type="title"/>
+          </p:nvPr>
+        </p:nvSpPr>
+        <p:spPr/>
+        <p:txBody>
+          <a:bodyPr/>
+          <a:lstStyle/>
+          <a:p>
+            <a:r>
+              <a:rPr lang="en-US" dirty="0"/>
+              <a:t>Posterior predictive distribution for p</a:t>
+            </a:r>
+          </a:p>
+        </p:txBody>
+      </p:sp>
+      <p:sp>
+        <p:nvSpPr>
+          <p:cNvPr id="3" name="Content Placeholder 2">
+            <a:extLst>
+              <a:ext uri="{FF2B5EF4-FFF2-40B4-BE49-F238E27FC236}">
+                <a16:creationId xmlns:a16="http://schemas.microsoft.com/office/drawing/2014/main" id="{D17C972E-93D9-BBDB-B8D5-0F53AE1A500F}"/>
+              </a:ext>
+            </a:extLst>
+          </p:cNvPr>
+          <p:cNvSpPr>
+            <a:spLocks noGrp="1"/>
+          </p:cNvSpPr>
+          <p:nvPr>
+            <p:ph idx="1"/>
+          </p:nvPr>
+        </p:nvSpPr>
+        <p:spPr/>
+        <p:txBody>
+          <a:bodyPr>
+            <a:normAutofit/>
+          </a:bodyPr>
+          <a:lstStyle/>
+          <a:p>
+            <a:r>
+              <a:rPr lang="en-US" dirty="0"/>
+              <a:t> Posterior predictive distribution accounts for uncertainty about p, taken from the posterior distribution of p. </a:t>
+            </a:r>
+          </a:p>
+          <a:p>
+            <a:r>
+              <a:rPr lang="en-US" dirty="0"/>
+              <a:t>Posterior predictive distribution is based on the posterior distribution of p.</a:t>
+            </a:r>
+          </a:p>
+          <a:p>
+            <a:r>
+              <a:rPr lang="en-US" dirty="0"/>
+              <a:t>But what value of p from the posterior distribution should be used to predict future performance?</a:t>
+            </a:r>
+          </a:p>
+          <a:p>
+            <a:pPr lvl="1"/>
+            <a:r>
+              <a:rPr lang="en-US" dirty="0"/>
+              <a:t>Using the mean or mode value of p from the posterior distribution ignores the uncertainty found in the posterior distribution</a:t>
+            </a:r>
+          </a:p>
+          <a:p>
+            <a:pPr lvl="1"/>
+            <a:r>
+              <a:rPr lang="en-US" dirty="0"/>
+              <a:t>Incorporate this uncertainty by using the posterior distribution as a ‘new’ prior distribution</a:t>
+            </a:r>
+          </a:p>
+        </p:txBody>
+      </p:sp>
+      <p:sp>
+        <p:nvSpPr>
+          <p:cNvPr id="4" name="Slide Number Placeholder 3">
+            <a:extLst>
+              <a:ext uri="{FF2B5EF4-FFF2-40B4-BE49-F238E27FC236}">
+                <a16:creationId xmlns:a16="http://schemas.microsoft.com/office/drawing/2014/main" id="{1A16FE94-8B0B-57FF-2F30-F79A68EDAEBF}"/>
+              </a:ext>
+            </a:extLst>
+          </p:cNvPr>
+          <p:cNvSpPr>
+            <a:spLocks noGrp="1"/>
+          </p:cNvSpPr>
+          <p:nvPr>
+            <p:ph type="sldNum" sz="quarter" idx="12"/>
+          </p:nvPr>
+        </p:nvSpPr>
+        <p:spPr/>
+        <p:txBody>
+          <a:bodyPr/>
+          <a:lstStyle/>
+          <a:p>
+            <a:fld id="{EFD40CC3-C2EA-4AEA-91B8-E5D94FBABE70}" type="slidenum">
+              <a:rPr lang="en-US" smtClean="0"/>
+              <a:t>25</a:t>
+            </a:fld>
+            <a:endParaRPr lang="en-US"/>
+          </a:p>
+        </p:txBody>
+      </p:sp>
+    </p:spTree>
+    <p:extLst>
+      <p:ext uri="{BB962C8B-B14F-4D97-AF65-F5344CB8AC3E}">
+        <p14:creationId xmlns:p14="http://schemas.microsoft.com/office/powerpoint/2010/main" val="2287642508"/>
+      </p:ext>
+    </p:extLst>
+  </p:cSld>
+  <p:clrMapOvr>
+    <a:masterClrMapping/>
+  </p:clrMapOvr>
+</p:sld>
+</file>
+
+<file path=ppt/slides/slide26.xml><?xml version="1.0" encoding="utf-8"?>
+<p:sld xmlns:a="http://schemas.openxmlformats.org/drawingml/2006/main" xmlns:r="http://schemas.openxmlformats.org/officeDocument/2006/relationships" xmlns:p="http://schemas.openxmlformats.org/presentationml/2006/main">
+  <p:cSld>
+    <p:spTree>
+      <p:nvGrpSpPr>
+        <p:cNvPr id="1" name=""/>
+        <p:cNvGrpSpPr/>
+        <p:nvPr/>
+      </p:nvGrpSpPr>
+      <p:grpSpPr>
+        <a:xfrm>
+          <a:off x="0" y="0"/>
+          <a:ext cx="0" cy="0"/>
+          <a:chOff x="0" y="0"/>
+          <a:chExt cx="0" cy="0"/>
+        </a:xfrm>
+      </p:grpSpPr>
+      <p:sp>
+        <p:nvSpPr>
+          <p:cNvPr id="2" name="Title 1">
+            <a:extLst>
+              <a:ext uri="{FF2B5EF4-FFF2-40B4-BE49-F238E27FC236}">
+                <a16:creationId xmlns:a16="http://schemas.microsoft.com/office/drawing/2014/main" id="{36FB04D9-AC07-A9B6-1A37-E87974F8B406}"/>
+              </a:ext>
+            </a:extLst>
+          </p:cNvPr>
+          <p:cNvSpPr>
+            <a:spLocks noGrp="1"/>
+          </p:cNvSpPr>
+          <p:nvPr>
+            <p:ph type="title"/>
+          </p:nvPr>
+        </p:nvSpPr>
+        <p:spPr/>
+        <p:txBody>
+          <a:bodyPr/>
+          <a:lstStyle/>
+          <a:p>
+            <a:r>
+              <a:rPr lang="en-US" dirty="0"/>
+              <a:t>Number of Successes- predictive posterior distribution</a:t>
+            </a:r>
+          </a:p>
+        </p:txBody>
+      </p:sp>
+      <mc:AlternateContent xmlns:mc="http://schemas.openxmlformats.org/markup-compatibility/2006" xmlns:a14="http://schemas.microsoft.com/office/drawing/2010/main">
+        <mc:Choice Requires="a14">
           <p:sp>
             <p:nvSpPr>
               <p:cNvPr id="3" name="Content Placeholder 2">
@@ -5664,7 +8212,7 @@
             </p:txBody>
           </p:sp>
         </mc:Choice>
-        <mc:Fallback>
+        <mc:Fallback xmlns="">
           <p:sp>
             <p:nvSpPr>
               <p:cNvPr id="3" name="Content Placeholder 2">
@@ -5727,7 +8275,7 @@
           <a:p>
             <a:fld id="{EFD40CC3-C2EA-4AEA-91B8-E5D94FBABE70}" type="slidenum">
               <a:rPr lang="en-US" smtClean="0"/>
-              <a:t>16</a:t>
+              <a:t>26</a:t>
             </a:fld>
             <a:endParaRPr lang="en-US"/>
           </a:p>
@@ -5746,7 +8294,7 @@
 </p:sld>
 </file>
 
-<file path=ppt/slides/slide17.xml><?xml version="1.0" encoding="utf-8"?>
+<file path=ppt/slides/slide27.xml><?xml version="1.0" encoding="utf-8"?>
 <p:sld xmlns:a="http://schemas.openxmlformats.org/drawingml/2006/main" xmlns:r="http://schemas.openxmlformats.org/officeDocument/2006/relationships" xmlns:p="http://schemas.openxmlformats.org/presentationml/2006/main">
   <p:cSld>
     <p:spTree>
@@ -5768,7 +8316,7 @@
           <p:cNvPr id="2" name="Title 1">
             <a:extLst>
               <a:ext uri="{FF2B5EF4-FFF2-40B4-BE49-F238E27FC236}">
-                <a16:creationId xmlns:a16="http://schemas.microsoft.com/office/drawing/2014/main" id="{13770886-45AC-7D31-88AA-20CE3F2F8520}"/>
+                <a16:creationId xmlns:a16="http://schemas.microsoft.com/office/drawing/2014/main" id="{629150F3-832B-7A4F-2377-9BA7B016621A}"/>
               </a:ext>
             </a:extLst>
           </p:cNvPr>
@@ -5781,12 +8329,14 @@
         </p:nvSpPr>
         <p:spPr/>
         <p:txBody>
-          <a:bodyPr/>
-          <a:lstStyle/>
-          <a:p>
-            <a:r>
-              <a:rPr lang="en-US" dirty="0"/>
-              <a:t>Posterior distribution of p</a:t>
+          <a:bodyPr>
+            <a:normAutofit/>
+          </a:bodyPr>
+          <a:lstStyle/>
+          <a:p>
+            <a:r>
+              <a:rPr lang="en-US" dirty="0"/>
+              <a:t>Now get the posterior predictive distribution for number of successes, </a:t>
             </a:r>
           </a:p>
         </p:txBody>
@@ -5796,7 +8346,7 @@
           <p:cNvPr id="3" name="Content Placeholder 2">
             <a:extLst>
               <a:ext uri="{FF2B5EF4-FFF2-40B4-BE49-F238E27FC236}">
-                <a16:creationId xmlns:a16="http://schemas.microsoft.com/office/drawing/2014/main" id="{16ED150F-1C12-68C8-30EF-CE62A7651F1E}"/>
+                <a16:creationId xmlns:a16="http://schemas.microsoft.com/office/drawing/2014/main" id="{98EC179A-C496-0744-B040-5D0DC7DBDA2C}"/>
               </a:ext>
             </a:extLst>
           </p:cNvPr>
@@ -5814,11 +8364,8 @@
           <a:p>
             <a:r>
               <a:rPr lang="en-US" dirty="0"/>
-              <a:t>The posterior is unimodal, approximately symmetric, approximate it with a normal of t-distribution</a:t>
-            </a:r>
-          </a:p>
-          <a:p>
-            <a:endParaRPr lang="en-US" dirty="0"/>
+              <a:t>For13 trials, posterior predictive distribution for p</a:t>
+            </a:r>
           </a:p>
         </p:txBody>
       </p:sp>
@@ -5827,7 +8374,7 @@
           <p:cNvPr id="4" name="Slide Number Placeholder 3">
             <a:extLst>
               <a:ext uri="{FF2B5EF4-FFF2-40B4-BE49-F238E27FC236}">
-                <a16:creationId xmlns:a16="http://schemas.microsoft.com/office/drawing/2014/main" id="{892EB06C-F83D-7BEC-0AF0-BD7B142C5F2C}"/>
+                <a16:creationId xmlns:a16="http://schemas.microsoft.com/office/drawing/2014/main" id="{37FEB02A-8718-F168-C250-B002A2B6F8AB}"/>
               </a:ext>
             </a:extLst>
           </p:cNvPr>
@@ -5845,7 +8392,7 @@
           <a:p>
             <a:fld id="{EFD40CC3-C2EA-4AEA-91B8-E5D94FBABE70}" type="slidenum">
               <a:rPr lang="en-US" smtClean="0"/>
-              <a:t>17</a:t>
+              <a:t>27</a:t>
             </a:fld>
             <a:endParaRPr lang="en-US"/>
           </a:p>
@@ -5856,7 +8403,7 @@
           <p:cNvPr id="5" name="Picture 4">
             <a:extLst>
               <a:ext uri="{FF2B5EF4-FFF2-40B4-BE49-F238E27FC236}">
-                <a16:creationId xmlns:a16="http://schemas.microsoft.com/office/drawing/2014/main" id="{DF89050E-D727-0245-7B0A-9F0FFBD9A722}"/>
+                <a16:creationId xmlns:a16="http://schemas.microsoft.com/office/drawing/2014/main" id="{12FEE27B-A206-4188-6594-4FB55EBDAAEA}"/>
               </a:ext>
             </a:extLst>
           </p:cNvPr>
@@ -5873,18 +8420,62 @@
         </p:blipFill>
         <p:spPr>
           <a:xfrm>
-            <a:off x="1298299" y="2643395"/>
-            <a:ext cx="5447058" cy="3695758"/>
+            <a:off x="1079641" y="2439710"/>
+            <a:ext cx="5973829" cy="4053165"/>
           </a:xfrm>
           <a:prstGeom prst="rect">
             <a:avLst/>
           </a:prstGeom>
         </p:spPr>
       </p:pic>
+      <p:sp>
+        <p:nvSpPr>
+          <p:cNvPr id="6" name="TextBox 5">
+            <a:extLst>
+              <a:ext uri="{FF2B5EF4-FFF2-40B4-BE49-F238E27FC236}">
+                <a16:creationId xmlns:a16="http://schemas.microsoft.com/office/drawing/2014/main" id="{7A232314-3D91-7757-0DA5-E562FA08D199}"/>
+              </a:ext>
+            </a:extLst>
+          </p:cNvPr>
+          <p:cNvSpPr txBox="1"/>
+          <p:nvPr/>
+        </p:nvSpPr>
+        <p:spPr>
+          <a:xfrm>
+            <a:off x="7447722" y="2716696"/>
+            <a:ext cx="3511826" cy="3108543"/>
+          </a:xfrm>
+          <a:prstGeom prst="rect">
+            <a:avLst/>
+          </a:prstGeom>
+          <a:noFill/>
+        </p:spPr>
+        <p:txBody>
+          <a:bodyPr wrap="square" rtlCol="0">
+            <a:spAutoFit/>
+          </a:bodyPr>
+          <a:lstStyle/>
+          <a:p>
+            <a:r>
+              <a:rPr lang="en-US" sz="2800" dirty="0"/>
+              <a:t>Notice the most likely number of successes in 13 trials is 2</a:t>
+            </a:r>
+          </a:p>
+          <a:p>
+            <a:endParaRPr lang="en-US" sz="2800" dirty="0"/>
+          </a:p>
+          <a:p>
+            <a:r>
+              <a:rPr lang="en-US" sz="2800" dirty="0"/>
+              <a:t>Most of the probability is in 4 or fewer successes.  </a:t>
+            </a:r>
+          </a:p>
+        </p:txBody>
+      </p:sp>
     </p:spTree>
     <p:extLst>
       <p:ext uri="{BB962C8B-B14F-4D97-AF65-F5344CB8AC3E}">
-        <p14:creationId xmlns:p14="http://schemas.microsoft.com/office/powerpoint/2010/main" val="2143690842"/>
+        <p14:creationId xmlns:p14="http://schemas.microsoft.com/office/powerpoint/2010/main" val="3478408332"/>
       </p:ext>
     </p:extLst>
   </p:cSld>
@@ -5894,7 +8485,7 @@
 </p:sld>
 </file>
 
-<file path=ppt/slides/slide18.xml><?xml version="1.0" encoding="utf-8"?>
+<file path=ppt/slides/slide28.xml><?xml version="1.0" encoding="utf-8"?>
 <p:sld xmlns:a="http://schemas.openxmlformats.org/drawingml/2006/main" xmlns:r="http://schemas.openxmlformats.org/officeDocument/2006/relationships" xmlns:p="http://schemas.openxmlformats.org/presentationml/2006/main">
   <p:cSld>
     <p:spTree>
@@ -5916,7 +8507,7 @@
           <p:cNvPr id="2" name="Title 1">
             <a:extLst>
               <a:ext uri="{FF2B5EF4-FFF2-40B4-BE49-F238E27FC236}">
-                <a16:creationId xmlns:a16="http://schemas.microsoft.com/office/drawing/2014/main" id="{BF963394-B00C-5A91-96CD-48BB174EA8F4}"/>
+                <a16:creationId xmlns:a16="http://schemas.microsoft.com/office/drawing/2014/main" id="{1AD8E233-CE99-8D57-1B10-5EDDDED0F056}"/>
               </a:ext>
             </a:extLst>
           </p:cNvPr>
@@ -5934,49 +8525,75 @@
           <a:p>
             <a:r>
               <a:rPr lang="en-US" dirty="0"/>
-              <a:t>Posterior fit with a normal distribution</a:t>
-            </a:r>
-          </a:p>
-        </p:txBody>
-      </p:sp>
-      <p:pic>
-        <p:nvPicPr>
-          <p:cNvPr id="5" name="Content Placeholder 4">
-            <a:extLst>
-              <a:ext uri="{FF2B5EF4-FFF2-40B4-BE49-F238E27FC236}">
-                <a16:creationId xmlns:a16="http://schemas.microsoft.com/office/drawing/2014/main" id="{1C83D7D2-B4E7-059F-4F03-0DF3289BCABE}"/>
-              </a:ext>
-            </a:extLst>
-          </p:cNvPr>
-          <p:cNvPicPr>
-            <a:picLocks noGrp="1" noChangeAspect="1"/>
-          </p:cNvPicPr>
+              <a:t>Reference</a:t>
+            </a:r>
+          </a:p>
+        </p:txBody>
+      </p:sp>
+      <p:sp>
+        <p:nvSpPr>
+          <p:cNvPr id="3" name="Content Placeholder 2">
+            <a:extLst>
+              <a:ext uri="{FF2B5EF4-FFF2-40B4-BE49-F238E27FC236}">
+                <a16:creationId xmlns:a16="http://schemas.microsoft.com/office/drawing/2014/main" id="{68532EA1-0254-22AD-6836-0E7AE8941EB8}"/>
+              </a:ext>
+            </a:extLst>
+          </p:cNvPr>
+          <p:cNvSpPr>
+            <a:spLocks noGrp="1"/>
+          </p:cNvSpPr>
           <p:nvPr>
             <p:ph idx="1"/>
           </p:nvPr>
-        </p:nvPicPr>
-        <p:blipFill>
-          <a:blip r:embed="rId2"/>
-          <a:stretch>
-            <a:fillRect/>
-          </a:stretch>
-        </p:blipFill>
-        <p:spPr>
-          <a:xfrm>
-            <a:off x="2369581" y="1774512"/>
-            <a:ext cx="6906939" cy="4686268"/>
-          </a:xfrm>
-          <a:prstGeom prst="rect">
-            <a:avLst/>
-          </a:prstGeom>
-        </p:spPr>
-      </p:pic>
+        </p:nvSpPr>
+        <p:spPr/>
+        <p:txBody>
+          <a:bodyPr/>
+          <a:lstStyle/>
+          <a:p>
+            <a:r>
+              <a:rPr lang="en-US" dirty="0"/>
+              <a:t>V. E. Johnson, </a:t>
+            </a:r>
+            <a:r>
+              <a:rPr lang="en-US" i="1" dirty="0"/>
+              <a:t>et al. </a:t>
+            </a:r>
+            <a:r>
+              <a:rPr lang="en-US" dirty="0"/>
+              <a:t> A hierarchal model for estimating the early reliability of complex systems.  </a:t>
+            </a:r>
+            <a:r>
+              <a:rPr lang="en-US" i="1" dirty="0"/>
+              <a:t>IEEE Transactions on Reliability,  </a:t>
+            </a:r>
+            <a:r>
+              <a:rPr lang="en-US" dirty="0"/>
+              <a:t>54-224-231, 2005</a:t>
+            </a:r>
+          </a:p>
+          <a:p>
+            <a:r>
+              <a:rPr lang="en-US" dirty="0"/>
+              <a:t>M. S. Hamada, </a:t>
+            </a:r>
+            <a:r>
+              <a:rPr lang="en-US" i="1" dirty="0"/>
+              <a:t>et al. </a:t>
+            </a:r>
+            <a:r>
+              <a:rPr lang="en-US" dirty="0"/>
+              <a:t>Bayesian Reliability, Springer Verlag, New York 2008</a:t>
+            </a:r>
+          </a:p>
+        </p:txBody>
+      </p:sp>
       <p:sp>
         <p:nvSpPr>
           <p:cNvPr id="4" name="Slide Number Placeholder 3">
             <a:extLst>
               <a:ext uri="{FF2B5EF4-FFF2-40B4-BE49-F238E27FC236}">
-                <a16:creationId xmlns:a16="http://schemas.microsoft.com/office/drawing/2014/main" id="{8956822E-98E6-C482-EC9E-6CA8D0D6D966}"/>
+                <a16:creationId xmlns:a16="http://schemas.microsoft.com/office/drawing/2014/main" id="{385B4733-1B6F-E511-0F08-BFE7F0C84285}"/>
               </a:ext>
             </a:extLst>
           </p:cNvPr>
@@ -5994,1367 +8611,7 @@
           <a:p>
             <a:fld id="{EFD40CC3-C2EA-4AEA-91B8-E5D94FBABE70}" type="slidenum">
               <a:rPr lang="en-US" smtClean="0"/>
-              <a:t>18</a:t>
-            </a:fld>
-            <a:endParaRPr lang="en-US"/>
-          </a:p>
-        </p:txBody>
-      </p:sp>
-    </p:spTree>
-    <p:extLst>
-      <p:ext uri="{BB962C8B-B14F-4D97-AF65-F5344CB8AC3E}">
-        <p14:creationId xmlns:p14="http://schemas.microsoft.com/office/powerpoint/2010/main" val="2529131487"/>
-      </p:ext>
-    </p:extLst>
-  </p:cSld>
-  <p:clrMapOvr>
-    <a:masterClrMapping/>
-  </p:clrMapOvr>
-</p:sld>
-</file>
-
-<file path=ppt/slides/slide19.xml><?xml version="1.0" encoding="utf-8"?>
-<p:sld xmlns:a="http://schemas.openxmlformats.org/drawingml/2006/main" xmlns:r="http://schemas.openxmlformats.org/officeDocument/2006/relationships" xmlns:p="http://schemas.openxmlformats.org/presentationml/2006/main">
-  <p:cSld>
-    <p:spTree>
-      <p:nvGrpSpPr>
-        <p:cNvPr id="1" name=""/>
-        <p:cNvGrpSpPr/>
-        <p:nvPr/>
-      </p:nvGrpSpPr>
-      <p:grpSpPr>
-        <a:xfrm>
-          <a:off x="0" y="0"/>
-          <a:ext cx="0" cy="0"/>
-          <a:chOff x="0" y="0"/>
-          <a:chExt cx="0" cy="0"/>
-        </a:xfrm>
-      </p:grpSpPr>
-      <p:sp>
-        <p:nvSpPr>
-          <p:cNvPr id="2" name="Title 1">
-            <a:extLst>
-              <a:ext uri="{FF2B5EF4-FFF2-40B4-BE49-F238E27FC236}">
-                <a16:creationId xmlns:a16="http://schemas.microsoft.com/office/drawing/2014/main" id="{7CE207D0-C9DE-6297-56C1-02F3A8C7C70F}"/>
-              </a:ext>
-            </a:extLst>
-          </p:cNvPr>
-          <p:cNvSpPr>
-            <a:spLocks noGrp="1"/>
-          </p:cNvSpPr>
-          <p:nvPr>
-            <p:ph type="title"/>
-          </p:nvPr>
-        </p:nvSpPr>
-        <p:spPr/>
-        <p:txBody>
-          <a:bodyPr/>
-          <a:lstStyle/>
-          <a:p>
-            <a:r>
-              <a:rPr lang="en-US" dirty="0"/>
-              <a:t>Get the posterior predictive distribution</a:t>
-            </a:r>
-          </a:p>
-        </p:txBody>
-      </p:sp>
-      <p:sp>
-        <p:nvSpPr>
-          <p:cNvPr id="3" name="Content Placeholder 2">
-            <a:extLst>
-              <a:ext uri="{FF2B5EF4-FFF2-40B4-BE49-F238E27FC236}">
-                <a16:creationId xmlns:a16="http://schemas.microsoft.com/office/drawing/2014/main" id="{5FAE5168-7D8F-9084-72C4-8D1DDB1CEB8B}"/>
-              </a:ext>
-            </a:extLst>
-          </p:cNvPr>
-          <p:cNvSpPr>
-            <a:spLocks noGrp="1"/>
-          </p:cNvSpPr>
-          <p:nvPr>
-            <p:ph idx="1"/>
-          </p:nvPr>
-        </p:nvSpPr>
-        <p:spPr/>
-        <p:txBody>
-          <a:bodyPr/>
-          <a:lstStyle/>
-          <a:p>
-            <a:r>
-              <a:rPr lang="en-US" dirty="0"/>
-              <a:t>As noted on slide 16, we fit with a normal or t-distribution</a:t>
-            </a:r>
-          </a:p>
-          <a:p>
-            <a:r>
-              <a:rPr lang="en-US" dirty="0"/>
-              <a:t>Here’s the new </a:t>
-            </a:r>
-            <a:r>
-              <a:rPr lang="en-US" dirty="0" err="1"/>
-              <a:t>rjags</a:t>
-            </a:r>
-            <a:r>
-              <a:rPr lang="en-US" dirty="0"/>
-              <a:t> model:</a:t>
-            </a:r>
-          </a:p>
-          <a:p>
-            <a:r>
-              <a:rPr lang="en-US" dirty="0" err="1"/>
-              <a:t>postPredModel_code</a:t>
-            </a:r>
-            <a:r>
-              <a:rPr lang="en-US" dirty="0"/>
-              <a:t> &lt;- “</a:t>
-            </a:r>
-          </a:p>
-          <a:p>
-            <a:pPr marL="0" indent="0">
-              <a:buNone/>
-            </a:pPr>
-            <a:r>
-              <a:rPr lang="en-US" dirty="0"/>
-              <a:t>      model {  </a:t>
-            </a:r>
-          </a:p>
-          <a:p>
-            <a:pPr marL="0" indent="0">
-              <a:buNone/>
-            </a:pPr>
-            <a:r>
-              <a:rPr lang="en-US" dirty="0"/>
-              <a:t>      successes ~ </a:t>
-            </a:r>
-            <a:r>
-              <a:rPr lang="en-US" dirty="0" err="1"/>
-              <a:t>dbin</a:t>
-            </a:r>
-            <a:r>
-              <a:rPr lang="en-US" dirty="0"/>
-              <a:t>(p, trials) # Likelihood: Binomial distribution </a:t>
-            </a:r>
-          </a:p>
-          <a:p>
-            <a:pPr marL="0" indent="0">
-              <a:buNone/>
-            </a:pPr>
-            <a:r>
-              <a:rPr lang="en-US" dirty="0"/>
-              <a:t>      # Prior: normal approximation to posterior  </a:t>
-            </a:r>
-          </a:p>
-          <a:p>
-            <a:pPr marL="0" indent="0">
-              <a:buNone/>
-            </a:pPr>
-            <a:r>
-              <a:rPr lang="en-US" dirty="0"/>
-              <a:t>      p ~ </a:t>
-            </a:r>
-            <a:r>
-              <a:rPr lang="en-US" dirty="0" err="1"/>
-              <a:t>dnorm</a:t>
-            </a:r>
-            <a:r>
-              <a:rPr lang="en-US" dirty="0"/>
-              <a:t>(m, 1/s) # the new prior for predicted posterior}</a:t>
-            </a:r>
-          </a:p>
-          <a:p>
-            <a:pPr marL="0" indent="0">
-              <a:buNone/>
-            </a:pPr>
-            <a:r>
-              <a:rPr lang="en-US" dirty="0"/>
-              <a:t>"</a:t>
-            </a:r>
-          </a:p>
-        </p:txBody>
-      </p:sp>
-      <p:sp>
-        <p:nvSpPr>
-          <p:cNvPr id="4" name="Slide Number Placeholder 3">
-            <a:extLst>
-              <a:ext uri="{FF2B5EF4-FFF2-40B4-BE49-F238E27FC236}">
-                <a16:creationId xmlns:a16="http://schemas.microsoft.com/office/drawing/2014/main" id="{AE97DB9A-21EC-E1D0-EA47-0B608FAFE41C}"/>
-              </a:ext>
-            </a:extLst>
-          </p:cNvPr>
-          <p:cNvSpPr>
-            <a:spLocks noGrp="1"/>
-          </p:cNvSpPr>
-          <p:nvPr>
-            <p:ph type="sldNum" sz="quarter" idx="12"/>
-          </p:nvPr>
-        </p:nvSpPr>
-        <p:spPr/>
-        <p:txBody>
-          <a:bodyPr/>
-          <a:lstStyle/>
-          <a:p>
-            <a:fld id="{EFD40CC3-C2EA-4AEA-91B8-E5D94FBABE70}" type="slidenum">
-              <a:rPr lang="en-US" smtClean="0"/>
-              <a:t>19</a:t>
-            </a:fld>
-            <a:endParaRPr lang="en-US"/>
-          </a:p>
-        </p:txBody>
-      </p:sp>
-    </p:spTree>
-    <p:extLst>
-      <p:ext uri="{BB962C8B-B14F-4D97-AF65-F5344CB8AC3E}">
-        <p14:creationId xmlns:p14="http://schemas.microsoft.com/office/powerpoint/2010/main" val="1569349987"/>
-      </p:ext>
-    </p:extLst>
-  </p:cSld>
-  <p:clrMapOvr>
-    <a:masterClrMapping/>
-  </p:clrMapOvr>
-</p:sld>
-</file>
-
-<file path=ppt/slides/slide2.xml><?xml version="1.0" encoding="utf-8"?>
-<p:sld xmlns:a="http://schemas.openxmlformats.org/drawingml/2006/main" xmlns:r="http://schemas.openxmlformats.org/officeDocument/2006/relationships" xmlns:p="http://schemas.openxmlformats.org/presentationml/2006/main">
-  <p:cSld>
-    <p:spTree>
-      <p:nvGrpSpPr>
-        <p:cNvPr id="1" name=""/>
-        <p:cNvGrpSpPr/>
-        <p:nvPr/>
-      </p:nvGrpSpPr>
-      <p:grpSpPr>
-        <a:xfrm>
-          <a:off x="0" y="0"/>
-          <a:ext cx="0" cy="0"/>
-          <a:chOff x="0" y="0"/>
-          <a:chExt cx="0" cy="0"/>
-        </a:xfrm>
-      </p:grpSpPr>
-      <p:sp>
-        <p:nvSpPr>
-          <p:cNvPr id="2" name="Title 1">
-            <a:extLst>
-              <a:ext uri="{FF2B5EF4-FFF2-40B4-BE49-F238E27FC236}">
-                <a16:creationId xmlns:a16="http://schemas.microsoft.com/office/drawing/2014/main" id="{1F8FCB08-7EAD-42EF-A12E-EDD5D467AD34}"/>
-              </a:ext>
-            </a:extLst>
-          </p:cNvPr>
-          <p:cNvSpPr>
-            <a:spLocks noGrp="1"/>
-          </p:cNvSpPr>
-          <p:nvPr>
-            <p:ph type="title"/>
-          </p:nvPr>
-        </p:nvSpPr>
-        <p:spPr/>
-        <p:txBody>
-          <a:bodyPr/>
-          <a:lstStyle/>
-          <a:p>
-            <a:r>
-              <a:rPr lang="en-US" dirty="0"/>
-              <a:t>Set up</a:t>
-            </a:r>
-          </a:p>
-        </p:txBody>
-      </p:sp>
-      <p:sp>
-        <p:nvSpPr>
-          <p:cNvPr id="3" name="Content Placeholder 2">
-            <a:extLst>
-              <a:ext uri="{FF2B5EF4-FFF2-40B4-BE49-F238E27FC236}">
-                <a16:creationId xmlns:a16="http://schemas.microsoft.com/office/drawing/2014/main" id="{0E84C8D2-7D31-5B61-F65A-885C9986A6A1}"/>
-              </a:ext>
-            </a:extLst>
-          </p:cNvPr>
-          <p:cNvSpPr>
-            <a:spLocks noGrp="1"/>
-          </p:cNvSpPr>
-          <p:nvPr>
-            <p:ph idx="1"/>
-          </p:nvPr>
-        </p:nvSpPr>
-        <p:spPr/>
-        <p:txBody>
-          <a:bodyPr/>
-          <a:lstStyle/>
-          <a:p>
-            <a:r>
-              <a:rPr lang="en-US" dirty="0"/>
-              <a:t>Hamada, </a:t>
-            </a:r>
-            <a:r>
-              <a:rPr lang="en-US" i="1" dirty="0"/>
-              <a:t>Bayesian Reliability</a:t>
-            </a:r>
-            <a:r>
-              <a:rPr lang="en-US" dirty="0"/>
-              <a:t>, page 21 following</a:t>
-            </a:r>
-          </a:p>
-          <a:p>
-            <a:r>
-              <a:rPr lang="en-US" dirty="0"/>
-              <a:t>Johnson, </a:t>
-            </a:r>
-            <a:r>
-              <a:rPr lang="en-US" i="1" dirty="0"/>
-              <a:t>et al. </a:t>
-            </a:r>
-            <a:r>
-              <a:rPr lang="en-US" dirty="0"/>
-              <a:t> (2005) present data on estimating the probabilities of failures of launch for vehicles used to put satellites in orbit.</a:t>
-            </a:r>
-          </a:p>
-          <a:p>
-            <a:r>
-              <a:rPr lang="en-US" dirty="0"/>
-              <a:t>Estimates of failure probabilities play a prominent role in risk assessment, </a:t>
-            </a:r>
-            <a:r>
-              <a:rPr lang="en-US" i="1" dirty="0"/>
-              <a:t>viz.,</a:t>
-            </a:r>
-            <a:endParaRPr lang="en-US" dirty="0"/>
-          </a:p>
-          <a:p>
-            <a:pPr lvl="1"/>
-            <a:r>
-              <a:rPr lang="en-US" dirty="0"/>
-              <a:t>Public safety</a:t>
-            </a:r>
-          </a:p>
-          <a:p>
-            <a:pPr lvl="1"/>
-            <a:r>
-              <a:rPr lang="en-US" dirty="0"/>
-              <a:t>Ability of aerospace manufacturer to develop and field new systems.</a:t>
-            </a:r>
-          </a:p>
-          <a:p>
-            <a:r>
-              <a:rPr lang="en-US" dirty="0"/>
-              <a:t>Purpose: estimate failure probability for new rockets fielded by companies with limited experience.  </a:t>
-            </a:r>
-          </a:p>
-          <a:p>
-            <a:endParaRPr lang="en-US" dirty="0"/>
-          </a:p>
-        </p:txBody>
-      </p:sp>
-      <p:sp>
-        <p:nvSpPr>
-          <p:cNvPr id="4" name="Slide Number Placeholder 3">
-            <a:extLst>
-              <a:ext uri="{FF2B5EF4-FFF2-40B4-BE49-F238E27FC236}">
-                <a16:creationId xmlns:a16="http://schemas.microsoft.com/office/drawing/2014/main" id="{FFB7E518-357B-D1CB-7A4A-90015CFEED23}"/>
-              </a:ext>
-            </a:extLst>
-          </p:cNvPr>
-          <p:cNvSpPr>
-            <a:spLocks noGrp="1"/>
-          </p:cNvSpPr>
-          <p:nvPr>
-            <p:ph type="sldNum" sz="quarter" idx="12"/>
-          </p:nvPr>
-        </p:nvSpPr>
-        <p:spPr/>
-        <p:txBody>
-          <a:bodyPr/>
-          <a:lstStyle/>
-          <a:p>
-            <a:fld id="{EFD40CC3-C2EA-4AEA-91B8-E5D94FBABE70}" type="slidenum">
-              <a:rPr lang="en-US" smtClean="0"/>
-              <a:t>2</a:t>
-            </a:fld>
-            <a:endParaRPr lang="en-US"/>
-          </a:p>
-        </p:txBody>
-      </p:sp>
-    </p:spTree>
-    <p:extLst>
-      <p:ext uri="{BB962C8B-B14F-4D97-AF65-F5344CB8AC3E}">
-        <p14:creationId xmlns:p14="http://schemas.microsoft.com/office/powerpoint/2010/main" val="2321401761"/>
-      </p:ext>
-    </p:extLst>
-  </p:cSld>
-  <p:clrMapOvr>
-    <a:masterClrMapping/>
-  </p:clrMapOvr>
-</p:sld>
-</file>
-
-<file path=ppt/slides/slide20.xml><?xml version="1.0" encoding="utf-8"?>
-<p:sld xmlns:a="http://schemas.openxmlformats.org/drawingml/2006/main" xmlns:r="http://schemas.openxmlformats.org/officeDocument/2006/relationships" xmlns:p="http://schemas.openxmlformats.org/presentationml/2006/main">
-  <p:cSld>
-    <p:spTree>
-      <p:nvGrpSpPr>
-        <p:cNvPr id="1" name=""/>
-        <p:cNvGrpSpPr/>
-        <p:nvPr/>
-      </p:nvGrpSpPr>
-      <p:grpSpPr>
-        <a:xfrm>
-          <a:off x="0" y="0"/>
-          <a:ext cx="0" cy="0"/>
-          <a:chOff x="0" y="0"/>
-          <a:chExt cx="0" cy="0"/>
-        </a:xfrm>
-      </p:grpSpPr>
-      <p:sp>
-        <p:nvSpPr>
-          <p:cNvPr id="2" name="Title 1">
-            <a:extLst>
-              <a:ext uri="{FF2B5EF4-FFF2-40B4-BE49-F238E27FC236}">
-                <a16:creationId xmlns:a16="http://schemas.microsoft.com/office/drawing/2014/main" id="{02D25BC7-31BC-7FED-8BF2-FB3011C05D3F}"/>
-              </a:ext>
-            </a:extLst>
-          </p:cNvPr>
-          <p:cNvSpPr>
-            <a:spLocks noGrp="1"/>
-          </p:cNvSpPr>
-          <p:nvPr>
-            <p:ph type="title"/>
-          </p:nvPr>
-        </p:nvSpPr>
-        <p:spPr/>
-        <p:txBody>
-          <a:bodyPr/>
-          <a:lstStyle/>
-          <a:p>
-            <a:r>
-              <a:rPr lang="en-US" dirty="0"/>
-              <a:t>Set up </a:t>
-            </a:r>
-            <a:r>
-              <a:rPr lang="en-US" dirty="0" err="1"/>
-              <a:t>rjags</a:t>
-            </a:r>
-            <a:r>
-              <a:rPr lang="en-US" dirty="0"/>
-              <a:t> for the posterior predictive</a:t>
-            </a:r>
-          </a:p>
-        </p:txBody>
-      </p:sp>
-      <p:sp>
-        <p:nvSpPr>
-          <p:cNvPr id="3" name="Content Placeholder 2">
-            <a:extLst>
-              <a:ext uri="{FF2B5EF4-FFF2-40B4-BE49-F238E27FC236}">
-                <a16:creationId xmlns:a16="http://schemas.microsoft.com/office/drawing/2014/main" id="{7EA52ABE-6B81-A8A1-8F5F-1C7D696DDC02}"/>
-              </a:ext>
-            </a:extLst>
-          </p:cNvPr>
-          <p:cNvSpPr>
-            <a:spLocks noGrp="1"/>
-          </p:cNvSpPr>
-          <p:nvPr>
-            <p:ph idx="1"/>
-          </p:nvPr>
-        </p:nvSpPr>
-        <p:spPr/>
-        <p:txBody>
-          <a:bodyPr/>
-          <a:lstStyle/>
-          <a:p>
-            <a:r>
-              <a:rPr lang="en-US" dirty="0"/>
-              <a:t># data list</a:t>
-            </a:r>
-          </a:p>
-          <a:p>
-            <a:pPr marL="0" indent="0">
-              <a:buNone/>
-            </a:pPr>
-            <a:r>
-              <a:rPr lang="en-US" dirty="0" err="1"/>
-              <a:t>postData_list</a:t>
-            </a:r>
-            <a:r>
-              <a:rPr lang="en-US" dirty="0"/>
-              <a:t> = list(successes = </a:t>
-            </a:r>
-            <a:r>
-              <a:rPr lang="en-US" dirty="0" err="1"/>
-              <a:t>observed_successes</a:t>
-            </a:r>
-            <a:r>
-              <a:rPr lang="en-US" dirty="0"/>
-              <a:t>, trials = </a:t>
-            </a:r>
-            <a:r>
-              <a:rPr lang="en-US" dirty="0" err="1"/>
-              <a:t>total_trials</a:t>
-            </a:r>
-            <a:r>
-              <a:rPr lang="en-US" dirty="0"/>
-              <a:t>,                   m = </a:t>
-            </a:r>
-            <a:r>
-              <a:rPr lang="en-US" dirty="0" err="1"/>
-              <a:t>meanPost</a:t>
-            </a:r>
-            <a:r>
-              <a:rPr lang="en-US" dirty="0"/>
-              <a:t>, s = </a:t>
-            </a:r>
-            <a:r>
-              <a:rPr lang="en-US" dirty="0" err="1"/>
-              <a:t>stdPost</a:t>
-            </a:r>
-            <a:r>
-              <a:rPr lang="en-US" dirty="0"/>
-              <a:t>)</a:t>
-            </a:r>
-          </a:p>
-          <a:p>
-            <a:pPr marL="0" indent="0">
-              <a:buNone/>
-            </a:pPr>
-            <a:r>
-              <a:rPr lang="en-US" dirty="0"/>
-              <a:t># initialize  the </a:t>
-            </a:r>
-            <a:r>
-              <a:rPr lang="en-US" dirty="0" err="1"/>
-              <a:t>modeljags_model_Post</a:t>
-            </a:r>
-            <a:r>
-              <a:rPr lang="en-US" dirty="0"/>
-              <a:t> &lt;- </a:t>
-            </a:r>
-            <a:r>
-              <a:rPr lang="en-US" dirty="0" err="1"/>
-              <a:t>jags.model</a:t>
-            </a:r>
-            <a:r>
-              <a:rPr lang="en-US" dirty="0"/>
-              <a:t>(</a:t>
-            </a:r>
-            <a:r>
-              <a:rPr lang="en-US" dirty="0" err="1"/>
-              <a:t>textConnection</a:t>
-            </a:r>
-            <a:r>
-              <a:rPr lang="en-US" dirty="0"/>
-              <a:t>(</a:t>
-            </a:r>
-            <a:r>
-              <a:rPr lang="en-US" dirty="0" err="1"/>
-              <a:t>postPredModel_code</a:t>
-            </a:r>
-            <a:r>
-              <a:rPr lang="en-US" dirty="0"/>
-              <a:t>), data = </a:t>
-            </a:r>
-            <a:r>
-              <a:rPr lang="en-US" dirty="0" err="1"/>
-              <a:t>postData_list</a:t>
-            </a:r>
-            <a:r>
-              <a:rPr lang="en-US" dirty="0"/>
-              <a:t>, </a:t>
-            </a:r>
-            <a:r>
-              <a:rPr lang="en-US" dirty="0" err="1"/>
-              <a:t>n.chains</a:t>
-            </a:r>
-            <a:r>
-              <a:rPr lang="en-US" dirty="0"/>
-              <a:t> = 3)</a:t>
-            </a:r>
-          </a:p>
-          <a:p>
-            <a:pPr marL="0" indent="0">
-              <a:buNone/>
-            </a:pPr>
-            <a:r>
-              <a:rPr lang="en-US" dirty="0"/>
-              <a:t># Run the MCMC simulation</a:t>
-            </a:r>
-          </a:p>
-          <a:p>
-            <a:pPr marL="0" indent="0">
-              <a:buNone/>
-            </a:pPr>
-            <a:r>
-              <a:rPr lang="en-US" dirty="0" err="1"/>
-              <a:t>jags_samples_Post</a:t>
-            </a:r>
-            <a:r>
-              <a:rPr lang="en-US" dirty="0"/>
-              <a:t> &lt;- </a:t>
-            </a:r>
-            <a:r>
-              <a:rPr lang="en-US" dirty="0" err="1"/>
-              <a:t>coda.samples</a:t>
-            </a:r>
-            <a:r>
-              <a:rPr lang="en-US" dirty="0"/>
-              <a:t>(</a:t>
-            </a:r>
-            <a:r>
-              <a:rPr lang="en-US" dirty="0" err="1"/>
-              <a:t>jags_model_Post</a:t>
-            </a:r>
-            <a:r>
-              <a:rPr lang="en-US" dirty="0"/>
-              <a:t>, </a:t>
-            </a:r>
-            <a:r>
-              <a:rPr lang="en-US" dirty="0" err="1"/>
-              <a:t>variable.names</a:t>
-            </a:r>
-            <a:r>
-              <a:rPr lang="en-US" dirty="0"/>
-              <a:t> = "p",  </a:t>
-            </a:r>
-            <a:r>
-              <a:rPr lang="en-US" dirty="0" err="1"/>
-              <a:t>n.iter</a:t>
-            </a:r>
-            <a:r>
-              <a:rPr lang="en-US" dirty="0"/>
-              <a:t> = </a:t>
-            </a:r>
-            <a:r>
-              <a:rPr lang="en-US" dirty="0" err="1"/>
-              <a:t>n_iterations</a:t>
-            </a:r>
-            <a:r>
-              <a:rPr lang="en-US" dirty="0"/>
-              <a:t>, </a:t>
-            </a:r>
-            <a:r>
-              <a:rPr lang="en-US" dirty="0" err="1"/>
-              <a:t>n.burnin</a:t>
-            </a:r>
-            <a:r>
-              <a:rPr lang="en-US" dirty="0"/>
-              <a:t> = </a:t>
-            </a:r>
-            <a:r>
-              <a:rPr lang="en-US" dirty="0" err="1"/>
-              <a:t>n_burnin</a:t>
-            </a:r>
-            <a:r>
-              <a:rPr lang="en-US" dirty="0"/>
-              <a:t>, thin = </a:t>
-            </a:r>
-            <a:r>
-              <a:rPr lang="en-US" dirty="0" err="1"/>
-              <a:t>n_thin</a:t>
-            </a:r>
-            <a:r>
-              <a:rPr lang="en-US" dirty="0"/>
-              <a:t>)</a:t>
-            </a:r>
-          </a:p>
-        </p:txBody>
-      </p:sp>
-      <p:sp>
-        <p:nvSpPr>
-          <p:cNvPr id="4" name="Slide Number Placeholder 3">
-            <a:extLst>
-              <a:ext uri="{FF2B5EF4-FFF2-40B4-BE49-F238E27FC236}">
-                <a16:creationId xmlns:a16="http://schemas.microsoft.com/office/drawing/2014/main" id="{099A3BAE-FFFC-BB9A-42CE-C07E4D318323}"/>
-              </a:ext>
-            </a:extLst>
-          </p:cNvPr>
-          <p:cNvSpPr>
-            <a:spLocks noGrp="1"/>
-          </p:cNvSpPr>
-          <p:nvPr>
-            <p:ph type="sldNum" sz="quarter" idx="12"/>
-          </p:nvPr>
-        </p:nvSpPr>
-        <p:spPr/>
-        <p:txBody>
-          <a:bodyPr/>
-          <a:lstStyle/>
-          <a:p>
-            <a:fld id="{EFD40CC3-C2EA-4AEA-91B8-E5D94FBABE70}" type="slidenum">
-              <a:rPr lang="en-US" smtClean="0"/>
-              <a:t>20</a:t>
-            </a:fld>
-            <a:endParaRPr lang="en-US"/>
-          </a:p>
-        </p:txBody>
-      </p:sp>
-    </p:spTree>
-    <p:extLst>
-      <p:ext uri="{BB962C8B-B14F-4D97-AF65-F5344CB8AC3E}">
-        <p14:creationId xmlns:p14="http://schemas.microsoft.com/office/powerpoint/2010/main" val="581008072"/>
-      </p:ext>
-    </p:extLst>
-  </p:cSld>
-  <p:clrMapOvr>
-    <a:masterClrMapping/>
-  </p:clrMapOvr>
-</p:sld>
-</file>
-
-<file path=ppt/slides/slide21.xml><?xml version="1.0" encoding="utf-8"?>
-<p:sld xmlns:a="http://schemas.openxmlformats.org/drawingml/2006/main" xmlns:r="http://schemas.openxmlformats.org/officeDocument/2006/relationships" xmlns:p="http://schemas.openxmlformats.org/presentationml/2006/main">
-  <p:cSld>
-    <p:spTree>
-      <p:nvGrpSpPr>
-        <p:cNvPr id="1" name=""/>
-        <p:cNvGrpSpPr/>
-        <p:nvPr/>
-      </p:nvGrpSpPr>
-      <p:grpSpPr>
-        <a:xfrm>
-          <a:off x="0" y="0"/>
-          <a:ext cx="0" cy="0"/>
-          <a:chOff x="0" y="0"/>
-          <a:chExt cx="0" cy="0"/>
-        </a:xfrm>
-      </p:grpSpPr>
-      <p:sp>
-        <p:nvSpPr>
-          <p:cNvPr id="2" name="Title 1">
-            <a:extLst>
-              <a:ext uri="{FF2B5EF4-FFF2-40B4-BE49-F238E27FC236}">
-                <a16:creationId xmlns:a16="http://schemas.microsoft.com/office/drawing/2014/main" id="{F6AC0302-BFC3-DFF8-6F59-B249132F6EAA}"/>
-              </a:ext>
-            </a:extLst>
-          </p:cNvPr>
-          <p:cNvSpPr>
-            <a:spLocks noGrp="1"/>
-          </p:cNvSpPr>
-          <p:nvPr>
-            <p:ph type="title"/>
-          </p:nvPr>
-        </p:nvSpPr>
-        <p:spPr/>
-        <p:txBody>
-          <a:bodyPr/>
-          <a:lstStyle/>
-          <a:p>
-            <a:r>
-              <a:rPr lang="en-US" dirty="0"/>
-              <a:t>Sample from the posterior predictive distribution</a:t>
-            </a:r>
-          </a:p>
-        </p:txBody>
-      </p:sp>
-      <p:sp>
-        <p:nvSpPr>
-          <p:cNvPr id="3" name="Content Placeholder 2">
-            <a:extLst>
-              <a:ext uri="{FF2B5EF4-FFF2-40B4-BE49-F238E27FC236}">
-                <a16:creationId xmlns:a16="http://schemas.microsoft.com/office/drawing/2014/main" id="{0C739F08-B9F5-A8A6-EFE0-B684DD0FFEE9}"/>
-              </a:ext>
-            </a:extLst>
-          </p:cNvPr>
-          <p:cNvSpPr>
-            <a:spLocks noGrp="1"/>
-          </p:cNvSpPr>
-          <p:nvPr>
-            <p:ph idx="1"/>
-          </p:nvPr>
-        </p:nvSpPr>
-        <p:spPr/>
-        <p:txBody>
-          <a:bodyPr/>
-          <a:lstStyle/>
-          <a:p>
-            <a:r>
-              <a:rPr lang="en-US" dirty="0"/>
-              <a:t>summary(</a:t>
-            </a:r>
-            <a:r>
-              <a:rPr lang="en-US" dirty="0" err="1"/>
-              <a:t>jags_samples_Post</a:t>
-            </a:r>
-            <a:r>
-              <a:rPr lang="en-US" dirty="0"/>
-              <a:t>)</a:t>
-            </a:r>
-          </a:p>
-          <a:p>
-            <a:pPr marL="0" indent="0">
-              <a:buNone/>
-            </a:pPr>
-            <a:r>
-              <a:rPr lang="en-US" dirty="0"/>
-              <a:t>   plot(</a:t>
-            </a:r>
-            <a:r>
-              <a:rPr lang="en-US" dirty="0" err="1"/>
-              <a:t>jags_samples_Post</a:t>
-            </a:r>
-            <a:r>
-              <a:rPr lang="en-US" dirty="0"/>
-              <a:t>)</a:t>
-            </a:r>
-          </a:p>
-          <a:p>
-            <a:pPr marL="0" indent="0">
-              <a:buNone/>
-            </a:pPr>
-            <a:r>
-              <a:rPr lang="en-US" dirty="0"/>
-              <a:t>   # Extract the posterior </a:t>
-            </a:r>
-          </a:p>
-          <a:p>
-            <a:pPr marL="0" indent="0">
-              <a:buNone/>
-            </a:pPr>
-            <a:r>
-              <a:rPr lang="en-US" dirty="0"/>
-              <a:t>   </a:t>
-            </a:r>
-            <a:r>
-              <a:rPr lang="en-US" dirty="0" err="1"/>
-              <a:t>samplespost_Pred_samples</a:t>
-            </a:r>
-            <a:r>
-              <a:rPr lang="en-US" dirty="0"/>
-              <a:t> &lt;- </a:t>
-            </a:r>
-            <a:r>
-              <a:rPr lang="en-US" dirty="0" err="1"/>
-              <a:t>as.mcmc</a:t>
-            </a:r>
-            <a:r>
-              <a:rPr lang="en-US" dirty="0"/>
-              <a:t>(</a:t>
-            </a:r>
-            <a:r>
-              <a:rPr lang="en-US" dirty="0" err="1"/>
-              <a:t>jags_samples_Post</a:t>
-            </a:r>
-            <a:r>
-              <a:rPr lang="en-US" dirty="0"/>
-              <a:t>[[1]])</a:t>
-            </a:r>
-          </a:p>
-        </p:txBody>
-      </p:sp>
-      <p:sp>
-        <p:nvSpPr>
-          <p:cNvPr id="4" name="Slide Number Placeholder 3">
-            <a:extLst>
-              <a:ext uri="{FF2B5EF4-FFF2-40B4-BE49-F238E27FC236}">
-                <a16:creationId xmlns:a16="http://schemas.microsoft.com/office/drawing/2014/main" id="{5EC43447-9039-118A-8412-0BEFFF696518}"/>
-              </a:ext>
-            </a:extLst>
-          </p:cNvPr>
-          <p:cNvSpPr>
-            <a:spLocks noGrp="1"/>
-          </p:cNvSpPr>
-          <p:nvPr>
-            <p:ph type="sldNum" sz="quarter" idx="12"/>
-          </p:nvPr>
-        </p:nvSpPr>
-        <p:spPr/>
-        <p:txBody>
-          <a:bodyPr/>
-          <a:lstStyle/>
-          <a:p>
-            <a:fld id="{EFD40CC3-C2EA-4AEA-91B8-E5D94FBABE70}" type="slidenum">
-              <a:rPr lang="en-US" smtClean="0"/>
-              <a:t>21</a:t>
-            </a:fld>
-            <a:endParaRPr lang="en-US"/>
-          </a:p>
-        </p:txBody>
-      </p:sp>
-    </p:spTree>
-    <p:extLst>
-      <p:ext uri="{BB962C8B-B14F-4D97-AF65-F5344CB8AC3E}">
-        <p14:creationId xmlns:p14="http://schemas.microsoft.com/office/powerpoint/2010/main" val="1455112295"/>
-      </p:ext>
-    </p:extLst>
-  </p:cSld>
-  <p:clrMapOvr>
-    <a:masterClrMapping/>
-  </p:clrMapOvr>
-</p:sld>
-</file>
-
-<file path=ppt/slides/slide22.xml><?xml version="1.0" encoding="utf-8"?>
-<p:sld xmlns:a="http://schemas.openxmlformats.org/drawingml/2006/main" xmlns:r="http://schemas.openxmlformats.org/officeDocument/2006/relationships" xmlns:p="http://schemas.openxmlformats.org/presentationml/2006/main">
-  <p:cSld>
-    <p:spTree>
-      <p:nvGrpSpPr>
-        <p:cNvPr id="1" name=""/>
-        <p:cNvGrpSpPr/>
-        <p:nvPr/>
-      </p:nvGrpSpPr>
-      <p:grpSpPr>
-        <a:xfrm>
-          <a:off x="0" y="0"/>
-          <a:ext cx="0" cy="0"/>
-          <a:chOff x="0" y="0"/>
-          <a:chExt cx="0" cy="0"/>
-        </a:xfrm>
-      </p:grpSpPr>
-      <p:sp>
-        <p:nvSpPr>
-          <p:cNvPr id="2" name="Title 1">
-            <a:extLst>
-              <a:ext uri="{FF2B5EF4-FFF2-40B4-BE49-F238E27FC236}">
-                <a16:creationId xmlns:a16="http://schemas.microsoft.com/office/drawing/2014/main" id="{C1B0EBF4-E81A-9C1A-68F7-5BE65D86AF2C}"/>
-              </a:ext>
-            </a:extLst>
-          </p:cNvPr>
-          <p:cNvSpPr>
-            <a:spLocks noGrp="1"/>
-          </p:cNvSpPr>
-          <p:nvPr>
-            <p:ph type="title"/>
-          </p:nvPr>
-        </p:nvSpPr>
-        <p:spPr/>
-        <p:txBody>
-          <a:bodyPr/>
-          <a:lstStyle/>
-          <a:p>
-            <a:r>
-              <a:rPr lang="en-US" dirty="0"/>
-              <a:t>And plot the </a:t>
-            </a:r>
-            <a:r>
-              <a:rPr lang="en-US" dirty="0" err="1"/>
-              <a:t>postrior</a:t>
-            </a:r>
-            <a:r>
-              <a:rPr lang="en-US" dirty="0"/>
-              <a:t> predictive distribution</a:t>
-            </a:r>
-          </a:p>
-        </p:txBody>
-      </p:sp>
-      <p:sp>
-        <p:nvSpPr>
-          <p:cNvPr id="3" name="Content Placeholder 2">
-            <a:extLst>
-              <a:ext uri="{FF2B5EF4-FFF2-40B4-BE49-F238E27FC236}">
-                <a16:creationId xmlns:a16="http://schemas.microsoft.com/office/drawing/2014/main" id="{FB4D7D28-BE2E-B157-AA84-84D36CD12F73}"/>
-              </a:ext>
-            </a:extLst>
-          </p:cNvPr>
-          <p:cNvSpPr>
-            <a:spLocks noGrp="1"/>
-          </p:cNvSpPr>
-          <p:nvPr>
-            <p:ph idx="1"/>
-          </p:nvPr>
-        </p:nvSpPr>
-        <p:spPr/>
-        <p:txBody>
-          <a:bodyPr/>
-          <a:lstStyle/>
-          <a:p>
-            <a:r>
-              <a:rPr lang="en-US" dirty="0" err="1"/>
-              <a:t>kd_PostP</a:t>
-            </a:r>
-            <a:r>
-              <a:rPr lang="en-US" dirty="0"/>
-              <a:t> = density(</a:t>
-            </a:r>
-            <a:r>
-              <a:rPr lang="en-US" dirty="0" err="1"/>
-              <a:t>post_Pred_samples</a:t>
-            </a:r>
-            <a:r>
-              <a:rPr lang="en-US" dirty="0"/>
-              <a:t>)</a:t>
-            </a:r>
-          </a:p>
-          <a:p>
-            <a:pPr marL="0" indent="0">
-              <a:buNone/>
-            </a:pPr>
-            <a:r>
-              <a:rPr lang="en-US" dirty="0"/>
-              <a:t>   plot(</a:t>
-            </a:r>
-            <a:r>
-              <a:rPr lang="en-US" dirty="0" err="1"/>
-              <a:t>kd</a:t>
-            </a:r>
-            <a:r>
-              <a:rPr lang="en-US" dirty="0"/>
-              <a:t>, </a:t>
-            </a:r>
-            <a:r>
-              <a:rPr lang="en-US" dirty="0" err="1"/>
-              <a:t>lwd</a:t>
-            </a:r>
-            <a:r>
-              <a:rPr lang="en-US" dirty="0"/>
-              <a:t>=3, col='red', </a:t>
-            </a:r>
-            <a:r>
-              <a:rPr lang="en-US" dirty="0" err="1"/>
-              <a:t>lty</a:t>
-            </a:r>
-            <a:r>
-              <a:rPr lang="en-US" dirty="0"/>
-              <a:t>=2)</a:t>
-            </a:r>
-          </a:p>
-          <a:p>
-            <a:pPr marL="0" indent="0">
-              <a:buNone/>
-            </a:pPr>
-            <a:r>
-              <a:rPr lang="en-US" dirty="0"/>
-              <a:t>   lines(</a:t>
-            </a:r>
-            <a:r>
-              <a:rPr lang="en-US" dirty="0" err="1"/>
-              <a:t>kd_PostP</a:t>
-            </a:r>
-            <a:r>
-              <a:rPr lang="en-US" dirty="0"/>
-              <a:t>, </a:t>
-            </a:r>
-            <a:r>
-              <a:rPr lang="en-US" dirty="0" err="1"/>
-              <a:t>lwd</a:t>
-            </a:r>
-            <a:r>
-              <a:rPr lang="en-US" dirty="0"/>
-              <a:t>=3, </a:t>
-            </a:r>
-            <a:r>
-              <a:rPr lang="en-US" dirty="0" err="1"/>
-              <a:t>xlab</a:t>
-            </a:r>
-            <a:r>
-              <a:rPr lang="en-US" dirty="0"/>
-              <a:t>='probability of success’, col='black’)</a:t>
-            </a:r>
-          </a:p>
-          <a:p>
-            <a:pPr marL="0" indent="0">
-              <a:buNone/>
-            </a:pPr>
-            <a:r>
-              <a:rPr lang="en-US" dirty="0"/>
-              <a:t>   legend('</a:t>
-            </a:r>
-            <a:r>
-              <a:rPr lang="en-US" dirty="0" err="1"/>
-              <a:t>topright</a:t>
-            </a:r>
-            <a:r>
-              <a:rPr lang="en-US" dirty="0"/>
-              <a:t>',c('predictive </a:t>
-            </a:r>
-            <a:r>
-              <a:rPr lang="en-US" dirty="0" err="1"/>
-              <a:t>posterior','posterior</a:t>
-            </a:r>
-            <a:r>
-              <a:rPr lang="en-US" dirty="0"/>
-              <a:t>'), col=c('black', 'red'), </a:t>
-            </a:r>
-            <a:r>
-              <a:rPr lang="en-US" dirty="0" err="1"/>
-              <a:t>lty</a:t>
-            </a:r>
-            <a:r>
-              <a:rPr lang="en-US" dirty="0"/>
-              <a:t>=c(1,2), </a:t>
-            </a:r>
-            <a:r>
-              <a:rPr lang="en-US" dirty="0" err="1"/>
-              <a:t>lwd</a:t>
-            </a:r>
-            <a:r>
-              <a:rPr lang="en-US" dirty="0"/>
-              <a:t> = c(3,3))grid()</a:t>
-            </a:r>
-          </a:p>
-        </p:txBody>
-      </p:sp>
-      <p:sp>
-        <p:nvSpPr>
-          <p:cNvPr id="4" name="Slide Number Placeholder 3">
-            <a:extLst>
-              <a:ext uri="{FF2B5EF4-FFF2-40B4-BE49-F238E27FC236}">
-                <a16:creationId xmlns:a16="http://schemas.microsoft.com/office/drawing/2014/main" id="{B50BC1F5-5DBF-D1BB-DDA0-49CAD4605D9B}"/>
-              </a:ext>
-            </a:extLst>
-          </p:cNvPr>
-          <p:cNvSpPr>
-            <a:spLocks noGrp="1"/>
-          </p:cNvSpPr>
-          <p:nvPr>
-            <p:ph type="sldNum" sz="quarter" idx="12"/>
-          </p:nvPr>
-        </p:nvSpPr>
-        <p:spPr/>
-        <p:txBody>
-          <a:bodyPr/>
-          <a:lstStyle/>
-          <a:p>
-            <a:fld id="{EFD40CC3-C2EA-4AEA-91B8-E5D94FBABE70}" type="slidenum">
-              <a:rPr lang="en-US" smtClean="0"/>
-              <a:t>22</a:t>
-            </a:fld>
-            <a:endParaRPr lang="en-US"/>
-          </a:p>
-        </p:txBody>
-      </p:sp>
-    </p:spTree>
-    <p:extLst>
-      <p:ext uri="{BB962C8B-B14F-4D97-AF65-F5344CB8AC3E}">
-        <p14:creationId xmlns:p14="http://schemas.microsoft.com/office/powerpoint/2010/main" val="3609189855"/>
-      </p:ext>
-    </p:extLst>
-  </p:cSld>
-  <p:clrMapOvr>
-    <a:masterClrMapping/>
-  </p:clrMapOvr>
-</p:sld>
-</file>
-
-<file path=ppt/slides/slide23.xml><?xml version="1.0" encoding="utf-8"?>
-<p:sld xmlns:a="http://schemas.openxmlformats.org/drawingml/2006/main" xmlns:r="http://schemas.openxmlformats.org/officeDocument/2006/relationships" xmlns:p="http://schemas.openxmlformats.org/presentationml/2006/main">
-  <p:cSld>
-    <p:spTree>
-      <p:nvGrpSpPr>
-        <p:cNvPr id="1" name=""/>
-        <p:cNvGrpSpPr/>
-        <p:nvPr/>
-      </p:nvGrpSpPr>
-      <p:grpSpPr>
-        <a:xfrm>
-          <a:off x="0" y="0"/>
-          <a:ext cx="0" cy="0"/>
-          <a:chOff x="0" y="0"/>
-          <a:chExt cx="0" cy="0"/>
-        </a:xfrm>
-      </p:grpSpPr>
-      <p:sp>
-        <p:nvSpPr>
-          <p:cNvPr id="2" name="Title 1">
-            <a:extLst>
-              <a:ext uri="{FF2B5EF4-FFF2-40B4-BE49-F238E27FC236}">
-                <a16:creationId xmlns:a16="http://schemas.microsoft.com/office/drawing/2014/main" id="{D62CDBBF-42F6-28AF-22A6-0E92B8818FBD}"/>
-              </a:ext>
-            </a:extLst>
-          </p:cNvPr>
-          <p:cNvSpPr>
-            <a:spLocks noGrp="1"/>
-          </p:cNvSpPr>
-          <p:nvPr>
-            <p:ph type="title"/>
-          </p:nvPr>
-        </p:nvSpPr>
-        <p:spPr/>
-        <p:txBody>
-          <a:bodyPr/>
-          <a:lstStyle/>
-          <a:p>
-            <a:r>
-              <a:rPr lang="en-US" dirty="0"/>
-              <a:t>Posterior predictive and </a:t>
-            </a:r>
-            <a:r>
-              <a:rPr lang="en-US"/>
-              <a:t>the posterior for p</a:t>
-            </a:r>
-          </a:p>
-        </p:txBody>
-      </p:sp>
-      <p:pic>
-        <p:nvPicPr>
-          <p:cNvPr id="5" name="Content Placeholder 4">
-            <a:extLst>
-              <a:ext uri="{FF2B5EF4-FFF2-40B4-BE49-F238E27FC236}">
-                <a16:creationId xmlns:a16="http://schemas.microsoft.com/office/drawing/2014/main" id="{CEAFF244-2798-6FA7-B238-08076AAC5CC8}"/>
-              </a:ext>
-            </a:extLst>
-          </p:cNvPr>
-          <p:cNvPicPr>
-            <a:picLocks noGrp="1" noChangeAspect="1"/>
-          </p:cNvPicPr>
-          <p:nvPr>
-            <p:ph idx="1"/>
-          </p:nvPr>
-        </p:nvPicPr>
-        <p:blipFill>
-          <a:blip r:embed="rId2"/>
-          <a:stretch>
-            <a:fillRect/>
-          </a:stretch>
-        </p:blipFill>
-        <p:spPr>
-          <a:xfrm>
-            <a:off x="2889352" y="1825625"/>
-            <a:ext cx="6413296" cy="4351338"/>
-          </a:xfrm>
-          <a:prstGeom prst="rect">
-            <a:avLst/>
-          </a:prstGeom>
-        </p:spPr>
-      </p:pic>
-      <p:sp>
-        <p:nvSpPr>
-          <p:cNvPr id="4" name="Slide Number Placeholder 3">
-            <a:extLst>
-              <a:ext uri="{FF2B5EF4-FFF2-40B4-BE49-F238E27FC236}">
-                <a16:creationId xmlns:a16="http://schemas.microsoft.com/office/drawing/2014/main" id="{C545AD9B-48F4-E5C9-4AD1-803A878DE5C7}"/>
-              </a:ext>
-            </a:extLst>
-          </p:cNvPr>
-          <p:cNvSpPr>
-            <a:spLocks noGrp="1"/>
-          </p:cNvSpPr>
-          <p:nvPr>
-            <p:ph type="sldNum" sz="quarter" idx="12"/>
-          </p:nvPr>
-        </p:nvSpPr>
-        <p:spPr/>
-        <p:txBody>
-          <a:bodyPr/>
-          <a:lstStyle/>
-          <a:p>
-            <a:fld id="{EFD40CC3-C2EA-4AEA-91B8-E5D94FBABE70}" type="slidenum">
-              <a:rPr lang="en-US" smtClean="0"/>
-              <a:t>23</a:t>
-            </a:fld>
-            <a:endParaRPr lang="en-US"/>
-          </a:p>
-        </p:txBody>
-      </p:sp>
-    </p:spTree>
-    <p:extLst>
-      <p:ext uri="{BB962C8B-B14F-4D97-AF65-F5344CB8AC3E}">
-        <p14:creationId xmlns:p14="http://schemas.microsoft.com/office/powerpoint/2010/main" val="846932416"/>
-      </p:ext>
-    </p:extLst>
-  </p:cSld>
-  <p:clrMapOvr>
-    <a:masterClrMapping/>
-  </p:clrMapOvr>
-</p:sld>
-</file>
-
-<file path=ppt/slides/slide24.xml><?xml version="1.0" encoding="utf-8"?>
-<p:sld xmlns:a="http://schemas.openxmlformats.org/drawingml/2006/main" xmlns:r="http://schemas.openxmlformats.org/officeDocument/2006/relationships" xmlns:p="http://schemas.openxmlformats.org/presentationml/2006/main">
-  <p:cSld>
-    <p:spTree>
-      <p:nvGrpSpPr>
-        <p:cNvPr id="1" name=""/>
-        <p:cNvGrpSpPr/>
-        <p:nvPr/>
-      </p:nvGrpSpPr>
-      <p:grpSpPr>
-        <a:xfrm>
-          <a:off x="0" y="0"/>
-          <a:ext cx="0" cy="0"/>
-          <a:chOff x="0" y="0"/>
-          <a:chExt cx="0" cy="0"/>
-        </a:xfrm>
-      </p:grpSpPr>
-      <p:sp>
-        <p:nvSpPr>
-          <p:cNvPr id="2" name="Title 1">
-            <a:extLst>
-              <a:ext uri="{FF2B5EF4-FFF2-40B4-BE49-F238E27FC236}">
-                <a16:creationId xmlns:a16="http://schemas.microsoft.com/office/drawing/2014/main" id="{1AD8E233-CE99-8D57-1B10-5EDDDED0F056}"/>
-              </a:ext>
-            </a:extLst>
-          </p:cNvPr>
-          <p:cNvSpPr>
-            <a:spLocks noGrp="1"/>
-          </p:cNvSpPr>
-          <p:nvPr>
-            <p:ph type="title"/>
-          </p:nvPr>
-        </p:nvSpPr>
-        <p:spPr/>
-        <p:txBody>
-          <a:bodyPr/>
-          <a:lstStyle/>
-          <a:p>
-            <a:r>
-              <a:rPr lang="en-US" dirty="0"/>
-              <a:t>Reference</a:t>
-            </a:r>
-          </a:p>
-        </p:txBody>
-      </p:sp>
-      <p:sp>
-        <p:nvSpPr>
-          <p:cNvPr id="3" name="Content Placeholder 2">
-            <a:extLst>
-              <a:ext uri="{FF2B5EF4-FFF2-40B4-BE49-F238E27FC236}">
-                <a16:creationId xmlns:a16="http://schemas.microsoft.com/office/drawing/2014/main" id="{68532EA1-0254-22AD-6836-0E7AE8941EB8}"/>
-              </a:ext>
-            </a:extLst>
-          </p:cNvPr>
-          <p:cNvSpPr>
-            <a:spLocks noGrp="1"/>
-          </p:cNvSpPr>
-          <p:nvPr>
-            <p:ph idx="1"/>
-          </p:nvPr>
-        </p:nvSpPr>
-        <p:spPr/>
-        <p:txBody>
-          <a:bodyPr/>
-          <a:lstStyle/>
-          <a:p>
-            <a:r>
-              <a:rPr lang="en-US" dirty="0"/>
-              <a:t>V. E. Johnson, </a:t>
-            </a:r>
-            <a:r>
-              <a:rPr lang="en-US" i="1" dirty="0"/>
-              <a:t>et al. </a:t>
-            </a:r>
-            <a:r>
-              <a:rPr lang="en-US" dirty="0"/>
-              <a:t> A hierarchal model for estimating the early reliability of complex systems.  </a:t>
-            </a:r>
-            <a:r>
-              <a:rPr lang="en-US" i="1" dirty="0"/>
-              <a:t>IEEE Transactions on Reliability,  </a:t>
-            </a:r>
-            <a:r>
-              <a:rPr lang="en-US" dirty="0"/>
-              <a:t>54-224-231, 2005</a:t>
-            </a:r>
-          </a:p>
-        </p:txBody>
-      </p:sp>
-      <p:sp>
-        <p:nvSpPr>
-          <p:cNvPr id="4" name="Slide Number Placeholder 3">
-            <a:extLst>
-              <a:ext uri="{FF2B5EF4-FFF2-40B4-BE49-F238E27FC236}">
-                <a16:creationId xmlns:a16="http://schemas.microsoft.com/office/drawing/2014/main" id="{385B4733-1B6F-E511-0F08-BFE7F0C84285}"/>
-              </a:ext>
-            </a:extLst>
-          </p:cNvPr>
-          <p:cNvSpPr>
-            <a:spLocks noGrp="1"/>
-          </p:cNvSpPr>
-          <p:nvPr>
-            <p:ph type="sldNum" sz="quarter" idx="12"/>
-          </p:nvPr>
-        </p:nvSpPr>
-        <p:spPr/>
-        <p:txBody>
-          <a:bodyPr/>
-          <a:lstStyle/>
-          <a:p>
-            <a:fld id="{EFD40CC3-C2EA-4AEA-91B8-E5D94FBABE70}" type="slidenum">
-              <a:rPr lang="en-US" smtClean="0"/>
-              <a:t>24</a:t>
+              <a:t>28</a:t>
             </a:fld>
             <a:endParaRPr lang="en-US"/>
           </a:p>
@@ -7418,8 +8675,8 @@
           </a:p>
         </p:txBody>
       </p:sp>
-      <mc:AlternateContent xmlns:mc="http://schemas.openxmlformats.org/markup-compatibility/2006" xmlns:a14="http://schemas.microsoft.com/office/drawing/2010/main">
-        <mc:Choice Requires="a14">
+      <mc:AlternateContent xmlns:mc="http://schemas.openxmlformats.org/markup-compatibility/2006">
+        <mc:Choice xmlns:a14="http://schemas.microsoft.com/office/drawing/2010/main" Requires="a14">
           <p:sp>
             <p:nvSpPr>
               <p:cNvPr id="3" name="Content Placeholder 2">
@@ -7443,7 +8700,7 @@
               <a:p>
                 <a:r>
                   <a:rPr lang="en-US" dirty="0"/>
-                  <a:t>Outcomes for 11 manufacturers with new vehicle launches- 3 successes and 8 failures</a:t>
+                  <a:t>Outcome from Hamada: 11 manufacturers with new vehicle launches- 3 successes and 8 failures</a:t>
                 </a:r>
               </a:p>
               <a:p>
@@ -7495,7 +8752,7 @@
             </p:txBody>
           </p:sp>
         </mc:Choice>
-        <mc:Fallback xmlns="">
+        <mc:Fallback>
           <p:sp>
             <p:nvSpPr>
               <p:cNvPr id="3" name="Content Placeholder 2">
@@ -7652,8 +8909,8 @@
           </a:p>
         </p:txBody>
       </p:sp>
-      <mc:AlternateContent xmlns:mc="http://schemas.openxmlformats.org/markup-compatibility/2006" xmlns:a14="http://schemas.microsoft.com/office/drawing/2010/main">
-        <mc:Choice Requires="a14">
+      <mc:AlternateContent xmlns:mc="http://schemas.openxmlformats.org/markup-compatibility/2006">
+        <mc:Choice xmlns:a14="http://schemas.microsoft.com/office/drawing/2010/main" Requires="a14">
           <p:sp>
             <p:nvSpPr>
               <p:cNvPr id="3" name="Content Placeholder 2">
@@ -7674,6 +8931,27 @@
             <p:txBody>
               <a:bodyPr/>
               <a:lstStyle/>
+              <a:p>
+                <a:r>
+                  <a:rPr lang="en-US" dirty="0"/>
+                  <a:t>Let’s do a Bayesian analysis: get some predictions.</a:t>
+                </a:r>
+              </a:p>
+              <a:p>
+                <a:pPr lvl="1"/>
+                <a:r>
+                  <a:rPr lang="en-US" dirty="0"/>
+                  <a:t>Posterior predictive distributions for p, probability of a successful launch, and for </a:t>
+                </a:r>
+                <a:r>
+                  <a:rPr lang="en-US" dirty="0" err="1"/>
+                  <a:t>n_success</a:t>
+                </a:r>
+                <a:r>
+                  <a:rPr lang="en-US" dirty="0"/>
+                  <a:t>, number of successful launches in 13 trials</a:t>
+                </a:r>
+              </a:p>
               <a:p>
                 <a:r>
                   <a:rPr lang="en-US" dirty="0"/>
@@ -7725,27 +9003,27 @@
                 <a:pPr lvl="1"/>
                 <a:r>
                   <a:rPr lang="en-US" dirty="0"/>
-                  <a:t>Not much is known use a vague prior</a:t>
+                  <a:t>Not much is known- use a vague prior</a:t>
                 </a:r>
               </a:p>
               <a:p>
                 <a:pPr lvl="1"/>
                 <a:r>
                   <a:rPr lang="en-US" dirty="0"/>
-                  <a:t>Some knowledge, use an informative prior</a:t>
+                  <a:t>Some knowledge- use an informative prior</a:t>
                 </a:r>
               </a:p>
               <a:p>
                 <a:pPr lvl="1"/>
                 <a:r>
                   <a:rPr lang="en-US" dirty="0"/>
-                  <a:t>Useful in cases that involve transformations of variables, Jeffreys prior</a:t>
+                  <a:t>Cases that involve transformations of variables- Jeffreys prior</a:t>
                 </a:r>
               </a:p>
             </p:txBody>
           </p:sp>
         </mc:Choice>
-        <mc:Fallback xmlns="">
+        <mc:Fallback>
           <p:sp>
             <p:nvSpPr>
               <p:cNvPr id="3" name="Content Placeholder 2">
@@ -7766,7 +9044,7 @@
               <a:blipFill>
                 <a:blip r:embed="rId2"/>
                 <a:stretch>
-                  <a:fillRect l="-1043" t="-2241"/>
+                  <a:fillRect l="-1043" t="-2241" r="-522"/>
                 </a:stretch>
               </a:blipFill>
             </p:spPr>
@@ -8019,7 +9297,7 @@
           <a:p>
             <a:r>
               <a:rPr lang="en-US" dirty="0"/>
-              <a:t>Posterior plots,  vague prior</a:t>
+              <a:t>Posterior plots,  3 priors</a:t>
             </a:r>
           </a:p>
         </p:txBody>
@@ -8048,8 +9326,8 @@
         </p:blipFill>
         <p:spPr>
           <a:xfrm>
-            <a:off x="3848314" y="1825625"/>
-            <a:ext cx="4495371" cy="4351338"/>
+            <a:off x="838201" y="1913862"/>
+            <a:ext cx="2946136" cy="2785729"/>
           </a:xfrm>
           <a:prstGeom prst="rect">
             <a:avLst/>
@@ -8082,6 +9360,171 @@
               <a:t>6</a:t>
             </a:fld>
             <a:endParaRPr lang="en-US"/>
+          </a:p>
+        </p:txBody>
+      </p:sp>
+      <p:pic>
+        <p:nvPicPr>
+          <p:cNvPr id="3" name="Picture 2">
+            <a:extLst>
+              <a:ext uri="{FF2B5EF4-FFF2-40B4-BE49-F238E27FC236}">
+                <a16:creationId xmlns:a16="http://schemas.microsoft.com/office/drawing/2014/main" id="{E2E5D378-2630-7058-74D3-1B9C47F41BF0}"/>
+              </a:ext>
+            </a:extLst>
+          </p:cNvPr>
+          <p:cNvPicPr>
+            <a:picLocks noChangeAspect="1"/>
+          </p:cNvPicPr>
+          <p:nvPr/>
+        </p:nvPicPr>
+        <p:blipFill>
+          <a:blip r:embed="rId3"/>
+          <a:stretch>
+            <a:fillRect/>
+          </a:stretch>
+        </p:blipFill>
+        <p:spPr>
+          <a:xfrm>
+            <a:off x="3922709" y="1913862"/>
+            <a:ext cx="2947598" cy="2851741"/>
+          </a:xfrm>
+          <a:prstGeom prst="rect">
+            <a:avLst/>
+          </a:prstGeom>
+        </p:spPr>
+      </p:pic>
+      <p:pic>
+        <p:nvPicPr>
+          <p:cNvPr id="6" name="Picture 5">
+            <a:extLst>
+              <a:ext uri="{FF2B5EF4-FFF2-40B4-BE49-F238E27FC236}">
+                <a16:creationId xmlns:a16="http://schemas.microsoft.com/office/drawing/2014/main" id="{A8AC33FE-7C71-2D09-B060-C23FF4CACC86}"/>
+              </a:ext>
+            </a:extLst>
+          </p:cNvPr>
+          <p:cNvPicPr>
+            <a:picLocks noChangeAspect="1"/>
+          </p:cNvPicPr>
+          <p:nvPr/>
+        </p:nvPicPr>
+        <p:blipFill>
+          <a:blip r:embed="rId3"/>
+          <a:stretch>
+            <a:fillRect/>
+          </a:stretch>
+        </p:blipFill>
+        <p:spPr>
+          <a:xfrm>
+            <a:off x="7008680" y="1901688"/>
+            <a:ext cx="3203839" cy="2921855"/>
+          </a:xfrm>
+          <a:prstGeom prst="rect">
+            <a:avLst/>
+          </a:prstGeom>
+        </p:spPr>
+      </p:pic>
+      <p:sp>
+        <p:nvSpPr>
+          <p:cNvPr id="7" name="TextBox 6">
+            <a:extLst>
+              <a:ext uri="{FF2B5EF4-FFF2-40B4-BE49-F238E27FC236}">
+                <a16:creationId xmlns:a16="http://schemas.microsoft.com/office/drawing/2014/main" id="{AA231EF7-D3C1-D962-FF71-D8674C679ED5}"/>
+              </a:ext>
+            </a:extLst>
+          </p:cNvPr>
+          <p:cNvSpPr txBox="1"/>
+          <p:nvPr/>
+        </p:nvSpPr>
+        <p:spPr>
+          <a:xfrm>
+            <a:off x="1454425" y="4956312"/>
+            <a:ext cx="1908313" cy="369332"/>
+          </a:xfrm>
+          <a:prstGeom prst="rect">
+            <a:avLst/>
+          </a:prstGeom>
+          <a:noFill/>
+        </p:spPr>
+        <p:txBody>
+          <a:bodyPr wrap="square" rtlCol="0">
+            <a:spAutoFit/>
+          </a:bodyPr>
+          <a:lstStyle/>
+          <a:p>
+            <a:r>
+              <a:rPr lang="en-US" dirty="0"/>
+              <a:t>Vague Prior</a:t>
+            </a:r>
+          </a:p>
+        </p:txBody>
+      </p:sp>
+      <p:sp>
+        <p:nvSpPr>
+          <p:cNvPr id="10" name="TextBox 9">
+            <a:extLst>
+              <a:ext uri="{FF2B5EF4-FFF2-40B4-BE49-F238E27FC236}">
+                <a16:creationId xmlns:a16="http://schemas.microsoft.com/office/drawing/2014/main" id="{60613DBA-44D5-0F05-D1D3-4473444AF372}"/>
+              </a:ext>
+            </a:extLst>
+          </p:cNvPr>
+          <p:cNvSpPr txBox="1"/>
+          <p:nvPr/>
+        </p:nvSpPr>
+        <p:spPr>
+          <a:xfrm>
+            <a:off x="4710223" y="4956312"/>
+            <a:ext cx="1765005" cy="369332"/>
+          </a:xfrm>
+          <a:prstGeom prst="rect">
+            <a:avLst/>
+          </a:prstGeom>
+          <a:noFill/>
+        </p:spPr>
+        <p:txBody>
+          <a:bodyPr wrap="square" rtlCol="0">
+            <a:spAutoFit/>
+          </a:bodyPr>
+          <a:lstStyle/>
+          <a:p>
+            <a:r>
+              <a:rPr lang="en-US" dirty="0"/>
+              <a:t>Jeffrey’s Prior</a:t>
+            </a:r>
+          </a:p>
+        </p:txBody>
+      </p:sp>
+      <p:sp>
+        <p:nvSpPr>
+          <p:cNvPr id="11" name="TextBox 10">
+            <a:extLst>
+              <a:ext uri="{FF2B5EF4-FFF2-40B4-BE49-F238E27FC236}">
+                <a16:creationId xmlns:a16="http://schemas.microsoft.com/office/drawing/2014/main" id="{3467B1B8-2807-31B4-85F8-12C34B8BD2FB}"/>
+              </a:ext>
+            </a:extLst>
+          </p:cNvPr>
+          <p:cNvSpPr txBox="1"/>
+          <p:nvPr/>
+        </p:nvSpPr>
+        <p:spPr>
+          <a:xfrm>
+            <a:off x="7676707" y="4956312"/>
+            <a:ext cx="1839433" cy="369332"/>
+          </a:xfrm>
+          <a:prstGeom prst="rect">
+            <a:avLst/>
+          </a:prstGeom>
+          <a:noFill/>
+        </p:spPr>
+        <p:txBody>
+          <a:bodyPr wrap="square" rtlCol="0">
+            <a:spAutoFit/>
+          </a:bodyPr>
+          <a:lstStyle/>
+          <a:p>
+            <a:r>
+              <a:rPr lang="en-US" dirty="0"/>
+              <a:t>Informative Prior</a:t>
+            </a:r>
           </a:p>
         </p:txBody>
       </p:sp>
@@ -8099,244 +9542,6 @@
 </file>
 
 <file path=ppt/slides/slide7.xml><?xml version="1.0" encoding="utf-8"?>
-<p:sld xmlns:a="http://schemas.openxmlformats.org/drawingml/2006/main" xmlns:r="http://schemas.openxmlformats.org/officeDocument/2006/relationships" xmlns:p="http://schemas.openxmlformats.org/presentationml/2006/main">
-  <p:cSld>
-    <p:spTree>
-      <p:nvGrpSpPr>
-        <p:cNvPr id="1" name=""/>
-        <p:cNvGrpSpPr/>
-        <p:nvPr/>
-      </p:nvGrpSpPr>
-      <p:grpSpPr>
-        <a:xfrm>
-          <a:off x="0" y="0"/>
-          <a:ext cx="0" cy="0"/>
-          <a:chOff x="0" y="0"/>
-          <a:chExt cx="0" cy="0"/>
-        </a:xfrm>
-      </p:grpSpPr>
-      <p:sp>
-        <p:nvSpPr>
-          <p:cNvPr id="2" name="Title 1">
-            <a:extLst>
-              <a:ext uri="{FF2B5EF4-FFF2-40B4-BE49-F238E27FC236}">
-                <a16:creationId xmlns:a16="http://schemas.microsoft.com/office/drawing/2014/main" id="{543D81C1-1D97-2DB7-E1BB-EE477C22528A}"/>
-              </a:ext>
-            </a:extLst>
-          </p:cNvPr>
-          <p:cNvSpPr>
-            <a:spLocks noGrp="1"/>
-          </p:cNvSpPr>
-          <p:nvPr>
-            <p:ph type="title"/>
-          </p:nvPr>
-        </p:nvSpPr>
-        <p:spPr/>
-        <p:txBody>
-          <a:bodyPr/>
-          <a:lstStyle/>
-          <a:p>
-            <a:r>
-              <a:rPr lang="en-US" dirty="0"/>
-              <a:t>Posterior distribution, Jeffreys prior </a:t>
-            </a:r>
-          </a:p>
-        </p:txBody>
-      </p:sp>
-      <p:pic>
-        <p:nvPicPr>
-          <p:cNvPr id="4" name="Content Placeholder 3">
-            <a:extLst>
-              <a:ext uri="{FF2B5EF4-FFF2-40B4-BE49-F238E27FC236}">
-                <a16:creationId xmlns:a16="http://schemas.microsoft.com/office/drawing/2014/main" id="{1BECB0AD-0C48-AD30-C249-35D57C8F4D5C}"/>
-              </a:ext>
-            </a:extLst>
-          </p:cNvPr>
-          <p:cNvPicPr>
-            <a:picLocks noGrp="1" noChangeAspect="1"/>
-          </p:cNvPicPr>
-          <p:nvPr>
-            <p:ph idx="1"/>
-          </p:nvPr>
-        </p:nvPicPr>
-        <p:blipFill>
-          <a:blip r:embed="rId2"/>
-          <a:stretch>
-            <a:fillRect/>
-          </a:stretch>
-        </p:blipFill>
-        <p:spPr>
-          <a:xfrm>
-            <a:off x="3848314" y="1825625"/>
-            <a:ext cx="4495371" cy="4351338"/>
-          </a:xfrm>
-          <a:prstGeom prst="rect">
-            <a:avLst/>
-          </a:prstGeom>
-        </p:spPr>
-      </p:pic>
-      <p:sp>
-        <p:nvSpPr>
-          <p:cNvPr id="5" name="Slide Number Placeholder 4">
-            <a:extLst>
-              <a:ext uri="{FF2B5EF4-FFF2-40B4-BE49-F238E27FC236}">
-                <a16:creationId xmlns:a16="http://schemas.microsoft.com/office/drawing/2014/main" id="{95351032-61A1-D545-D5AD-A59BBAD709FC}"/>
-              </a:ext>
-            </a:extLst>
-          </p:cNvPr>
-          <p:cNvSpPr>
-            <a:spLocks noGrp="1"/>
-          </p:cNvSpPr>
-          <p:nvPr>
-            <p:ph type="sldNum" sz="quarter" idx="12"/>
-          </p:nvPr>
-        </p:nvSpPr>
-        <p:spPr/>
-        <p:txBody>
-          <a:bodyPr/>
-          <a:lstStyle/>
-          <a:p>
-            <a:fld id="{EFD40CC3-C2EA-4AEA-91B8-E5D94FBABE70}" type="slidenum">
-              <a:rPr lang="en-US" smtClean="0"/>
-              <a:t>7</a:t>
-            </a:fld>
-            <a:endParaRPr lang="en-US"/>
-          </a:p>
-        </p:txBody>
-      </p:sp>
-    </p:spTree>
-    <p:extLst>
-      <p:ext uri="{BB962C8B-B14F-4D97-AF65-F5344CB8AC3E}">
-        <p14:creationId xmlns:p14="http://schemas.microsoft.com/office/powerpoint/2010/main" val="687919655"/>
-      </p:ext>
-    </p:extLst>
-  </p:cSld>
-  <p:clrMapOvr>
-    <a:masterClrMapping/>
-  </p:clrMapOvr>
-</p:sld>
-</file>
-
-<file path=ppt/slides/slide8.xml><?xml version="1.0" encoding="utf-8"?>
-<p:sld xmlns:a="http://schemas.openxmlformats.org/drawingml/2006/main" xmlns:r="http://schemas.openxmlformats.org/officeDocument/2006/relationships" xmlns:p="http://schemas.openxmlformats.org/presentationml/2006/main">
-  <p:cSld>
-    <p:spTree>
-      <p:nvGrpSpPr>
-        <p:cNvPr id="1" name=""/>
-        <p:cNvGrpSpPr/>
-        <p:nvPr/>
-      </p:nvGrpSpPr>
-      <p:grpSpPr>
-        <a:xfrm>
-          <a:off x="0" y="0"/>
-          <a:ext cx="0" cy="0"/>
-          <a:chOff x="0" y="0"/>
-          <a:chExt cx="0" cy="0"/>
-        </a:xfrm>
-      </p:grpSpPr>
-      <p:sp>
-        <p:nvSpPr>
-          <p:cNvPr id="2" name="Title 1">
-            <a:extLst>
-              <a:ext uri="{FF2B5EF4-FFF2-40B4-BE49-F238E27FC236}">
-                <a16:creationId xmlns:a16="http://schemas.microsoft.com/office/drawing/2014/main" id="{F90BEBAC-83CF-4410-2B50-A2E4C14DE6B4}"/>
-              </a:ext>
-            </a:extLst>
-          </p:cNvPr>
-          <p:cNvSpPr>
-            <a:spLocks noGrp="1"/>
-          </p:cNvSpPr>
-          <p:nvPr>
-            <p:ph type="title"/>
-          </p:nvPr>
-        </p:nvSpPr>
-        <p:spPr/>
-        <p:txBody>
-          <a:bodyPr/>
-          <a:lstStyle/>
-          <a:p>
-            <a:r>
-              <a:rPr lang="en-US" dirty="0"/>
-              <a:t>Posterior distribution, informative prior</a:t>
-            </a:r>
-          </a:p>
-        </p:txBody>
-      </p:sp>
-      <p:pic>
-        <p:nvPicPr>
-          <p:cNvPr id="4" name="Content Placeholder 3">
-            <a:extLst>
-              <a:ext uri="{FF2B5EF4-FFF2-40B4-BE49-F238E27FC236}">
-                <a16:creationId xmlns:a16="http://schemas.microsoft.com/office/drawing/2014/main" id="{24C8D17A-92C6-6EB6-AEE8-ED98A7D983E5}"/>
-              </a:ext>
-            </a:extLst>
-          </p:cNvPr>
-          <p:cNvPicPr>
-            <a:picLocks noGrp="1" noChangeAspect="1"/>
-          </p:cNvPicPr>
-          <p:nvPr>
-            <p:ph idx="1"/>
-          </p:nvPr>
-        </p:nvPicPr>
-        <p:blipFill>
-          <a:blip r:embed="rId2"/>
-          <a:stretch>
-            <a:fillRect/>
-          </a:stretch>
-        </p:blipFill>
-        <p:spPr>
-          <a:xfrm>
-            <a:off x="3848314" y="1825625"/>
-            <a:ext cx="4495371" cy="4351338"/>
-          </a:xfrm>
-          <a:prstGeom prst="rect">
-            <a:avLst/>
-          </a:prstGeom>
-        </p:spPr>
-      </p:pic>
-      <p:sp>
-        <p:nvSpPr>
-          <p:cNvPr id="5" name="Slide Number Placeholder 4">
-            <a:extLst>
-              <a:ext uri="{FF2B5EF4-FFF2-40B4-BE49-F238E27FC236}">
-                <a16:creationId xmlns:a16="http://schemas.microsoft.com/office/drawing/2014/main" id="{D10012AC-A216-71FA-4DB7-CB3C22BBE241}"/>
-              </a:ext>
-            </a:extLst>
-          </p:cNvPr>
-          <p:cNvSpPr>
-            <a:spLocks noGrp="1"/>
-          </p:cNvSpPr>
-          <p:nvPr>
-            <p:ph type="sldNum" sz="quarter" idx="12"/>
-          </p:nvPr>
-        </p:nvSpPr>
-        <p:spPr/>
-        <p:txBody>
-          <a:bodyPr/>
-          <a:lstStyle/>
-          <a:p>
-            <a:fld id="{EFD40CC3-C2EA-4AEA-91B8-E5D94FBABE70}" type="slidenum">
-              <a:rPr lang="en-US" smtClean="0"/>
-              <a:t>8</a:t>
-            </a:fld>
-            <a:endParaRPr lang="en-US"/>
-          </a:p>
-        </p:txBody>
-      </p:sp>
-    </p:spTree>
-    <p:extLst>
-      <p:ext uri="{BB962C8B-B14F-4D97-AF65-F5344CB8AC3E}">
-        <p14:creationId xmlns:p14="http://schemas.microsoft.com/office/powerpoint/2010/main" val="4135170341"/>
-      </p:ext>
-    </p:extLst>
-  </p:cSld>
-  <p:clrMapOvr>
-    <a:masterClrMapping/>
-  </p:clrMapOvr>
-</p:sld>
-</file>
-
-<file path=ppt/slides/slide9.xml><?xml version="1.0" encoding="utf-8"?>
 <p:sld xmlns:a="http://schemas.openxmlformats.org/drawingml/2006/main" xmlns:r="http://schemas.openxmlformats.org/officeDocument/2006/relationships" xmlns:p="http://schemas.openxmlformats.org/presentationml/2006/main">
   <p:cSld>
     <p:spTree>
@@ -8629,47 +9834,779 @@
           </a:graphicData>
         </a:graphic>
       </p:graphicFrame>
-      <p:sp>
-        <p:nvSpPr>
-          <p:cNvPr id="5" name="TextBox 4">
-            <a:extLst>
-              <a:ext uri="{FF2B5EF4-FFF2-40B4-BE49-F238E27FC236}">
-                <a16:creationId xmlns:a16="http://schemas.microsoft.com/office/drawing/2014/main" id="{5507FF5A-73D7-4491-B9EC-5A6BF17CBC31}"/>
-              </a:ext>
-            </a:extLst>
-          </p:cNvPr>
-          <p:cNvSpPr txBox="1"/>
-          <p:nvPr/>
-        </p:nvSpPr>
-        <p:spPr>
-          <a:xfrm>
-            <a:off x="838200" y="4298731"/>
-            <a:ext cx="7906407" cy="954107"/>
-          </a:xfrm>
-          <a:prstGeom prst="rect">
-            <a:avLst/>
-          </a:prstGeom>
-          <a:noFill/>
-        </p:spPr>
-        <p:txBody>
-          <a:bodyPr wrap="square" rtlCol="0">
-            <a:spAutoFit/>
-          </a:bodyPr>
-          <a:lstStyle/>
-          <a:p>
-            <a:r>
-              <a:rPr lang="en-US" sz="2800" dirty="0"/>
-              <a:t>Predictive posterior distribution for launch success: fit a beta distribution to posterior samples</a:t>
-            </a:r>
-          </a:p>
-        </p:txBody>
-      </p:sp>
+      <mc:AlternateContent xmlns:mc="http://schemas.openxmlformats.org/markup-compatibility/2006">
+        <mc:Choice xmlns:a14="http://schemas.microsoft.com/office/drawing/2010/main" Requires="a14">
+          <p:sp>
+            <p:nvSpPr>
+              <p:cNvPr id="5" name="TextBox 4">
+                <a:extLst>
+                  <a:ext uri="{FF2B5EF4-FFF2-40B4-BE49-F238E27FC236}">
+                    <a16:creationId xmlns:a16="http://schemas.microsoft.com/office/drawing/2014/main" id="{5507FF5A-73D7-4491-B9EC-5A6BF17CBC31}"/>
+                  </a:ext>
+                </a:extLst>
+              </p:cNvPr>
+              <p:cNvSpPr txBox="1"/>
+              <p:nvPr/>
+            </p:nvSpPr>
+            <p:spPr>
+              <a:xfrm>
+                <a:off x="838200" y="4298731"/>
+                <a:ext cx="7906407" cy="2070503"/>
+              </a:xfrm>
+              <a:prstGeom prst="rect">
+                <a:avLst/>
+              </a:prstGeom>
+              <a:noFill/>
+            </p:spPr>
+            <p:txBody>
+              <a:bodyPr wrap="square" rtlCol="0">
+                <a:spAutoFit/>
+              </a:bodyPr>
+              <a:lstStyle/>
+              <a:p>
+                <a:r>
+                  <a:rPr lang="en-US" sz="2400" dirty="0"/>
+                  <a:t>NOW, let’s get posterior predictive distribution for launch success:</a:t>
+                </a:r>
+              </a:p>
+              <a:p>
+                <a:r>
+                  <a:rPr lang="en-US" sz="2400" dirty="0"/>
+                  <a:t>                p(z|y) = </a:t>
+                </a:r>
+                <a14:m>
+                  <m:oMath xmlns:m="http://schemas.openxmlformats.org/officeDocument/2006/math">
+                    <m:nary>
+                      <m:naryPr>
+                        <m:ctrlPr>
+                          <a:rPr lang="en-US" sz="2400" i="1" smtClean="0">
+                            <a:latin typeface="Cambria Math" panose="02040503050406030204" pitchFamily="18" charset="0"/>
+                          </a:rPr>
+                        </m:ctrlPr>
+                      </m:naryPr>
+                      <m:sub>
+                        <m:r>
+                          <m:rPr>
+                            <m:brk m:alnAt="23"/>
+                          </m:rPr>
+                          <a:rPr lang="en-US" sz="2400" b="0" i="1" smtClean="0">
+                            <a:latin typeface="Cambria Math" panose="02040503050406030204" pitchFamily="18" charset="0"/>
+                          </a:rPr>
+                          <m:t>0</m:t>
+                        </m:r>
+                      </m:sub>
+                      <m:sup>
+                        <m:r>
+                          <a:rPr lang="en-US" sz="2400" b="0" i="1" smtClean="0">
+                            <a:latin typeface="Cambria Math" panose="02040503050406030204" pitchFamily="18" charset="0"/>
+                          </a:rPr>
+                          <m:t>1</m:t>
+                        </m:r>
+                      </m:sup>
+                      <m:e>
+                        <m:r>
+                          <a:rPr lang="en-US" sz="2400" b="0" i="1" smtClean="0">
+                            <a:latin typeface="Cambria Math" panose="02040503050406030204" pitchFamily="18" charset="0"/>
+                          </a:rPr>
+                          <m:t>𝑓</m:t>
+                        </m:r>
+                        <m:d>
+                          <m:dPr>
+                            <m:endChr m:val="|"/>
+                            <m:ctrlPr>
+                              <a:rPr lang="en-US" sz="2400" b="0" i="1" smtClean="0">
+                                <a:latin typeface="Cambria Math" panose="02040503050406030204" pitchFamily="18" charset="0"/>
+                              </a:rPr>
+                            </m:ctrlPr>
+                          </m:dPr>
+                          <m:e>
+                            <m:r>
+                              <a:rPr lang="en-US" sz="2400" b="0" i="1" smtClean="0">
+                                <a:latin typeface="Cambria Math" panose="02040503050406030204" pitchFamily="18" charset="0"/>
+                              </a:rPr>
+                              <m:t>𝑧</m:t>
+                            </m:r>
+                          </m:e>
+                        </m:d>
+                        <m:r>
+                          <a:rPr lang="en-US" sz="2400" b="0" i="1" smtClean="0">
+                            <a:latin typeface="Cambria Math" panose="02040503050406030204" pitchFamily="18" charset="0"/>
+                          </a:rPr>
+                          <m:t>𝜃</m:t>
+                        </m:r>
+                        <m:r>
+                          <a:rPr lang="en-US" sz="2400" b="0" i="1" smtClean="0">
+                            <a:latin typeface="Cambria Math" panose="02040503050406030204" pitchFamily="18" charset="0"/>
+                          </a:rPr>
+                          <m:t>)</m:t>
+                        </m:r>
+                        <m:r>
+                          <a:rPr lang="en-US" sz="2400" b="0" i="1" smtClean="0">
+                            <a:latin typeface="Cambria Math" panose="02040503050406030204" pitchFamily="18" charset="0"/>
+                          </a:rPr>
+                          <m:t>𝑝</m:t>
+                        </m:r>
+                        <m:d>
+                          <m:dPr>
+                            <m:ctrlPr>
+                              <a:rPr lang="en-US" sz="2400" b="0" i="1" smtClean="0">
+                                <a:latin typeface="Cambria Math" panose="02040503050406030204" pitchFamily="18" charset="0"/>
+                              </a:rPr>
+                            </m:ctrlPr>
+                          </m:dPr>
+                          <m:e>
+                            <m:r>
+                              <a:rPr lang="en-US" sz="2400" b="0" i="1" smtClean="0">
+                                <a:latin typeface="Cambria Math" panose="02040503050406030204" pitchFamily="18" charset="0"/>
+                              </a:rPr>
+                              <m:t>𝜃</m:t>
+                            </m:r>
+                          </m:e>
+                          <m:e>
+                            <m:r>
+                              <a:rPr lang="en-US" sz="2400" b="0" i="1" smtClean="0">
+                                <a:latin typeface="Cambria Math" panose="02040503050406030204" pitchFamily="18" charset="0"/>
+                              </a:rPr>
+                              <m:t>𝑦</m:t>
+                            </m:r>
+                          </m:e>
+                        </m:d>
+                        <m:r>
+                          <a:rPr lang="en-US" sz="2400" b="0" i="1" smtClean="0">
+                            <a:latin typeface="Cambria Math" panose="02040503050406030204" pitchFamily="18" charset="0"/>
+                          </a:rPr>
+                          <m:t>𝑑</m:t>
+                        </m:r>
+                        <m:r>
+                          <a:rPr lang="en-US" sz="2400" b="0" i="1" smtClean="0">
+                            <a:latin typeface="Cambria Math" panose="02040503050406030204" pitchFamily="18" charset="0"/>
+                          </a:rPr>
+                          <m:t>𝜃</m:t>
+                        </m:r>
+                      </m:e>
+                    </m:nary>
+                  </m:oMath>
+                </a14:m>
+                <a:endParaRPr lang="en-US" sz="2400" dirty="0"/>
+              </a:p>
+              <a:p>
+                <a14:m>
+                  <m:oMath xmlns:m="http://schemas.openxmlformats.org/officeDocument/2006/math">
+                    <m:r>
+                      <a:rPr lang="en-US" sz="2400" b="0" i="1" smtClean="0">
+                        <a:latin typeface="Cambria Math" panose="02040503050406030204" pitchFamily="18" charset="0"/>
+                      </a:rPr>
+                      <m:t>𝑝</m:t>
+                    </m:r>
+                    <m:d>
+                      <m:dPr>
+                        <m:ctrlPr>
+                          <a:rPr lang="en-US" sz="2400" b="0" i="1" smtClean="0">
+                            <a:latin typeface="Cambria Math" panose="02040503050406030204" pitchFamily="18" charset="0"/>
+                          </a:rPr>
+                        </m:ctrlPr>
+                      </m:dPr>
+                      <m:e>
+                        <m:r>
+                          <a:rPr lang="en-US" sz="2400" b="0" i="1" smtClean="0">
+                            <a:latin typeface="Cambria Math" panose="02040503050406030204" pitchFamily="18" charset="0"/>
+                          </a:rPr>
+                          <m:t>𝜃</m:t>
+                        </m:r>
+                      </m:e>
+                      <m:e>
+                        <m:r>
+                          <a:rPr lang="en-US" sz="2400" b="0" i="1" smtClean="0">
+                            <a:latin typeface="Cambria Math" panose="02040503050406030204" pitchFamily="18" charset="0"/>
+                          </a:rPr>
+                          <m:t>𝑦</m:t>
+                        </m:r>
+                      </m:e>
+                    </m:d>
+                  </m:oMath>
+                </a14:m>
+                <a:r>
+                  <a:rPr lang="en-US" sz="2400" dirty="0"/>
+                  <a:t> is posterior distribution; use as the new prior;  𝑓(𝑧|𝜃) the likelihood of z given 𝜃.  MCMC: p is prior, f is likelihood</a:t>
+                </a:r>
+              </a:p>
+            </p:txBody>
+          </p:sp>
+        </mc:Choice>
+        <mc:Fallback>
+          <p:sp>
+            <p:nvSpPr>
+              <p:cNvPr id="5" name="TextBox 4">
+                <a:extLst>
+                  <a:ext uri="{FF2B5EF4-FFF2-40B4-BE49-F238E27FC236}">
+                    <a16:creationId xmlns:a16="http://schemas.microsoft.com/office/drawing/2014/main" id="{5507FF5A-73D7-4491-B9EC-5A6BF17CBC31}"/>
+                  </a:ext>
+                </a:extLst>
+              </p:cNvPr>
+              <p:cNvSpPr txBox="1">
+                <a:spLocks noRot="1" noChangeAspect="1" noMove="1" noResize="1" noEditPoints="1" noAdjustHandles="1" noChangeArrowheads="1" noChangeShapeType="1" noTextEdit="1"/>
+              </p:cNvSpPr>
+              <p:nvPr/>
+            </p:nvSpPr>
+            <p:spPr>
+              <a:xfrm>
+                <a:off x="838200" y="4298731"/>
+                <a:ext cx="7906407" cy="2070503"/>
+              </a:xfrm>
+              <a:prstGeom prst="rect">
+                <a:avLst/>
+              </a:prstGeom>
+              <a:blipFill>
+                <a:blip r:embed="rId2"/>
+                <a:stretch>
+                  <a:fillRect l="-1235" t="-2353" b="-5882"/>
+                </a:stretch>
+              </a:blipFill>
+            </p:spPr>
+            <p:txBody>
+              <a:bodyPr/>
+              <a:lstStyle/>
+              <a:p>
+                <a:r>
+                  <a:rPr lang="en-US">
+                    <a:noFill/>
+                  </a:rPr>
+                  <a:t> </a:t>
+                </a:r>
+              </a:p>
+            </p:txBody>
+          </p:sp>
+        </mc:Fallback>
+      </mc:AlternateContent>
       <p:sp>
         <p:nvSpPr>
           <p:cNvPr id="6" name="Slide Number Placeholder 5">
             <a:extLst>
               <a:ext uri="{FF2B5EF4-FFF2-40B4-BE49-F238E27FC236}">
                 <a16:creationId xmlns:a16="http://schemas.microsoft.com/office/drawing/2014/main" id="{74EE33F8-1CE8-4E49-477C-F962E37E5232}"/>
+              </a:ext>
+            </a:extLst>
+          </p:cNvPr>
+          <p:cNvSpPr>
+            <a:spLocks noGrp="1"/>
+          </p:cNvSpPr>
+          <p:nvPr>
+            <p:ph type="sldNum" sz="quarter" idx="12"/>
+          </p:nvPr>
+        </p:nvSpPr>
+        <p:spPr/>
+        <p:txBody>
+          <a:bodyPr/>
+          <a:lstStyle/>
+          <a:p>
+            <a:fld id="{EFD40CC3-C2EA-4AEA-91B8-E5D94FBABE70}" type="slidenum">
+              <a:rPr lang="en-US" smtClean="0"/>
+              <a:t>7</a:t>
+            </a:fld>
+            <a:endParaRPr lang="en-US"/>
+          </a:p>
+        </p:txBody>
+      </p:sp>
+    </p:spTree>
+    <p:extLst>
+      <p:ext uri="{BB962C8B-B14F-4D97-AF65-F5344CB8AC3E}">
+        <p14:creationId xmlns:p14="http://schemas.microsoft.com/office/powerpoint/2010/main" val="2017787550"/>
+      </p:ext>
+    </p:extLst>
+  </p:cSld>
+  <p:clrMapOvr>
+    <a:masterClrMapping/>
+  </p:clrMapOvr>
+</p:sld>
+</file>
+
+<file path=ppt/slides/slide8.xml><?xml version="1.0" encoding="utf-8"?>
+<p:sld xmlns:a="http://schemas.openxmlformats.org/drawingml/2006/main" xmlns:r="http://schemas.openxmlformats.org/officeDocument/2006/relationships" xmlns:p="http://schemas.openxmlformats.org/presentationml/2006/main">
+  <p:cSld>
+    <p:spTree>
+      <p:nvGrpSpPr>
+        <p:cNvPr id="1" name=""/>
+        <p:cNvGrpSpPr/>
+        <p:nvPr/>
+      </p:nvGrpSpPr>
+      <p:grpSpPr>
+        <a:xfrm>
+          <a:off x="0" y="0"/>
+          <a:ext cx="0" cy="0"/>
+          <a:chOff x="0" y="0"/>
+          <a:chExt cx="0" cy="0"/>
+        </a:xfrm>
+      </p:grpSpPr>
+      <p:sp>
+        <p:nvSpPr>
+          <p:cNvPr id="2" name="Title 1">
+            <a:extLst>
+              <a:ext uri="{FF2B5EF4-FFF2-40B4-BE49-F238E27FC236}">
+                <a16:creationId xmlns:a16="http://schemas.microsoft.com/office/drawing/2014/main" id="{F66F87DB-4ABF-9B54-4B9A-D1BB570E0C10}"/>
+              </a:ext>
+            </a:extLst>
+          </p:cNvPr>
+          <p:cNvSpPr>
+            <a:spLocks noGrp="1"/>
+          </p:cNvSpPr>
+          <p:nvPr>
+            <p:ph type="title"/>
+          </p:nvPr>
+        </p:nvSpPr>
+        <p:spPr/>
+        <p:txBody>
+          <a:bodyPr/>
+          <a:lstStyle/>
+          <a:p>
+            <a:r>
+              <a:rPr lang="en-US" dirty="0"/>
+              <a:t>A few details on the approach</a:t>
+            </a:r>
+          </a:p>
+        </p:txBody>
+      </p:sp>
+      <mc:AlternateContent xmlns:mc="http://schemas.openxmlformats.org/markup-compatibility/2006">
+        <mc:Choice xmlns:a14="http://schemas.microsoft.com/office/drawing/2010/main" Requires="a14">
+          <p:sp>
+            <p:nvSpPr>
+              <p:cNvPr id="3" name="Content Placeholder 2">
+                <a:extLst>
+                  <a:ext uri="{FF2B5EF4-FFF2-40B4-BE49-F238E27FC236}">
+                    <a16:creationId xmlns:a16="http://schemas.microsoft.com/office/drawing/2014/main" id="{A9FEFE70-F9A8-FDFC-775E-09FCB6B9B90F}"/>
+                  </a:ext>
+                </a:extLst>
+              </p:cNvPr>
+              <p:cNvSpPr>
+                <a:spLocks noGrp="1"/>
+              </p:cNvSpPr>
+              <p:nvPr>
+                <p:ph idx="1"/>
+              </p:nvPr>
+            </p:nvSpPr>
+            <p:spPr/>
+            <p:txBody>
+              <a:bodyPr>
+                <a:normAutofit fontScale="92500"/>
+              </a:bodyPr>
+              <a:lstStyle/>
+              <a:p>
+                <a:r>
+                  <a:rPr lang="en-US" dirty="0"/>
+                  <a:t>We have a posterior distribution for </a:t>
+                </a:r>
+                <a14:m>
+                  <m:oMath xmlns:m="http://schemas.openxmlformats.org/officeDocument/2006/math">
+                    <m:r>
+                      <a:rPr lang="en-US" sz="2800" b="0" i="1" smtClean="0">
+                        <a:latin typeface="Cambria Math" panose="02040503050406030204" pitchFamily="18" charset="0"/>
+                      </a:rPr>
+                      <m:t>𝜃</m:t>
+                    </m:r>
+                    <m:r>
+                      <a:rPr lang="en-US" sz="2800" b="0" i="1" smtClean="0">
+                        <a:latin typeface="Cambria Math" panose="02040503050406030204" pitchFamily="18" charset="0"/>
+                      </a:rPr>
+                      <m:t>,</m:t>
+                    </m:r>
+                  </m:oMath>
+                </a14:m>
+                <a:r>
+                  <a:rPr lang="en-US" dirty="0"/>
+                  <a:t> use this distribution to estimate the number of successes we expect in a proposed program for 13 new designs. </a:t>
+                </a:r>
+              </a:p>
+              <a:p>
+                <a:r>
+                  <a:rPr lang="en-US" dirty="0"/>
+                  <a:t>Well!   Let’s use that posterior </a:t>
+                </a:r>
+                <a14:m>
+                  <m:oMath xmlns:m="http://schemas.openxmlformats.org/officeDocument/2006/math">
+                    <m:r>
+                      <a:rPr lang="en-US" i="1" dirty="0" smtClean="0">
+                        <a:latin typeface="Cambria Math" panose="02040503050406030204" pitchFamily="18" charset="0"/>
+                      </a:rPr>
+                      <m:t>𝜃</m:t>
+                    </m:r>
+                  </m:oMath>
+                </a14:m>
+                <a:r>
+                  <a:rPr lang="en-US" dirty="0"/>
+                  <a:t>- er… what value of </a:t>
+                </a:r>
+                <a14:m>
+                  <m:oMath xmlns:m="http://schemas.openxmlformats.org/officeDocument/2006/math">
+                    <m:r>
+                      <a:rPr lang="en-US" i="1" dirty="0" smtClean="0">
+                        <a:latin typeface="Cambria Math" panose="02040503050406030204" pitchFamily="18" charset="0"/>
+                      </a:rPr>
+                      <m:t>𝜃</m:t>
+                    </m:r>
+                  </m:oMath>
+                </a14:m>
+                <a:r>
+                  <a:rPr lang="en-US" dirty="0"/>
+                  <a:t>?  We have a  distribution. </a:t>
+                </a:r>
+              </a:p>
+              <a:p>
+                <a:pPr lvl="1"/>
+                <a:r>
+                  <a:rPr lang="en-US" dirty="0"/>
+                  <a:t>Don’t take the mean or median of the posterior for 𝜃, that ignores uncertainty in </a:t>
+                </a:r>
+                <a14:m>
+                  <m:oMath xmlns:m="http://schemas.openxmlformats.org/officeDocument/2006/math">
+                    <m:r>
+                      <a:rPr lang="en-US" i="1" dirty="0" smtClean="0">
+                        <a:latin typeface="Cambria Math" panose="02040503050406030204" pitchFamily="18" charset="0"/>
+                      </a:rPr>
+                      <m:t>𝜃</m:t>
+                    </m:r>
+                  </m:oMath>
+                </a14:m>
+                <a:endParaRPr lang="en-US" dirty="0"/>
+              </a:p>
+              <a:p>
+                <a:pPr lvl="1"/>
+                <a:r>
+                  <a:rPr lang="en-US" dirty="0"/>
+                  <a:t>Use the equation on the previous slide (the distribution p(</a:t>
+                </a:r>
+                <a14:m>
+                  <m:oMath xmlns:m="http://schemas.openxmlformats.org/officeDocument/2006/math">
+                    <m:r>
+                      <a:rPr lang="en-US" i="1" dirty="0" smtClean="0">
+                        <a:latin typeface="Cambria Math" panose="02040503050406030204" pitchFamily="18" charset="0"/>
+                      </a:rPr>
+                      <m:t>𝜃</m:t>
+                    </m:r>
+                  </m:oMath>
+                </a14:m>
+                <a:r>
+                  <a:rPr lang="en-US" dirty="0"/>
+                  <a:t>|y)) as prior information!</a:t>
+                </a:r>
+              </a:p>
+              <a:p>
+                <a:pPr lvl="1"/>
+                <a:r>
+                  <a:rPr lang="en-US" dirty="0"/>
+                  <a:t>p(</a:t>
+                </a:r>
+                <a14:m>
+                  <m:oMath xmlns:m="http://schemas.openxmlformats.org/officeDocument/2006/math">
+                    <m:r>
+                      <a:rPr lang="en-US" i="1" dirty="0" smtClean="0">
+                        <a:latin typeface="Cambria Math" panose="02040503050406030204" pitchFamily="18" charset="0"/>
+                      </a:rPr>
+                      <m:t>𝜃</m:t>
+                    </m:r>
+                  </m:oMath>
+                </a14:m>
+                <a:r>
+                  <a:rPr lang="en-US" dirty="0"/>
+                  <a:t>|y) is a distribution, but we don’t have it in closed form. </a:t>
+                </a:r>
+              </a:p>
+              <a:p>
+                <a:pPr lvl="1"/>
+                <a:r>
+                  <a:rPr lang="en-US" dirty="0"/>
+                  <a:t>It is unimodal, approximately symmetric; normal distribution to the rescue (BTW this is known as quadratic approximation in the literature)  </a:t>
+                </a:r>
+              </a:p>
+              <a:p>
+                <a:r>
+                  <a:rPr lang="en-US" dirty="0"/>
+                  <a:t>Get posterior predictions for p and for number of success in 13 trials</a:t>
+                </a:r>
+              </a:p>
+              <a:p>
+                <a:endParaRPr lang="en-US" dirty="0"/>
+              </a:p>
+            </p:txBody>
+          </p:sp>
+        </mc:Choice>
+        <mc:Fallback>
+          <p:sp>
+            <p:nvSpPr>
+              <p:cNvPr id="3" name="Content Placeholder 2">
+                <a:extLst>
+                  <a:ext uri="{FF2B5EF4-FFF2-40B4-BE49-F238E27FC236}">
+                    <a16:creationId xmlns:a16="http://schemas.microsoft.com/office/drawing/2014/main" id="{A9FEFE70-F9A8-FDFC-775E-09FCB6B9B90F}"/>
+                  </a:ext>
+                </a:extLst>
+              </p:cNvPr>
+              <p:cNvSpPr>
+                <a:spLocks noGrp="1" noRot="1" noChangeAspect="1" noMove="1" noResize="1" noEditPoints="1" noAdjustHandles="1" noChangeArrowheads="1" noChangeShapeType="1" noTextEdit="1"/>
+              </p:cNvSpPr>
+              <p:nvPr>
+                <p:ph idx="1"/>
+              </p:nvPr>
+            </p:nvSpPr>
+            <p:spPr>
+              <a:blipFill>
+                <a:blip r:embed="rId2"/>
+                <a:stretch>
+                  <a:fillRect l="-928" t="-2101" r="-812"/>
+                </a:stretch>
+              </a:blipFill>
+            </p:spPr>
+            <p:txBody>
+              <a:bodyPr/>
+              <a:lstStyle/>
+              <a:p>
+                <a:r>
+                  <a:rPr lang="en-US">
+                    <a:noFill/>
+                  </a:rPr>
+                  <a:t> </a:t>
+                </a:r>
+              </a:p>
+            </p:txBody>
+          </p:sp>
+        </mc:Fallback>
+      </mc:AlternateContent>
+      <p:sp>
+        <p:nvSpPr>
+          <p:cNvPr id="4" name="Slide Number Placeholder 3">
+            <a:extLst>
+              <a:ext uri="{FF2B5EF4-FFF2-40B4-BE49-F238E27FC236}">
+                <a16:creationId xmlns:a16="http://schemas.microsoft.com/office/drawing/2014/main" id="{D61417F1-09BB-6449-0DB9-0D8B32D3449C}"/>
+              </a:ext>
+            </a:extLst>
+          </p:cNvPr>
+          <p:cNvSpPr>
+            <a:spLocks noGrp="1"/>
+          </p:cNvSpPr>
+          <p:nvPr>
+            <p:ph type="sldNum" sz="quarter" idx="12"/>
+          </p:nvPr>
+        </p:nvSpPr>
+        <p:spPr/>
+        <p:txBody>
+          <a:bodyPr/>
+          <a:lstStyle/>
+          <a:p>
+            <a:fld id="{EFD40CC3-C2EA-4AEA-91B8-E5D94FBABE70}" type="slidenum">
+              <a:rPr lang="en-US" smtClean="0"/>
+              <a:t>8</a:t>
+            </a:fld>
+            <a:endParaRPr lang="en-US"/>
+          </a:p>
+        </p:txBody>
+      </p:sp>
+    </p:spTree>
+    <p:extLst>
+      <p:ext uri="{BB962C8B-B14F-4D97-AF65-F5344CB8AC3E}">
+        <p14:creationId xmlns:p14="http://schemas.microsoft.com/office/powerpoint/2010/main" val="1554954408"/>
+      </p:ext>
+    </p:extLst>
+  </p:cSld>
+  <p:clrMapOvr>
+    <a:masterClrMapping/>
+  </p:clrMapOvr>
+</p:sld>
+</file>
+
+<file path=ppt/slides/slide9.xml><?xml version="1.0" encoding="utf-8"?>
+<p:sld xmlns:a="http://schemas.openxmlformats.org/drawingml/2006/main" xmlns:r="http://schemas.openxmlformats.org/officeDocument/2006/relationships" xmlns:p="http://schemas.openxmlformats.org/presentationml/2006/main">
+  <p:cSld>
+    <p:spTree>
+      <p:nvGrpSpPr>
+        <p:cNvPr id="1" name=""/>
+        <p:cNvGrpSpPr/>
+        <p:nvPr/>
+      </p:nvGrpSpPr>
+      <p:grpSpPr>
+        <a:xfrm>
+          <a:off x="0" y="0"/>
+          <a:ext cx="0" cy="0"/>
+          <a:chOff x="0" y="0"/>
+          <a:chExt cx="0" cy="0"/>
+        </a:xfrm>
+      </p:grpSpPr>
+      <p:sp>
+        <p:nvSpPr>
+          <p:cNvPr id="2" name="Title 1">
+            <a:extLst>
+              <a:ext uri="{FF2B5EF4-FFF2-40B4-BE49-F238E27FC236}">
+                <a16:creationId xmlns:a16="http://schemas.microsoft.com/office/drawing/2014/main" id="{82CE4DFD-E37B-CD6C-71D3-757C257B44EC}"/>
+              </a:ext>
+            </a:extLst>
+          </p:cNvPr>
+          <p:cNvSpPr>
+            <a:spLocks noGrp="1"/>
+          </p:cNvSpPr>
+          <p:nvPr>
+            <p:ph type="title"/>
+          </p:nvPr>
+        </p:nvSpPr>
+        <p:spPr/>
+        <p:txBody>
+          <a:bodyPr/>
+          <a:lstStyle/>
+          <a:p>
+            <a:r>
+              <a:rPr lang="en-US" dirty="0"/>
+              <a:t>Steps for using </a:t>
+            </a:r>
+            <a:r>
+              <a:rPr lang="en-US" dirty="0" err="1"/>
+              <a:t>rjags</a:t>
+            </a:r>
+            <a:endParaRPr lang="en-US" dirty="0"/>
+          </a:p>
+        </p:txBody>
+      </p:sp>
+      <p:sp>
+        <p:nvSpPr>
+          <p:cNvPr id="3" name="Content Placeholder 2">
+            <a:extLst>
+              <a:ext uri="{FF2B5EF4-FFF2-40B4-BE49-F238E27FC236}">
+                <a16:creationId xmlns:a16="http://schemas.microsoft.com/office/drawing/2014/main" id="{20EC6FE5-8B3F-6211-37A7-FC7EA537C966}"/>
+              </a:ext>
+            </a:extLst>
+          </p:cNvPr>
+          <p:cNvSpPr>
+            <a:spLocks noGrp="1"/>
+          </p:cNvSpPr>
+          <p:nvPr>
+            <p:ph idx="1"/>
+          </p:nvPr>
+        </p:nvSpPr>
+        <p:spPr/>
+        <p:txBody>
+          <a:bodyPr/>
+          <a:lstStyle/>
+          <a:p>
+            <a:pPr marL="514350" indent="-514350">
+              <a:buFont typeface="+mj-lt"/>
+              <a:buAutoNum type="arabicPeriod"/>
+            </a:pPr>
+            <a:r>
+              <a:rPr lang="en-US" dirty="0"/>
+              <a:t>Define the analysis model simplest case..</a:t>
+            </a:r>
+          </a:p>
+          <a:p>
+            <a:pPr marL="457200" lvl="1" indent="0">
+              <a:buNone/>
+            </a:pPr>
+            <a:r>
+              <a:rPr lang="en-US" dirty="0" err="1"/>
+              <a:t>postPredModelSuccess_code</a:t>
+            </a:r>
+            <a:r>
+              <a:rPr lang="en-US" dirty="0"/>
+              <a:t> &lt;-  “</a:t>
+            </a:r>
+          </a:p>
+          <a:p>
+            <a:pPr marL="457200" lvl="1" indent="0">
+              <a:buNone/>
+            </a:pPr>
+            <a:r>
+              <a:rPr lang="en-US" dirty="0"/>
+              <a:t>    model {   </a:t>
+            </a:r>
+          </a:p>
+          <a:p>
+            <a:pPr marL="457200" lvl="1" indent="0">
+              <a:buNone/>
+            </a:pPr>
+            <a:r>
+              <a:rPr lang="en-US" dirty="0"/>
+              <a:t>    # likelihood   </a:t>
+            </a:r>
+          </a:p>
+          <a:p>
+            <a:pPr marL="457200" lvl="1" indent="0">
+              <a:buNone/>
+            </a:pPr>
+            <a:r>
+              <a:rPr lang="en-US" dirty="0"/>
+              <a:t>    successes ~ </a:t>
+            </a:r>
+            <a:r>
+              <a:rPr lang="en-US" dirty="0" err="1"/>
+              <a:t>dbin</a:t>
+            </a:r>
+            <a:r>
+              <a:rPr lang="en-US" dirty="0"/>
+              <a:t>(p, trials)    </a:t>
+            </a:r>
+          </a:p>
+          <a:p>
+            <a:pPr marL="457200" lvl="1" indent="0">
+              <a:buNone/>
+            </a:pPr>
+            <a:r>
+              <a:rPr lang="en-US" dirty="0"/>
+              <a:t>  </a:t>
+            </a:r>
+          </a:p>
+          <a:p>
+            <a:pPr marL="457200" lvl="1" indent="0">
+              <a:buNone/>
+            </a:pPr>
+            <a:r>
+              <a:rPr lang="en-US" dirty="0"/>
+              <a:t>    # prior   </a:t>
+            </a:r>
+          </a:p>
+          <a:p>
+            <a:pPr marL="457200" lvl="1" indent="0">
+              <a:buNone/>
+            </a:pPr>
+            <a:r>
+              <a:rPr lang="en-US" dirty="0"/>
+              <a:t>    x ~ </a:t>
+            </a:r>
+            <a:r>
+              <a:rPr lang="en-US" dirty="0" err="1"/>
+              <a:t>dexp</a:t>
+            </a:r>
+            <a:r>
+              <a:rPr lang="en-US" dirty="0"/>
+              <a:t>(0.1)</a:t>
+            </a:r>
+          </a:p>
+          <a:p>
+            <a:pPr marL="457200" lvl="1" indent="0">
+              <a:buNone/>
+            </a:pPr>
+            <a:r>
+              <a:rPr lang="en-US" dirty="0"/>
+              <a:t>    p &lt;- </a:t>
+            </a:r>
+            <a:r>
+              <a:rPr lang="en-US" dirty="0" err="1"/>
+              <a:t>ilogit</a:t>
+            </a:r>
+            <a:r>
+              <a:rPr lang="en-US" dirty="0"/>
+              <a:t>(x)  </a:t>
+            </a:r>
+          </a:p>
+          <a:p>
+            <a:pPr marL="457200" lvl="1" indent="0">
+              <a:buNone/>
+            </a:pPr>
+            <a:r>
+              <a:rPr lang="en-US" dirty="0"/>
+              <a:t>  }"</a:t>
+            </a:r>
+          </a:p>
+        </p:txBody>
+      </p:sp>
+      <p:sp>
+        <p:nvSpPr>
+          <p:cNvPr id="4" name="Slide Number Placeholder 3">
+            <a:extLst>
+              <a:ext uri="{FF2B5EF4-FFF2-40B4-BE49-F238E27FC236}">
+                <a16:creationId xmlns:a16="http://schemas.microsoft.com/office/drawing/2014/main" id="{AD15A715-9A56-6BE6-0F81-38A835584625}"/>
               </a:ext>
             </a:extLst>
           </p:cNvPr>
@@ -8696,7 +10633,7 @@
     </p:spTree>
     <p:extLst>
       <p:ext uri="{BB962C8B-B14F-4D97-AF65-F5344CB8AC3E}">
-        <p14:creationId xmlns:p14="http://schemas.microsoft.com/office/powerpoint/2010/main" val="2017787550"/>
+        <p14:creationId xmlns:p14="http://schemas.microsoft.com/office/powerpoint/2010/main" val="3820675381"/>
       </p:ext>
     </p:extLst>
   </p:cSld>

--- a/HamadaEx1.pptx
+++ b/HamadaEx1.pptx
@@ -224,7 +224,7 @@
           <a:p>
             <a:fld id="{ADA4B69A-3117-4C50-8B93-EB2FBF224EDC}" type="datetimeFigureOut">
               <a:rPr lang="en-US" smtClean="0"/>
-              <a:t>10/9/2023</a:t>
+              <a:t>10/11/2023</a:t>
             </a:fld>
             <a:endParaRPr lang="en-US"/>
           </a:p>
@@ -638,7 +638,7 @@
           <a:p>
             <a:fld id="{8E7BCC55-837A-4F66-809E-A4B5352C019E}" type="datetime1">
               <a:rPr lang="en-US" smtClean="0"/>
-              <a:t>10/9/2023</a:t>
+              <a:t>10/11/2023</a:t>
             </a:fld>
             <a:endParaRPr lang="en-US"/>
           </a:p>
@@ -836,7 +836,7 @@
           <a:p>
             <a:fld id="{CBA9F315-0859-4769-8ABF-D13377949215}" type="datetime1">
               <a:rPr lang="en-US" smtClean="0"/>
-              <a:t>10/9/2023</a:t>
+              <a:t>10/11/2023</a:t>
             </a:fld>
             <a:endParaRPr lang="en-US"/>
           </a:p>
@@ -1044,7 +1044,7 @@
           <a:p>
             <a:fld id="{48672B69-3B15-4329-95AF-BF8C30AEB268}" type="datetime1">
               <a:rPr lang="en-US" smtClean="0"/>
-              <a:t>10/9/2023</a:t>
+              <a:t>10/11/2023</a:t>
             </a:fld>
             <a:endParaRPr lang="en-US"/>
           </a:p>
@@ -1242,7 +1242,7 @@
           <a:p>
             <a:fld id="{B3616445-8F31-4B8A-BD7F-7ECB4693829F}" type="datetime1">
               <a:rPr lang="en-US" smtClean="0"/>
-              <a:t>10/9/2023</a:t>
+              <a:t>10/11/2023</a:t>
             </a:fld>
             <a:endParaRPr lang="en-US"/>
           </a:p>
@@ -1517,7 +1517,7 @@
           <a:p>
             <a:fld id="{8F21CCFC-76C7-46D3-9306-CD809372D843}" type="datetime1">
               <a:rPr lang="en-US" smtClean="0"/>
-              <a:t>10/9/2023</a:t>
+              <a:t>10/11/2023</a:t>
             </a:fld>
             <a:endParaRPr lang="en-US"/>
           </a:p>
@@ -1782,7 +1782,7 @@
           <a:p>
             <a:fld id="{ABDA566B-7CCD-4627-89A6-BA3A42933652}" type="datetime1">
               <a:rPr lang="en-US" smtClean="0"/>
-              <a:t>10/9/2023</a:t>
+              <a:t>10/11/2023</a:t>
             </a:fld>
             <a:endParaRPr lang="en-US"/>
           </a:p>
@@ -2194,7 +2194,7 @@
           <a:p>
             <a:fld id="{3C8B2286-B425-492F-B5A9-3F20E75B2F1E}" type="datetime1">
               <a:rPr lang="en-US" smtClean="0"/>
-              <a:t>10/9/2023</a:t>
+              <a:t>10/11/2023</a:t>
             </a:fld>
             <a:endParaRPr lang="en-US"/>
           </a:p>
@@ -2335,7 +2335,7 @@
           <a:p>
             <a:fld id="{E6075C2F-D1B5-4046-850C-0F6D7E5182DA}" type="datetime1">
               <a:rPr lang="en-US" smtClean="0"/>
-              <a:t>10/9/2023</a:t>
+              <a:t>10/11/2023</a:t>
             </a:fld>
             <a:endParaRPr lang="en-US"/>
           </a:p>
@@ -2448,7 +2448,7 @@
           <a:p>
             <a:fld id="{3C3095BD-FB58-4355-A58B-8FD05223EBA2}" type="datetime1">
               <a:rPr lang="en-US" smtClean="0"/>
-              <a:t>10/9/2023</a:t>
+              <a:t>10/11/2023</a:t>
             </a:fld>
             <a:endParaRPr lang="en-US"/>
           </a:p>
@@ -2759,7 +2759,7 @@
           <a:p>
             <a:fld id="{1B721753-A3CE-44C2-A1E3-703BA6E3D52A}" type="datetime1">
               <a:rPr lang="en-US" smtClean="0"/>
-              <a:t>10/9/2023</a:t>
+              <a:t>10/11/2023</a:t>
             </a:fld>
             <a:endParaRPr lang="en-US"/>
           </a:p>
@@ -3047,7 +3047,7 @@
           <a:p>
             <a:fld id="{3D3C524D-7C44-4C64-9B89-7E52E78E55C1}" type="datetime1">
               <a:rPr lang="en-US" smtClean="0"/>
-              <a:t>10/9/2023</a:t>
+              <a:t>10/11/2023</a:t>
             </a:fld>
             <a:endParaRPr lang="en-US"/>
           </a:p>
@@ -3288,7 +3288,7 @@
           <a:p>
             <a:fld id="{39F0EBB0-B260-42C3-B63A-FD9F04344527}" type="datetime1">
               <a:rPr lang="en-US" smtClean="0"/>
-              <a:t>10/9/2023</a:t>
+              <a:t>10/11/2023</a:t>
             </a:fld>
             <a:endParaRPr lang="en-US"/>
           </a:p>
@@ -4177,7 +4177,7 @@
             </a:r>
             <a:r>
               <a:rPr lang="en-US" dirty="0"/>
-              <a:t> video</a:t>
+              <a:t> video)</a:t>
             </a:r>
           </a:p>
           <a:p>
@@ -4203,7 +4203,7 @@
             </a:r>
             <a:r>
               <a:rPr lang="en-US" dirty="0"/>
-              <a:t> &lt;- 1000</a:t>
+              <a:t> &lt;- 2000</a:t>
             </a:r>
           </a:p>
           <a:p>
@@ -4914,12 +4914,17 @@
         </p:nvSpPr>
         <p:spPr/>
         <p:txBody>
-          <a:bodyPr/>
-          <a:lstStyle/>
-          <a:p>
-            <a:r>
-              <a:rPr lang="en-US" dirty="0"/>
-              <a:t>Create data list, initialize, run the model</a:t>
+          <a:bodyPr>
+            <a:normAutofit fontScale="90000"/>
+          </a:bodyPr>
+          <a:lstStyle/>
+          <a:p>
+            <a:br>
+              <a:rPr lang="en-US" dirty="0"/>
+            </a:br>
+            <a:r>
+              <a:rPr lang="en-US" dirty="0"/>
+              <a:t>R code: create data list, initialize, run the model</a:t>
             </a:r>
           </a:p>
         </p:txBody>
@@ -5935,8 +5940,8 @@
         </p:blipFill>
         <p:spPr>
           <a:xfrm>
-            <a:off x="1531088" y="1798970"/>
-            <a:ext cx="8102009" cy="4557380"/>
+            <a:off x="347062" y="1569919"/>
+            <a:ext cx="7871705" cy="4557380"/>
           </a:xfrm>
           <a:prstGeom prst="rect">
             <a:avLst/>
@@ -5972,6 +5977,241 @@
           </a:p>
         </p:txBody>
       </p:sp>
+      <mc:AlternateContent xmlns:mc="http://schemas.openxmlformats.org/markup-compatibility/2006" xmlns:a14="http://schemas.microsoft.com/office/drawing/2010/main">
+        <mc:Choice Requires="a14">
+          <p:sp>
+            <p:nvSpPr>
+              <p:cNvPr id="3" name="TextBox 2">
+                <a:extLst>
+                  <a:ext uri="{FF2B5EF4-FFF2-40B4-BE49-F238E27FC236}">
+                    <a16:creationId xmlns:a16="http://schemas.microsoft.com/office/drawing/2014/main" id="{6F563E9C-02E3-0509-1A74-A83D1F7B31D1}"/>
+                  </a:ext>
+                </a:extLst>
+              </p:cNvPr>
+              <p:cNvSpPr txBox="1"/>
+              <p:nvPr/>
+            </p:nvSpPr>
+            <p:spPr>
+              <a:xfrm>
+                <a:off x="7530860" y="1906437"/>
+                <a:ext cx="3950899" cy="1228606"/>
+              </a:xfrm>
+              <a:prstGeom prst="rect">
+                <a:avLst/>
+              </a:prstGeom>
+              <a:noFill/>
+            </p:spPr>
+            <p:txBody>
+              <a:bodyPr wrap="square" rtlCol="0">
+                <a:spAutoFit/>
+              </a:bodyPr>
+              <a:lstStyle/>
+              <a:p>
+                <a:r>
+                  <a:rPr lang="en-US" sz="2200" dirty="0"/>
+                  <a:t>Need the integral</a:t>
+                </a:r>
+                <a:r>
+                  <a:rPr lang="en-US" dirty="0"/>
+                  <a:t>:</a:t>
+                </a:r>
+              </a:p>
+              <a:p>
+                <a:r>
+                  <a:rPr lang="en-US" dirty="0"/>
+                  <a:t> </a:t>
+                </a:r>
+                <a:r>
+                  <a:rPr lang="en-US" sz="2200" dirty="0"/>
+                  <a:t>p(z|y) = </a:t>
+                </a:r>
+                <a14:m>
+                  <m:oMath xmlns:m="http://schemas.openxmlformats.org/officeDocument/2006/math">
+                    <m:nary>
+                      <m:naryPr>
+                        <m:limLoc m:val="undOvr"/>
+                        <m:ctrlPr>
+                          <a:rPr lang="en-US" sz="2200" i="1" dirty="0" smtClean="0">
+                            <a:latin typeface="Cambria Math" panose="02040503050406030204" pitchFamily="18" charset="0"/>
+                          </a:rPr>
+                        </m:ctrlPr>
+                      </m:naryPr>
+                      <m:sub>
+                        <m:r>
+                          <m:rPr>
+                            <m:brk m:alnAt="24"/>
+                          </m:rPr>
+                          <a:rPr lang="en-US" sz="2200" b="0" i="1" dirty="0" smtClean="0">
+                            <a:latin typeface="Cambria Math" panose="02040503050406030204" pitchFamily="18" charset="0"/>
+                          </a:rPr>
+                          <m:t>0</m:t>
+                        </m:r>
+                      </m:sub>
+                      <m:sup>
+                        <m:r>
+                          <a:rPr lang="en-US" sz="2200" b="0" i="1" dirty="0" smtClean="0">
+                            <a:latin typeface="Cambria Math" panose="02040503050406030204" pitchFamily="18" charset="0"/>
+                          </a:rPr>
+                          <m:t>1</m:t>
+                        </m:r>
+                      </m:sup>
+                      <m:e>
+                        <m:r>
+                          <a:rPr lang="en-US" sz="2200" i="1" dirty="0">
+                            <a:latin typeface="Cambria Math" panose="02040503050406030204" pitchFamily="18" charset="0"/>
+                          </a:rPr>
+                          <m:t>〖</m:t>
+                        </m:r>
+                        <m:r>
+                          <a:rPr lang="en-US" sz="2200" i="1" dirty="0">
+                            <a:latin typeface="Cambria Math" panose="02040503050406030204" pitchFamily="18" charset="0"/>
+                          </a:rPr>
+                          <m:t>𝑓</m:t>
+                        </m:r>
+                        <m:r>
+                          <a:rPr lang="en-US" sz="2200" i="1" dirty="0">
+                            <a:latin typeface="Cambria Math" panose="02040503050406030204" pitchFamily="18" charset="0"/>
+                          </a:rPr>
+                          <m:t>(</m:t>
+                        </m:r>
+                        <m:r>
+                          <a:rPr lang="en-US" sz="2200" i="1" dirty="0">
+                            <a:latin typeface="Cambria Math" panose="02040503050406030204" pitchFamily="18" charset="0"/>
+                          </a:rPr>
+                          <m:t>𝑧</m:t>
+                        </m:r>
+                        <m:r>
+                          <a:rPr lang="en-US" sz="2200" i="1" dirty="0" smtClean="0">
+                            <a:latin typeface="Cambria Math" panose="02040503050406030204" pitchFamily="18" charset="0"/>
+                          </a:rPr>
+                          <m:t>|</m:t>
+                        </m:r>
+                        <m:r>
+                          <a:rPr lang="en-US" sz="2200" i="1" dirty="0" smtClean="0">
+                            <a:latin typeface="Cambria Math" panose="02040503050406030204" pitchFamily="18" charset="0"/>
+                          </a:rPr>
+                          <m:t>𝜃</m:t>
+                        </m:r>
+                        <m:r>
+                          <a:rPr lang="en-US" sz="2200" i="1" dirty="0" smtClean="0">
+                            <a:latin typeface="Cambria Math" panose="02040503050406030204" pitchFamily="18" charset="0"/>
+                          </a:rPr>
+                          <m:t>)</m:t>
+                        </m:r>
+                        <m:r>
+                          <a:rPr lang="en-US" sz="2200" i="1" dirty="0">
+                            <a:latin typeface="Cambria Math" panose="02040503050406030204" pitchFamily="18" charset="0"/>
+                          </a:rPr>
+                          <m:t>𝑝</m:t>
+                        </m:r>
+                        <m:r>
+                          <a:rPr lang="en-US" sz="2200" i="1" dirty="0">
+                            <a:latin typeface="Cambria Math" panose="02040503050406030204" pitchFamily="18" charset="0"/>
+                          </a:rPr>
+                          <m:t>(</m:t>
+                        </m:r>
+                        <m:r>
+                          <a:rPr lang="en-US" sz="2200" i="1" dirty="0">
+                            <a:latin typeface="Cambria Math" panose="02040503050406030204" pitchFamily="18" charset="0"/>
+                          </a:rPr>
+                          <m:t>𝜃</m:t>
+                        </m:r>
+                        <m:r>
+                          <a:rPr lang="en-US" sz="2200" i="1" dirty="0">
+                            <a:latin typeface="Cambria Math" panose="02040503050406030204" pitchFamily="18" charset="0"/>
+                          </a:rPr>
+                          <m:t>│</m:t>
+                        </m:r>
+                        <m:r>
+                          <a:rPr lang="en-US" sz="2200" i="1" dirty="0">
+                            <a:latin typeface="Cambria Math" panose="02040503050406030204" pitchFamily="18" charset="0"/>
+                          </a:rPr>
+                          <m:t>𝑦</m:t>
+                        </m:r>
+                        <m:r>
+                          <a:rPr lang="en-US" sz="2200" i="1" dirty="0">
+                            <a:latin typeface="Cambria Math" panose="02040503050406030204" pitchFamily="18" charset="0"/>
+                          </a:rPr>
+                          <m:t>)</m:t>
+                        </m:r>
+                        <m:r>
+                          <a:rPr lang="en-US" sz="2200" i="1" dirty="0">
+                            <a:latin typeface="Cambria Math" panose="02040503050406030204" pitchFamily="18" charset="0"/>
+                          </a:rPr>
+                          <m:t>𝑑</m:t>
+                        </m:r>
+                        <m:r>
+                          <a:rPr lang="en-US" sz="2200" i="1" dirty="0">
+                            <a:latin typeface="Cambria Math" panose="02040503050406030204" pitchFamily="18" charset="0"/>
+                          </a:rPr>
+                          <m:t>𝜃</m:t>
+                        </m:r>
+                        <m:r>
+                          <a:rPr lang="en-US" sz="2200" i="1" dirty="0">
+                            <a:latin typeface="Cambria Math" panose="02040503050406030204" pitchFamily="18" charset="0"/>
+                          </a:rPr>
+                          <m:t>〗</m:t>
+                        </m:r>
+                      </m:e>
+                    </m:nary>
+                  </m:oMath>
+                </a14:m>
+                <a:endParaRPr lang="en-US" sz="2200" dirty="0"/>
+              </a:p>
+              <a:p>
+                <a:r>
+                  <a:rPr lang="en-US" sz="2200" dirty="0"/>
+                  <a:t>𝑝(𝜃│𝑦) the posterior of 𝜃│𝑦</a:t>
+                </a:r>
+              </a:p>
+            </p:txBody>
+          </p:sp>
+        </mc:Choice>
+        <mc:Fallback xmlns="">
+          <p:sp>
+            <p:nvSpPr>
+              <p:cNvPr id="3" name="TextBox 2">
+                <a:extLst>
+                  <a:ext uri="{FF2B5EF4-FFF2-40B4-BE49-F238E27FC236}">
+                    <a16:creationId xmlns:a16="http://schemas.microsoft.com/office/drawing/2014/main" id="{6F563E9C-02E3-0509-1A74-A83D1F7B31D1}"/>
+                  </a:ext>
+                </a:extLst>
+              </p:cNvPr>
+              <p:cNvSpPr txBox="1">
+                <a:spLocks noRot="1" noChangeAspect="1" noMove="1" noResize="1" noEditPoints="1" noAdjustHandles="1" noChangeArrowheads="1" noChangeShapeType="1" noTextEdit="1"/>
+              </p:cNvSpPr>
+              <p:nvPr/>
+            </p:nvSpPr>
+            <p:spPr>
+              <a:xfrm>
+                <a:off x="7530860" y="1906437"/>
+                <a:ext cx="3950899" cy="1228606"/>
+              </a:xfrm>
+              <a:prstGeom prst="rect">
+                <a:avLst/>
+              </a:prstGeom>
+              <a:blipFill>
+                <a:blip r:embed="rId3"/>
+                <a:stretch>
+                  <a:fillRect l="-2006" t="-3483" b="-9453"/>
+                </a:stretch>
+              </a:blipFill>
+            </p:spPr>
+            <p:txBody>
+              <a:bodyPr/>
+              <a:lstStyle/>
+              <a:p>
+                <a:r>
+                  <a:rPr lang="en-US">
+                    <a:noFill/>
+                  </a:rPr>
+                  <a:t> </a:t>
+                </a:r>
+              </a:p>
+            </p:txBody>
+          </p:sp>
+        </mc:Fallback>
+      </mc:AlternateContent>
     </p:spTree>
     <p:extLst>
       <p:ext uri="{BB962C8B-B14F-4D97-AF65-F5344CB8AC3E}">
@@ -6002,8 +6242,8 @@
           <a:chExt cx="0" cy="0"/>
         </a:xfrm>
       </p:grpSpPr>
-      <mc:AlternateContent xmlns:mc="http://schemas.openxmlformats.org/markup-compatibility/2006">
-        <mc:Choice xmlns:a14="http://schemas.microsoft.com/office/drawing/2010/main" Requires="a14">
+      <mc:AlternateContent xmlns:mc="http://schemas.openxmlformats.org/markup-compatibility/2006" xmlns:a14="http://schemas.microsoft.com/office/drawing/2010/main">
+        <mc:Choice Requires="a14">
           <p:sp>
             <p:nvSpPr>
               <p:cNvPr id="2" name="Title 1">
@@ -6027,7 +6267,7 @@
               <a:p>
                 <a:r>
                   <a:rPr lang="en-US" dirty="0"/>
-                  <a:t>Now get the predictive posterior for </a:t>
+                  <a:t>Use MCMC to get the predictive posteriors for </a:t>
                 </a:r>
                 <a14:m>
                   <m:oMath xmlns:m="http://schemas.openxmlformats.org/officeDocument/2006/math">
@@ -6052,7 +6292,7 @@
             </p:txBody>
           </p:sp>
         </mc:Choice>
-        <mc:Fallback>
+        <mc:Fallback xmlns="">
           <p:sp>
             <p:nvSpPr>
               <p:cNvPr id="2" name="Title 1">
@@ -6073,7 +6313,7 @@
               <a:blipFill>
                 <a:blip r:embed="rId2"/>
                 <a:stretch>
-                  <a:fillRect l="-2377" t="-13364" b="-21198"/>
+                  <a:fillRect l="-2377" t="-13364" r="-3420" b="-21198"/>
                 </a:stretch>
               </a:blipFill>
             </p:spPr>
@@ -6340,7 +6580,15 @@
           <a:p>
             <a:r>
               <a:rPr lang="en-US" dirty="0"/>
-              <a:t>Hamada, </a:t>
+              <a:t>Hamada </a:t>
+            </a:r>
+            <a:r>
+              <a:rPr lang="en-US" i="1" dirty="0"/>
+              <a:t>et al.</a:t>
+            </a:r>
+            <a:r>
+              <a:rPr lang="en-US" dirty="0"/>
+              <a:t>, </a:t>
             </a:r>
             <a:r>
               <a:rPr lang="en-US" i="1" dirty="0"/>
@@ -6348,7 +6596,7 @@
             </a:r>
             <a:r>
               <a:rPr lang="en-US" dirty="0"/>
-              <a:t>, page 21, following</a:t>
+              <a:t>, (2008) page 21, following</a:t>
             </a:r>
           </a:p>
           <a:p>
@@ -6467,8 +6715,8 @@
           <a:chExt cx="0" cy="0"/>
         </a:xfrm>
       </p:grpSpPr>
-      <mc:AlternateContent xmlns:mc="http://schemas.openxmlformats.org/markup-compatibility/2006">
-        <mc:Choice xmlns:a14="http://schemas.microsoft.com/office/drawing/2010/main" Requires="a14">
+      <mc:AlternateContent xmlns:mc="http://schemas.openxmlformats.org/markup-compatibility/2006" xmlns:a14="http://schemas.microsoft.com/office/drawing/2010/main">
+        <mc:Choice Requires="a14">
           <p:sp>
             <p:nvSpPr>
               <p:cNvPr id="2" name="Title 1">
@@ -6509,7 +6757,7 @@
             </p:txBody>
           </p:sp>
         </mc:Choice>
-        <mc:Fallback>
+        <mc:Fallback xmlns="">
           <p:sp>
             <p:nvSpPr>
               <p:cNvPr id="2" name="Title 1">
@@ -7021,7 +7269,7 @@
           <a:p>
             <a:r>
               <a:rPr lang="en-US" dirty="0"/>
-              <a:t>plot the posterior predictive distribution</a:t>
+              <a:t>Plot the posterior predictive distribution</a:t>
             </a:r>
           </a:p>
         </p:txBody>
@@ -7401,8 +7649,8 @@
           <a:chExt cx="0" cy="0"/>
         </a:xfrm>
       </p:grpSpPr>
-      <mc:AlternateContent xmlns:mc="http://schemas.openxmlformats.org/markup-compatibility/2006">
-        <mc:Choice xmlns:a14="http://schemas.microsoft.com/office/drawing/2010/main" Requires="a14">
+      <mc:AlternateContent xmlns:mc="http://schemas.openxmlformats.org/markup-compatibility/2006" xmlns:a14="http://schemas.microsoft.com/office/drawing/2010/main">
+        <mc:Choice Requires="a14">
           <p:sp>
             <p:nvSpPr>
               <p:cNvPr id="2" name="Title 1">
@@ -7439,10 +7687,10 @@
                 <a14:m>
                   <m:oMath xmlns:m="http://schemas.openxmlformats.org/officeDocument/2006/math">
                     <m:r>
-                      <a:rPr lang="en-US" i="1" dirty="0" smtClean="0">
+                      <a:rPr lang="en-US" b="0" i="1" smtClean="0">
                         <a:latin typeface="Cambria Math" panose="02040503050406030204" pitchFamily="18" charset="0"/>
                       </a:rPr>
-                      <m:t>𝜃</m:t>
+                      <m:t>𝑝</m:t>
                     </m:r>
                   </m:oMath>
                 </a14:m>
@@ -7451,7 +7699,7 @@
             </p:txBody>
           </p:sp>
         </mc:Choice>
-        <mc:Fallback>
+        <mc:Fallback xmlns="">
           <p:sp>
             <p:nvSpPr>
               <p:cNvPr id="2" name="Title 1">
@@ -7795,13 +8043,21 @@
           <a:p>
             <a:r>
               <a:rPr lang="en-US" dirty="0"/>
-              <a:t>Posterior predictive distribution is based on the posterior distribution of p.</a:t>
-            </a:r>
-          </a:p>
-          <a:p>
-            <a:r>
-              <a:rPr lang="en-US" dirty="0"/>
-              <a:t>But what value of p from the posterior distribution should be used to predict future performance?</a:t>
+              <a:t>Posterior predictive distribution is based on the posterior distribution of p (and the original data, y, 3 successes, 11 trials)</a:t>
+            </a:r>
+          </a:p>
+          <a:p>
+            <a:r>
+              <a:rPr lang="en-US" dirty="0"/>
+              <a:t>But what value of p from the posterior </a:t>
+            </a:r>
+            <a:r>
+              <a:rPr lang="en-US" dirty="0" err="1"/>
+              <a:t>prredictive</a:t>
+            </a:r>
+            <a:r>
+              <a:rPr lang="en-US" dirty="0"/>
+              <a:t> distribution should be used to predict future performance (sound familiar)?</a:t>
             </a:r>
           </a:p>
           <a:p>
@@ -8336,7 +8592,7 @@
           <a:p>
             <a:r>
               <a:rPr lang="en-US" dirty="0"/>
-              <a:t>Now get the posterior predictive distribution for number of successes, </a:t>
+              <a:t>Now find the posterior predictive distribution for number of successes, 13 trials </a:t>
             </a:r>
           </a:p>
         </p:txBody>
@@ -8364,7 +8620,7 @@
           <a:p>
             <a:r>
               <a:rPr lang="en-US" dirty="0"/>
-              <a:t>For13 trials, posterior predictive distribution for p</a:t>
+              <a:t>13 trials, posterior predictive distribution for number of successes</a:t>
             </a:r>
           </a:p>
         </p:txBody>
@@ -8675,8 +8931,8 @@
           </a:p>
         </p:txBody>
       </p:sp>
-      <mc:AlternateContent xmlns:mc="http://schemas.openxmlformats.org/markup-compatibility/2006">
-        <mc:Choice xmlns:a14="http://schemas.microsoft.com/office/drawing/2010/main" Requires="a14">
+      <mc:AlternateContent xmlns:mc="http://schemas.openxmlformats.org/markup-compatibility/2006" xmlns:a14="http://schemas.microsoft.com/office/drawing/2010/main">
+        <mc:Choice Requires="a14">
           <p:sp>
             <p:nvSpPr>
               <p:cNvPr id="3" name="Content Placeholder 2">
@@ -8752,7 +9008,7 @@
             </p:txBody>
           </p:sp>
         </mc:Choice>
-        <mc:Fallback>
+        <mc:Fallback xmlns="">
           <p:sp>
             <p:nvSpPr>
               <p:cNvPr id="3" name="Content Placeholder 2">
@@ -8909,8 +9165,8 @@
           </a:p>
         </p:txBody>
       </p:sp>
-      <mc:AlternateContent xmlns:mc="http://schemas.openxmlformats.org/markup-compatibility/2006">
-        <mc:Choice xmlns:a14="http://schemas.microsoft.com/office/drawing/2010/main" Requires="a14">
+      <mc:AlternateContent xmlns:mc="http://schemas.openxmlformats.org/markup-compatibility/2006" xmlns:a14="http://schemas.microsoft.com/office/drawing/2010/main">
+        <mc:Choice Requires="a14">
           <p:sp>
             <p:nvSpPr>
               <p:cNvPr id="3" name="Content Placeholder 2">
@@ -8929,12 +9185,14 @@
             </p:nvSpPr>
             <p:spPr/>
             <p:txBody>
-              <a:bodyPr/>
+              <a:bodyPr>
+                <a:normAutofit lnSpcReduction="10000"/>
+              </a:bodyPr>
               <a:lstStyle/>
               <a:p>
                 <a:r>
                   <a:rPr lang="en-US" dirty="0"/>
-                  <a:t>Let’s do a Bayesian analysis: get some predictions.</a:t>
+                  <a:t>Bayesian analysis: get some predictions.</a:t>
                 </a:r>
               </a:p>
               <a:p>
@@ -8949,7 +9207,56 @@
                 </a:r>
                 <a:r>
                   <a:rPr lang="en-US" dirty="0"/>
-                  <a:t>, number of successful launches in 13 trials</a:t>
+                  <a:t>, number of future successful launches in 13 trials</a:t>
+                </a:r>
+              </a:p>
+              <a:p>
+                <a:pPr lvl="1"/>
+                <a:r>
+                  <a:rPr lang="en-US" dirty="0"/>
+                  <a:t>Aside: in this presentation </a:t>
+                </a:r>
+                <a14:m>
+                  <m:oMath xmlns:m="http://schemas.openxmlformats.org/officeDocument/2006/math">
+                    <m:r>
+                      <a:rPr lang="en-US" i="1" dirty="0" smtClean="0">
+                        <a:latin typeface="Cambria Math" panose="02040503050406030204" pitchFamily="18" charset="0"/>
+                      </a:rPr>
+                      <m:t>𝜃</m:t>
+                    </m:r>
+                    <m:r>
+                      <a:rPr lang="en-US" b="0" i="1" dirty="0" smtClean="0">
+                        <a:latin typeface="Cambria Math" panose="02040503050406030204" pitchFamily="18" charset="0"/>
+                      </a:rPr>
+                      <m:t> </m:t>
+                    </m:r>
+                  </m:oMath>
+                </a14:m>
+                <a:r>
+                  <a:rPr lang="en-US" dirty="0"/>
+                  <a:t>and p are used interchangeably.  When </a:t>
+                </a:r>
+                <a14:m>
+                  <m:oMath xmlns:m="http://schemas.openxmlformats.org/officeDocument/2006/math">
+                    <m:r>
+                      <a:rPr lang="en-US" i="1" dirty="0" smtClean="0">
+                        <a:latin typeface="Cambria Math" panose="02040503050406030204" pitchFamily="18" charset="0"/>
+                      </a:rPr>
+                      <m:t>𝜃</m:t>
+                    </m:r>
+                  </m:oMath>
+                </a14:m>
+                <a:r>
+                  <a:rPr lang="en-US" dirty="0"/>
+                  <a:t> appears it may be taken in a more general sense, </a:t>
+                </a:r>
+                <a:r>
+                  <a:rPr lang="en-US" i="1" dirty="0"/>
+                  <a:t>i.e.</a:t>
+                </a:r>
+                <a:r>
+                  <a:rPr lang="en-US" dirty="0"/>
+                  <a:t> a vector of parameters</a:t>
                 </a:r>
               </a:p>
               <a:p>
@@ -8967,24 +9274,10 @@
                 <a14:m>
                   <m:oMath xmlns:m="http://schemas.openxmlformats.org/officeDocument/2006/math">
                     <m:r>
-                      <m:rPr>
-                        <m:sty m:val="p"/>
-                      </m:rPr>
-                      <a:rPr kumimoji="0" lang="el-GR" sz="2800" b="0" i="1" u="none" strike="noStrike" kern="1200" cap="none" spc="0" normalizeH="0" baseline="0" noProof="0" dirty="0" smtClean="0">
-                        <a:ln>
-                          <a:noFill/>
-                        </a:ln>
-                        <a:solidFill>
-                          <a:prstClr val="black"/>
-                        </a:solidFill>
-                        <a:effectLst/>
-                        <a:uLnTx/>
-                        <a:uFillTx/>
+                      <a:rPr lang="en-US" b="0" i="1" smtClean="0">
                         <a:latin typeface="Cambria Math" panose="02040503050406030204" pitchFamily="18" charset="0"/>
-                        <a:ea typeface="+mn-ea"/>
-                        <a:cs typeface="+mn-cs"/>
                       </a:rPr>
-                      <m:t>θ</m:t>
+                      <m:t>𝑝</m:t>
                     </m:r>
                   </m:oMath>
                 </a14:m>
@@ -9023,7 +9316,7 @@
             </p:txBody>
           </p:sp>
         </mc:Choice>
-        <mc:Fallback>
+        <mc:Fallback xmlns="">
           <p:sp>
             <p:nvSpPr>
               <p:cNvPr id="3" name="Content Placeholder 2">
@@ -9044,7 +9337,7 @@
               <a:blipFill>
                 <a:blip r:embed="rId2"/>
                 <a:stretch>
-                  <a:fillRect l="-1043" t="-2241" r="-522"/>
+                  <a:fillRect l="-1043" t="-3081" r="-522"/>
                 </a:stretch>
               </a:blipFill>
             </p:spPr>
@@ -9297,7 +9590,7 @@
           <a:p>
             <a:r>
               <a:rPr lang="en-US" dirty="0"/>
-              <a:t>Posterior plots,  3 priors</a:t>
+              <a:t>Posterior plots,  a tale of 3 priors</a:t>
             </a:r>
           </a:p>
         </p:txBody>
@@ -9834,8 +10127,8 @@
           </a:graphicData>
         </a:graphic>
       </p:graphicFrame>
-      <mc:AlternateContent xmlns:mc="http://schemas.openxmlformats.org/markup-compatibility/2006">
-        <mc:Choice xmlns:a14="http://schemas.microsoft.com/office/drawing/2010/main" Requires="a14">
+      <mc:AlternateContent xmlns:mc="http://schemas.openxmlformats.org/markup-compatibility/2006" xmlns:a14="http://schemas.microsoft.com/office/drawing/2010/main">
+        <mc:Choice Requires="a14">
           <p:sp>
             <p:nvSpPr>
               <p:cNvPr id="5" name="TextBox 4">
@@ -9851,7 +10144,7 @@
             <p:spPr>
               <a:xfrm>
                 <a:off x="838200" y="4298731"/>
-                <a:ext cx="7906407" cy="2070503"/>
+                <a:ext cx="7906407" cy="2439835"/>
               </a:xfrm>
               <a:prstGeom prst="rect">
                 <a:avLst/>
@@ -9866,7 +10159,7 @@
               <a:p>
                 <a:r>
                   <a:rPr lang="en-US" sz="2400" dirty="0"/>
-                  <a:t>NOW, let’s get posterior predictive distribution for launch success:</a:t>
+                  <a:t>NOW, let’s get posterior predictive distribution for launch success: again, 𝜃 represents an arbitrary parameter, here it is probability of a successful launch</a:t>
                 </a:r>
               </a:p>
               <a:p>
@@ -10033,7 +10326,7 @@
             </p:txBody>
           </p:sp>
         </mc:Choice>
-        <mc:Fallback>
+        <mc:Fallback xmlns="">
           <p:sp>
             <p:nvSpPr>
               <p:cNvPr id="5" name="TextBox 4">
@@ -10051,7 +10344,7 @@
             <p:spPr>
               <a:xfrm>
                 <a:off x="838200" y="4298731"/>
-                <a:ext cx="7906407" cy="2070503"/>
+                <a:ext cx="7906407" cy="2439835"/>
               </a:xfrm>
               <a:prstGeom prst="rect">
                 <a:avLst/>
@@ -10059,7 +10352,7 @@
               <a:blipFill>
                 <a:blip r:embed="rId2"/>
                 <a:stretch>
-                  <a:fillRect l="-1235" t="-2353" b="-5882"/>
+                  <a:fillRect l="-1235" t="-2000" b="-5000"/>
                 </a:stretch>
               </a:blipFill>
             </p:spPr>
@@ -10165,8 +10458,8 @@
           </a:p>
         </p:txBody>
       </p:sp>
-      <mc:AlternateContent xmlns:mc="http://schemas.openxmlformats.org/markup-compatibility/2006">
-        <mc:Choice xmlns:a14="http://schemas.microsoft.com/office/drawing/2010/main" Requires="a14">
+      <mc:AlternateContent xmlns:mc="http://schemas.openxmlformats.org/markup-compatibility/2006" xmlns:a14="http://schemas.microsoft.com/office/drawing/2010/main">
+        <mc:Choice Requires="a14">
           <p:sp>
             <p:nvSpPr>
               <p:cNvPr id="3" name="Content Placeholder 2">
@@ -10212,7 +10505,7 @@
                 </a14:m>
                 <a:r>
                   <a:rPr lang="en-US" dirty="0"/>
-                  <a:t> use this distribution to estimate the number of successes we expect in a proposed program for 13 new designs. </a:t>
+                  <a:t> we’d like to use this distribution to estimate the number of successes we expect in a proposed program for 13 new cases. </a:t>
                 </a:r>
               </a:p>
               <a:p>
@@ -10246,7 +10539,7 @@
                 </a14:m>
                 <a:r>
                   <a:rPr lang="en-US" dirty="0"/>
-                  <a:t>?  We have a  distribution. </a:t>
+                  <a:t>?  We have a  distribution, not a point estimate </a:t>
                 </a:r>
               </a:p>
               <a:p>
@@ -10292,7 +10585,7 @@
                 <a:pPr lvl="1"/>
                 <a:r>
                   <a:rPr lang="en-US" dirty="0"/>
-                  <a:t>p(</a:t>
+                  <a:t>BUT p(</a:t>
                 </a:r>
                 <a14:m>
                   <m:oMath xmlns:m="http://schemas.openxmlformats.org/officeDocument/2006/math">
@@ -10306,7 +10599,7 @@
                 </a14:m>
                 <a:r>
                   <a:rPr lang="en-US" dirty="0"/>
-                  <a:t>|y) is a distribution, but we don’t have it in closed form. </a:t>
+                  <a:t>|y) is a distribution, and we don’t have it in closed form. </a:t>
                 </a:r>
               </a:p>
               <a:p>
@@ -10328,7 +10621,7 @@
             </p:txBody>
           </p:sp>
         </mc:Choice>
-        <mc:Fallback>
+        <mc:Fallback xmlns="">
           <p:sp>
             <p:nvSpPr>
               <p:cNvPr id="3" name="Content Placeholder 2">
@@ -10349,7 +10642,7 @@
               <a:blipFill>
                 <a:blip r:embed="rId2"/>
                 <a:stretch>
-                  <a:fillRect l="-928" t="-2101" r="-812"/>
+                  <a:fillRect l="-928" t="-2101" r="-638" b="-1401"/>
                 </a:stretch>
               </a:blipFill>
             </p:spPr>
